--- a/Classical ML/Predictions of Heart Disease Presence/Presentation Predictions of Heart Disease Presence.pptx
+++ b/Classical ML/Predictions of Heart Disease Presence/Presentation Predictions of Heart Disease Presence.pptx
@@ -1,11 +1,12 @@
 
 <file path=ppt/presentation.xml><?xml version="1.0" encoding="utf-8"?>
-<p:presentation xmlns:a="http://schemas.openxmlformats.org/drawingml/2006/main" xmlns:r="http://schemas.openxmlformats.org/officeDocument/2006/relationships" xmlns:p="http://schemas.openxmlformats.org/presentationml/2006/main" xmlns:m="http://schemas.openxmlformats.org/officeDocument/2006/math" xmlns:w="http://schemas.openxmlformats.org/wordprocessingml/2006/main" saveSubsetFonts="1">
+<p:presentation xmlns:a="http://schemas.openxmlformats.org/drawingml/2006/main" xmlns:r="http://schemas.openxmlformats.org/officeDocument/2006/relationships" xmlns:p="http://schemas.openxmlformats.org/presentationml/2006/main" saveSubsetFonts="1">
   <p:sldMasterIdLst>
     <p:sldMasterId id="2147483648" r:id="rId1"/>
   </p:sldMasterIdLst>
   <p:sldIdLst>
-    <p:sldId id="256" r:id="rId3"/>
+    <p:sldId id="256" r:id="rId2"/>
+    <p:sldId id="270" r:id="rId3"/>
     <p:sldId id="257" r:id="rId4"/>
     <p:sldId id="258" r:id="rId5"/>
     <p:sldId id="259" r:id="rId6"/>
@@ -117,11 +118,27 @@
       </a:defRPr>
     </a:lvl9pPr>
   </p:defaultTextStyle>
+  <p:extLst>
+    <p:ext uri="{EFAFB233-063F-42B5-8137-9DF3F51BA10A}">
+      <p15:sldGuideLst xmlns:p15="http://schemas.microsoft.com/office/powerpoint/2012/main">
+        <p15:guide id="1" orient="horz" pos="2160">
+          <p15:clr>
+            <a:srgbClr val="A4A3A4"/>
+          </p15:clr>
+        </p15:guide>
+        <p15:guide id="2" pos="2880">
+          <p15:clr>
+            <a:srgbClr val="A4A3A4"/>
+          </p15:clr>
+        </p15:guide>
+      </p15:sldGuideLst>
+    </p:ext>
+  </p:extLst>
 </p:presentation>
 </file>
 
 <file path=ppt/slideLayouts/slideLayout1.xml><?xml version="1.0" encoding="utf-8"?>
-<p:sldLayout xmlns:a="http://schemas.openxmlformats.org/drawingml/2006/main" xmlns:r="http://schemas.openxmlformats.org/officeDocument/2006/relationships" xmlns:p="http://schemas.openxmlformats.org/presentationml/2006/main" xmlns:m="http://schemas.openxmlformats.org/officeDocument/2006/math" xmlns:w="http://schemas.openxmlformats.org/wordprocessingml/2006/main" matchingName="" preserve="1" showMasterPhAnim="0" type="title" userDrawn="1">
+<p:sldLayout xmlns:a="http://schemas.openxmlformats.org/drawingml/2006/main" xmlns:r="http://schemas.openxmlformats.org/officeDocument/2006/relationships" xmlns:p="http://schemas.openxmlformats.org/presentationml/2006/main" showMasterPhAnim="0" type="title" preserve="1" userDrawn="1">
   <p:cSld name="Титульный слайд">
     <p:spTree>
       <p:nvGrpSpPr>
@@ -168,7 +185,6 @@
               <a:rPr lang="ru-RU"/>
               <a:t>Образец заголовка</a:t>
             </a:r>
-            <a:endParaRPr lang="ru-RU"/>
           </a:p>
         </p:txBody>
       </p:sp>
@@ -236,7 +252,6 @@
               <a:rPr lang="ru-RU"/>
               <a:t>Образец подзаголовка</a:t>
             </a:r>
-            <a:endParaRPr lang="ru-RU"/>
           </a:p>
         </p:txBody>
       </p:sp>
@@ -260,7 +275,7 @@
             </a:pPr>
             <a:fld id="{BCC18F51-09EC-435C-A3BA-64A766E099C0}" type="datetimeFigureOut">
               <a:rPr lang="ru-RU"/>
-              <a:t/>
+              <a:t>05.12.2023</a:t>
             </a:fld>
             <a:endParaRPr lang="ru-RU"/>
           </a:p>
@@ -308,7 +323,7 @@
             </a:pPr>
             <a:fld id="{08395586-F03A-48D1-94DF-16B239DF4FB5}" type="slidenum">
               <a:rPr lang="ru-RU"/>
-              <a:t/>
+              <a:t>‹#›</a:t>
             </a:fld>
             <a:endParaRPr lang="ru-RU"/>
           </a:p>
@@ -323,7 +338,7 @@
 </file>
 
 <file path=ppt/slideLayouts/slideLayout10.xml><?xml version="1.0" encoding="utf-8"?>
-<p:sldLayout xmlns:a="http://schemas.openxmlformats.org/drawingml/2006/main" xmlns:r="http://schemas.openxmlformats.org/officeDocument/2006/relationships" xmlns:p="http://schemas.openxmlformats.org/presentationml/2006/main" xmlns:m="http://schemas.openxmlformats.org/officeDocument/2006/math" xmlns:w="http://schemas.openxmlformats.org/wordprocessingml/2006/main" matchingName="" preserve="1" showMasterPhAnim="0" type="vertTx" userDrawn="1">
+<p:sldLayout xmlns:a="http://schemas.openxmlformats.org/drawingml/2006/main" xmlns:r="http://schemas.openxmlformats.org/officeDocument/2006/relationships" xmlns:p="http://schemas.openxmlformats.org/presentationml/2006/main" showMasterPhAnim="0" type="vertTx" preserve="1" userDrawn="1">
   <p:cSld name="Заголовок и вертикальный текст">
     <p:spTree>
       <p:nvGrpSpPr>
@@ -361,7 +376,6 @@
               <a:rPr lang="ru-RU"/>
               <a:t>Образец заголовка</a:t>
             </a:r>
-            <a:endParaRPr lang="ru-RU"/>
           </a:p>
         </p:txBody>
       </p:sp>
@@ -427,7 +441,6 @@
               <a:rPr lang="ru-RU"/>
               <a:t>Пятый уровень</a:t>
             </a:r>
-            <a:endParaRPr lang="ru-RU"/>
           </a:p>
         </p:txBody>
       </p:sp>
@@ -451,7 +464,7 @@
             </a:pPr>
             <a:fld id="{BCC18F51-09EC-435C-A3BA-64A766E099C0}" type="datetimeFigureOut">
               <a:rPr lang="ru-RU"/>
-              <a:t/>
+              <a:t>05.12.2023</a:t>
             </a:fld>
             <a:endParaRPr lang="ru-RU"/>
           </a:p>
@@ -499,7 +512,7 @@
             </a:pPr>
             <a:fld id="{08395586-F03A-48D1-94DF-16B239DF4FB5}" type="slidenum">
               <a:rPr lang="ru-RU"/>
-              <a:t/>
+              <a:t>‹#›</a:t>
             </a:fld>
             <a:endParaRPr lang="ru-RU"/>
           </a:p>
@@ -514,7 +527,7 @@
 </file>
 
 <file path=ppt/slideLayouts/slideLayout11.xml><?xml version="1.0" encoding="utf-8"?>
-<p:sldLayout xmlns:a="http://schemas.openxmlformats.org/drawingml/2006/main" xmlns:r="http://schemas.openxmlformats.org/officeDocument/2006/relationships" xmlns:p="http://schemas.openxmlformats.org/presentationml/2006/main" xmlns:m="http://schemas.openxmlformats.org/officeDocument/2006/math" xmlns:w="http://schemas.openxmlformats.org/wordprocessingml/2006/main" matchingName="" preserve="1" showMasterPhAnim="0" type="vertTitleAndTx" userDrawn="1">
+<p:sldLayout xmlns:a="http://schemas.openxmlformats.org/drawingml/2006/main" xmlns:r="http://schemas.openxmlformats.org/officeDocument/2006/relationships" xmlns:p="http://schemas.openxmlformats.org/presentationml/2006/main" showMasterPhAnim="0" type="vertTitleAndTx" preserve="1" userDrawn="1">
   <p:cSld name="Вертикальный заголовок и текст">
     <p:spTree>
       <p:nvGrpSpPr>
@@ -557,7 +570,6 @@
               <a:rPr lang="ru-RU"/>
               <a:t>Образец заголовка</a:t>
             </a:r>
-            <a:endParaRPr lang="ru-RU"/>
           </a:p>
         </p:txBody>
       </p:sp>
@@ -628,7 +640,6 @@
               <a:rPr lang="ru-RU"/>
               <a:t>Fifth level</a:t>
             </a:r>
-            <a:endParaRPr lang="ru-RU"/>
           </a:p>
         </p:txBody>
       </p:sp>
@@ -652,7 +663,7 @@
             </a:pPr>
             <a:fld id="{BCC18F51-09EC-435C-A3BA-64A766E099C0}" type="datetimeFigureOut">
               <a:rPr lang="ru-RU"/>
-              <a:t/>
+              <a:t>05.12.2023</a:t>
             </a:fld>
             <a:endParaRPr lang="ru-RU"/>
           </a:p>
@@ -700,7 +711,7 @@
             </a:pPr>
             <a:fld id="{08395586-F03A-48D1-94DF-16B239DF4FB5}" type="slidenum">
               <a:rPr lang="ru-RU"/>
-              <a:t/>
+              <a:t>‹#›</a:t>
             </a:fld>
             <a:endParaRPr lang="ru-RU"/>
           </a:p>
@@ -715,7 +726,7 @@
 </file>
 
 <file path=ppt/slideLayouts/slideLayout2.xml><?xml version="1.0" encoding="utf-8"?>
-<p:sldLayout xmlns:a="http://schemas.openxmlformats.org/drawingml/2006/main" xmlns:r="http://schemas.openxmlformats.org/officeDocument/2006/relationships" xmlns:p="http://schemas.openxmlformats.org/presentationml/2006/main" xmlns:m="http://schemas.openxmlformats.org/officeDocument/2006/math" xmlns:w="http://schemas.openxmlformats.org/wordprocessingml/2006/main" matchingName="" preserve="1" showMasterPhAnim="0" type="obj" userDrawn="1">
+<p:sldLayout xmlns:a="http://schemas.openxmlformats.org/drawingml/2006/main" xmlns:r="http://schemas.openxmlformats.org/officeDocument/2006/relationships" xmlns:p="http://schemas.openxmlformats.org/presentationml/2006/main" showMasterPhAnim="0" type="obj" preserve="1" userDrawn="1">
   <p:cSld name="Заголовок и объект">
     <p:spTree>
       <p:nvGrpSpPr>
@@ -753,7 +764,6 @@
               <a:rPr lang="ru-RU"/>
               <a:t>Образец заголовка</a:t>
             </a:r>
-            <a:endParaRPr lang="ru-RU"/>
           </a:p>
         </p:txBody>
       </p:sp>
@@ -819,7 +829,6 @@
               <a:rPr lang="ru-RU"/>
               <a:t>Fifth level</a:t>
             </a:r>
-            <a:endParaRPr lang="ru-RU"/>
           </a:p>
         </p:txBody>
       </p:sp>
@@ -843,7 +852,7 @@
             </a:pPr>
             <a:fld id="{BCC18F51-09EC-435C-A3BA-64A766E099C0}" type="datetimeFigureOut">
               <a:rPr lang="ru-RU"/>
-              <a:t/>
+              <a:t>05.12.2023</a:t>
             </a:fld>
             <a:endParaRPr lang="ru-RU"/>
           </a:p>
@@ -891,7 +900,7 @@
             </a:pPr>
             <a:fld id="{08395586-F03A-48D1-94DF-16B239DF4FB5}" type="slidenum">
               <a:rPr lang="ru-RU"/>
-              <a:t/>
+              <a:t>‹#›</a:t>
             </a:fld>
             <a:endParaRPr lang="ru-RU"/>
           </a:p>
@@ -906,7 +915,7 @@
 </file>
 
 <file path=ppt/slideLayouts/slideLayout3.xml><?xml version="1.0" encoding="utf-8"?>
-<p:sldLayout xmlns:a="http://schemas.openxmlformats.org/drawingml/2006/main" xmlns:r="http://schemas.openxmlformats.org/officeDocument/2006/relationships" xmlns:p="http://schemas.openxmlformats.org/presentationml/2006/main" xmlns:m="http://schemas.openxmlformats.org/officeDocument/2006/math" xmlns:w="http://schemas.openxmlformats.org/wordprocessingml/2006/main" matchingName="" preserve="1" showMasterPhAnim="0" type="secHead" userDrawn="1">
+<p:sldLayout xmlns:a="http://schemas.openxmlformats.org/drawingml/2006/main" xmlns:r="http://schemas.openxmlformats.org/officeDocument/2006/relationships" xmlns:p="http://schemas.openxmlformats.org/presentationml/2006/main" showMasterPhAnim="0" type="secHead" preserve="1" userDrawn="1">
   <p:cSld name="Заголовок раздела">
     <p:spTree>
       <p:nvGrpSpPr>
@@ -953,7 +962,6 @@
               <a:rPr lang="ru-RU"/>
               <a:t>Образец заголовка</a:t>
             </a:r>
-            <a:endParaRPr lang="ru-RU"/>
           </a:p>
         </p:txBody>
       </p:sp>
@@ -1099,7 +1107,7 @@
             </a:pPr>
             <a:fld id="{BCC18F51-09EC-435C-A3BA-64A766E099C0}" type="datetimeFigureOut">
               <a:rPr lang="ru-RU"/>
-              <a:t/>
+              <a:t>05.12.2023</a:t>
             </a:fld>
             <a:endParaRPr lang="ru-RU"/>
           </a:p>
@@ -1147,7 +1155,7 @@
             </a:pPr>
             <a:fld id="{08395586-F03A-48D1-94DF-16B239DF4FB5}" type="slidenum">
               <a:rPr lang="ru-RU"/>
-              <a:t/>
+              <a:t>‹#›</a:t>
             </a:fld>
             <a:endParaRPr lang="ru-RU"/>
           </a:p>
@@ -1162,7 +1170,7 @@
 </file>
 
 <file path=ppt/slideLayouts/slideLayout4.xml><?xml version="1.0" encoding="utf-8"?>
-<p:sldLayout xmlns:a="http://schemas.openxmlformats.org/drawingml/2006/main" xmlns:r="http://schemas.openxmlformats.org/officeDocument/2006/relationships" xmlns:p="http://schemas.openxmlformats.org/presentationml/2006/main" xmlns:m="http://schemas.openxmlformats.org/officeDocument/2006/math" xmlns:w="http://schemas.openxmlformats.org/wordprocessingml/2006/main" matchingName="" preserve="1" showMasterPhAnim="0" type="twoObj" userDrawn="1">
+<p:sldLayout xmlns:a="http://schemas.openxmlformats.org/drawingml/2006/main" xmlns:r="http://schemas.openxmlformats.org/officeDocument/2006/relationships" xmlns:p="http://schemas.openxmlformats.org/presentationml/2006/main" showMasterPhAnim="0" type="twoObj" preserve="1" userDrawn="1">
   <p:cSld name="Два объекта">
     <p:spTree>
       <p:nvGrpSpPr>
@@ -1200,7 +1208,6 @@
               <a:rPr lang="ru-RU"/>
               <a:t>Образец заголовка</a:t>
             </a:r>
-            <a:endParaRPr lang="ru-RU"/>
           </a:p>
         </p:txBody>
       </p:sp>
@@ -1271,7 +1278,6 @@
               <a:rPr lang="ru-RU"/>
               <a:t>Пятый уровень</a:t>
             </a:r>
-            <a:endParaRPr lang="ru-RU"/>
           </a:p>
         </p:txBody>
       </p:sp>
@@ -1342,7 +1348,6 @@
               <a:rPr lang="ru-RU"/>
               <a:t>Пятый уровень</a:t>
             </a:r>
-            <a:endParaRPr lang="ru-RU"/>
           </a:p>
         </p:txBody>
       </p:sp>
@@ -1366,7 +1371,7 @@
             </a:pPr>
             <a:fld id="{BCC18F51-09EC-435C-A3BA-64A766E099C0}" type="datetimeFigureOut">
               <a:rPr lang="ru-RU"/>
-              <a:t/>
+              <a:t>05.12.2023</a:t>
             </a:fld>
             <a:endParaRPr lang="ru-RU"/>
           </a:p>
@@ -1414,7 +1419,7 @@
             </a:pPr>
             <a:fld id="{08395586-F03A-48D1-94DF-16B239DF4FB5}" type="slidenum">
               <a:rPr lang="ru-RU"/>
-              <a:t/>
+              <a:t>‹#›</a:t>
             </a:fld>
             <a:endParaRPr lang="ru-RU"/>
           </a:p>
@@ -1429,7 +1434,7 @@
 </file>
 
 <file path=ppt/slideLayouts/slideLayout5.xml><?xml version="1.0" encoding="utf-8"?>
-<p:sldLayout xmlns:a="http://schemas.openxmlformats.org/drawingml/2006/main" xmlns:r="http://schemas.openxmlformats.org/officeDocument/2006/relationships" xmlns:p="http://schemas.openxmlformats.org/presentationml/2006/main" xmlns:m="http://schemas.openxmlformats.org/officeDocument/2006/math" xmlns:w="http://schemas.openxmlformats.org/wordprocessingml/2006/main" matchingName="" preserve="1" showMasterPhAnim="0" type="twoTxTwoObj" userDrawn="1">
+<p:sldLayout xmlns:a="http://schemas.openxmlformats.org/drawingml/2006/main" xmlns:r="http://schemas.openxmlformats.org/officeDocument/2006/relationships" xmlns:p="http://schemas.openxmlformats.org/presentationml/2006/main" showMasterPhAnim="0" type="twoTxTwoObj" preserve="1" userDrawn="1">
   <p:cSld name="Сравнение">
     <p:spTree>
       <p:nvGrpSpPr>
@@ -1472,7 +1477,6 @@
               <a:rPr lang="ru-RU"/>
               <a:t>Образец заголовка</a:t>
             </a:r>
-            <a:endParaRPr lang="ru-RU"/>
           </a:p>
         </p:txBody>
       </p:sp>
@@ -1611,7 +1615,6 @@
               <a:rPr lang="ru-RU"/>
               <a:t>Пятый уровень</a:t>
             </a:r>
-            <a:endParaRPr lang="ru-RU"/>
           </a:p>
         </p:txBody>
       </p:sp>
@@ -1750,7 +1753,6 @@
               <a:rPr lang="ru-RU"/>
               <a:t>Пятый уровень</a:t>
             </a:r>
-            <a:endParaRPr lang="ru-RU"/>
           </a:p>
         </p:txBody>
       </p:sp>
@@ -1774,7 +1776,7 @@
             </a:pPr>
             <a:fld id="{BCC18F51-09EC-435C-A3BA-64A766E099C0}" type="datetimeFigureOut">
               <a:rPr lang="ru-RU"/>
-              <a:t/>
+              <a:t>05.12.2023</a:t>
             </a:fld>
             <a:endParaRPr lang="ru-RU"/>
           </a:p>
@@ -1822,7 +1824,7 @@
             </a:pPr>
             <a:fld id="{08395586-F03A-48D1-94DF-16B239DF4FB5}" type="slidenum">
               <a:rPr lang="ru-RU"/>
-              <a:t/>
+              <a:t>‹#›</a:t>
             </a:fld>
             <a:endParaRPr lang="ru-RU"/>
           </a:p>
@@ -1837,7 +1839,7 @@
 </file>
 
 <file path=ppt/slideLayouts/slideLayout6.xml><?xml version="1.0" encoding="utf-8"?>
-<p:sldLayout xmlns:a="http://schemas.openxmlformats.org/drawingml/2006/main" xmlns:r="http://schemas.openxmlformats.org/officeDocument/2006/relationships" xmlns:p="http://schemas.openxmlformats.org/presentationml/2006/main" xmlns:m="http://schemas.openxmlformats.org/officeDocument/2006/math" xmlns:w="http://schemas.openxmlformats.org/wordprocessingml/2006/main" matchingName="" preserve="1" showMasterPhAnim="0" type="titleOnly" userDrawn="1">
+<p:sldLayout xmlns:a="http://schemas.openxmlformats.org/drawingml/2006/main" xmlns:r="http://schemas.openxmlformats.org/officeDocument/2006/relationships" xmlns:p="http://schemas.openxmlformats.org/presentationml/2006/main" showMasterPhAnim="0" type="titleOnly" preserve="1" userDrawn="1">
   <p:cSld name="Только заголовок">
     <p:spTree>
       <p:nvGrpSpPr>
@@ -1875,7 +1877,6 @@
               <a:rPr lang="ru-RU"/>
               <a:t>Образец заголовка</a:t>
             </a:r>
-            <a:endParaRPr lang="ru-RU"/>
           </a:p>
         </p:txBody>
       </p:sp>
@@ -1899,7 +1900,7 @@
             </a:pPr>
             <a:fld id="{BCC18F51-09EC-435C-A3BA-64A766E099C0}" type="datetimeFigureOut">
               <a:rPr lang="ru-RU"/>
-              <a:t/>
+              <a:t>05.12.2023</a:t>
             </a:fld>
             <a:endParaRPr lang="ru-RU"/>
           </a:p>
@@ -1947,7 +1948,7 @@
             </a:pPr>
             <a:fld id="{08395586-F03A-48D1-94DF-16B239DF4FB5}" type="slidenum">
               <a:rPr lang="ru-RU"/>
-              <a:t/>
+              <a:t>‹#›</a:t>
             </a:fld>
             <a:endParaRPr lang="ru-RU"/>
           </a:p>
@@ -1962,7 +1963,7 @@
 </file>
 
 <file path=ppt/slideLayouts/slideLayout7.xml><?xml version="1.0" encoding="utf-8"?>
-<p:sldLayout xmlns:a="http://schemas.openxmlformats.org/drawingml/2006/main" xmlns:r="http://schemas.openxmlformats.org/officeDocument/2006/relationships" xmlns:p="http://schemas.openxmlformats.org/presentationml/2006/main" xmlns:m="http://schemas.openxmlformats.org/officeDocument/2006/math" xmlns:w="http://schemas.openxmlformats.org/wordprocessingml/2006/main" matchingName="" preserve="1" showMasterPhAnim="0" type="blank" userDrawn="1">
+<p:sldLayout xmlns:a="http://schemas.openxmlformats.org/drawingml/2006/main" xmlns:r="http://schemas.openxmlformats.org/officeDocument/2006/relationships" xmlns:p="http://schemas.openxmlformats.org/presentationml/2006/main" showMasterPhAnim="0" type="blank" preserve="1" userDrawn="1">
   <p:cSld name="Пустой слайд">
     <p:spTree>
       <p:nvGrpSpPr>
@@ -1998,7 +1999,7 @@
             </a:pPr>
             <a:fld id="{BCC18F51-09EC-435C-A3BA-64A766E099C0}" type="datetimeFigureOut">
               <a:rPr lang="ru-RU"/>
-              <a:t/>
+              <a:t>05.12.2023</a:t>
             </a:fld>
             <a:endParaRPr lang="ru-RU"/>
           </a:p>
@@ -2046,7 +2047,7 @@
             </a:pPr>
             <a:fld id="{08395586-F03A-48D1-94DF-16B239DF4FB5}" type="slidenum">
               <a:rPr lang="ru-RU"/>
-              <a:t/>
+              <a:t>‹#›</a:t>
             </a:fld>
             <a:endParaRPr lang="ru-RU"/>
           </a:p>
@@ -2061,7 +2062,7 @@
 </file>
 
 <file path=ppt/slideLayouts/slideLayout8.xml><?xml version="1.0" encoding="utf-8"?>
-<p:sldLayout xmlns:a="http://schemas.openxmlformats.org/drawingml/2006/main" xmlns:r="http://schemas.openxmlformats.org/officeDocument/2006/relationships" xmlns:p="http://schemas.openxmlformats.org/presentationml/2006/main" xmlns:m="http://schemas.openxmlformats.org/officeDocument/2006/math" xmlns:w="http://schemas.openxmlformats.org/wordprocessingml/2006/main" matchingName="" preserve="1" showMasterPhAnim="0" type="objTx" userDrawn="1">
+<p:sldLayout xmlns:a="http://schemas.openxmlformats.org/drawingml/2006/main" xmlns:r="http://schemas.openxmlformats.org/officeDocument/2006/relationships" xmlns:p="http://schemas.openxmlformats.org/presentationml/2006/main" showMasterPhAnim="0" type="objTx" preserve="1" userDrawn="1">
   <p:cSld name="Объект с подписью">
     <p:spTree>
       <p:nvGrpSpPr>
@@ -2108,7 +2109,6 @@
               <a:rPr lang="ru-RU"/>
               <a:t>Образец заголовка</a:t>
             </a:r>
-            <a:endParaRPr lang="ru-RU"/>
           </a:p>
         </p:txBody>
       </p:sp>
@@ -2207,7 +2207,6 @@
               <a:rPr lang="ru-RU"/>
               <a:t>Пятый уровень</a:t>
             </a:r>
-            <a:endParaRPr lang="ru-RU"/>
           </a:p>
         </p:txBody>
       </p:sp>
@@ -2299,7 +2298,7 @@
             </a:pPr>
             <a:fld id="{BCC18F51-09EC-435C-A3BA-64A766E099C0}" type="datetimeFigureOut">
               <a:rPr lang="ru-RU"/>
-              <a:t/>
+              <a:t>05.12.2023</a:t>
             </a:fld>
             <a:endParaRPr lang="ru-RU"/>
           </a:p>
@@ -2347,7 +2346,7 @@
             </a:pPr>
             <a:fld id="{08395586-F03A-48D1-94DF-16B239DF4FB5}" type="slidenum">
               <a:rPr lang="ru-RU"/>
-              <a:t/>
+              <a:t>‹#›</a:t>
             </a:fld>
             <a:endParaRPr lang="ru-RU"/>
           </a:p>
@@ -2362,7 +2361,7 @@
 </file>
 
 <file path=ppt/slideLayouts/slideLayout9.xml><?xml version="1.0" encoding="utf-8"?>
-<p:sldLayout xmlns:a="http://schemas.openxmlformats.org/drawingml/2006/main" xmlns:r="http://schemas.openxmlformats.org/officeDocument/2006/relationships" xmlns:p="http://schemas.openxmlformats.org/presentationml/2006/main" xmlns:m="http://schemas.openxmlformats.org/officeDocument/2006/math" xmlns:w="http://schemas.openxmlformats.org/wordprocessingml/2006/main" matchingName="" preserve="1" showMasterPhAnim="0" type="picTx" userDrawn="1">
+<p:sldLayout xmlns:a="http://schemas.openxmlformats.org/drawingml/2006/main" xmlns:r="http://schemas.openxmlformats.org/officeDocument/2006/relationships" xmlns:p="http://schemas.openxmlformats.org/presentationml/2006/main" showMasterPhAnim="0" type="picTx" preserve="1" userDrawn="1">
   <p:cSld name="Рисунок с подписью">
     <p:spTree>
       <p:nvGrpSpPr>
@@ -2409,7 +2408,6 @@
               <a:rPr lang="ru-RU"/>
               <a:t>Образец заголовка</a:t>
             </a:r>
-            <a:endParaRPr lang="ru-RU"/>
           </a:p>
         </p:txBody>
       </p:sp>
@@ -2417,7 +2415,7 @@
         <p:nvSpPr>
           <p:cNvPr id="3" name="Рисунок 2"/>
           <p:cNvSpPr>
-            <a:spLocks noChangeAspect="1" noGrp="1"/>
+            <a:spLocks noGrp="1" noChangeAspect="1"/>
           </p:cNvSpPr>
           <p:nvPr>
             <p:ph type="pic" idx="1"/>
@@ -2477,7 +2475,6 @@
               <a:rPr lang="ru-RU"/>
               <a:t>Click icon to add picture</a:t>
             </a:r>
-            <a:endParaRPr lang="ru-RU"/>
           </a:p>
         </p:txBody>
       </p:sp>
@@ -2569,7 +2566,7 @@
             </a:pPr>
             <a:fld id="{BCC18F51-09EC-435C-A3BA-64A766E099C0}" type="datetimeFigureOut">
               <a:rPr lang="ru-RU"/>
-              <a:t/>
+              <a:t>05.12.2023</a:t>
             </a:fld>
             <a:endParaRPr lang="ru-RU"/>
           </a:p>
@@ -2617,7 +2614,7 @@
             </a:pPr>
             <a:fld id="{08395586-F03A-48D1-94DF-16B239DF4FB5}" type="slidenum">
               <a:rPr lang="ru-RU"/>
-              <a:t/>
+              <a:t>‹#›</a:t>
             </a:fld>
             <a:endParaRPr lang="ru-RU"/>
           </a:p>
@@ -2632,8 +2629,8 @@
 </file>
 
 <file path=ppt/slideMasters/slideMaster1.xml><?xml version="1.0" encoding="utf-8"?>
-<p:sldMaster xmlns:a="http://schemas.openxmlformats.org/drawingml/2006/main" xmlns:r="http://schemas.openxmlformats.org/officeDocument/2006/relationships" xmlns:p="http://schemas.openxmlformats.org/presentationml/2006/main" xmlns:m="http://schemas.openxmlformats.org/officeDocument/2006/math" xmlns:w="http://schemas.openxmlformats.org/wordprocessingml/2006/main" preserve="0">
-  <p:cSld name="">
+<p:sldMaster xmlns:a="http://schemas.openxmlformats.org/drawingml/2006/main" xmlns:r="http://schemas.openxmlformats.org/officeDocument/2006/relationships" xmlns:p="http://schemas.openxmlformats.org/presentationml/2006/main">
+  <p:cSld>
     <p:bg>
       <p:bgRef idx="1001">
         <a:schemeClr val="bg1"/>
@@ -2685,7 +2682,6 @@
               <a:rPr lang="ru-RU"/>
               <a:t>Click to edit Master title style</a:t>
             </a:r>
-            <a:endParaRPr lang="ru-RU"/>
           </a:p>
         </p:txBody>
       </p:sp>
@@ -2761,7 +2757,6 @@
               <a:rPr lang="ru-RU"/>
               <a:t>Fifth level</a:t>
             </a:r>
-            <a:endParaRPr lang="ru-RU"/>
           </a:p>
         </p:txBody>
       </p:sp>
@@ -2803,7 +2798,7 @@
             </a:pPr>
             <a:fld id="{BCC18F51-09EC-435C-A3BA-64A766E099C0}" type="datetimeFigureOut">
               <a:rPr lang="ru-RU"/>
-              <a:t/>
+              <a:t>05.12.2023</a:t>
             </a:fld>
             <a:endParaRPr lang="ru-RU"/>
           </a:p>
@@ -2887,7 +2882,7 @@
             </a:pPr>
             <a:fld id="{08395586-F03A-48D1-94DF-16B239DF4FB5}" type="slidenum">
               <a:rPr lang="ru-RU"/>
-              <a:t/>
+              <a:t>‹#›</a:t>
             </a:fld>
             <a:endParaRPr lang="ru-RU"/>
           </a:p>
@@ -2909,7 +2904,7 @@
     <p:sldLayoutId id="2147483658" r:id="rId10"/>
     <p:sldLayoutId id="2147483659" r:id="rId11"/>
   </p:sldLayoutIdLst>
-  <p:hf dt="0" ftr="0" hdr="0" sldNum="0"/>
+  <p:hf sldNum="0" hdr="0" ftr="0" dt="0"/>
   <p:txStyles>
     <p:titleStyle>
       <a:lvl1pPr algn="l" defTabSz="914400">
@@ -3194,8 +3189,8 @@
 </file>
 
 <file path=ppt/slides/slide1.xml><?xml version="1.0" encoding="utf-8"?>
-<p:sld xmlns:a="http://schemas.openxmlformats.org/drawingml/2006/main" xmlns:r="http://schemas.openxmlformats.org/officeDocument/2006/relationships" xmlns:p="http://schemas.openxmlformats.org/presentationml/2006/main" xmlns:m="http://schemas.openxmlformats.org/officeDocument/2006/math" xmlns:w="http://schemas.openxmlformats.org/wordprocessingml/2006/main" showMasterPhAnim="0" show="1">
-  <p:cSld name="">
+<p:sld xmlns:a="http://schemas.openxmlformats.org/drawingml/2006/main" xmlns:r="http://schemas.openxmlformats.org/officeDocument/2006/relationships" xmlns:p="http://schemas.openxmlformats.org/presentationml/2006/main" showMasterPhAnim="0">
+  <p:cSld>
     <p:spTree>
       <p:nvGrpSpPr>
         <p:cNvPr id="1" name=""/>
@@ -3221,7 +3216,7 @@
           </p:nvPr>
         </p:nvSpPr>
         <p:spPr bwMode="auto">
-          <a:xfrm flipH="0" flipV="0">
+          <a:xfrm>
             <a:off x="1523999" y="2524124"/>
             <a:ext cx="9144000" cy="985837"/>
           </a:xfrm>
@@ -3234,52 +3229,46 @@
               <a:defRPr/>
             </a:pPr>
             <a:r>
-              <a:rPr lang="ru-RU" sz="6000" b="0" i="0" u="none" strike="noStrike" cap="none" spc="0">
-                <a:solidFill>
-                  <a:schemeClr val="tx1"/>
-                </a:solidFill>
-                <a:latin typeface="Arial"/>
-                <a:cs typeface="Arial"/>
+              <a:rPr lang="en-US" dirty="0" smtClean="0"/>
+              <a:t>Heart Disease</a:t>
+            </a:r>
+            <a:endParaRPr lang="ru-RU" dirty="0"/>
+          </a:p>
+        </p:txBody>
+      </p:sp>
+      <p:sp>
+        <p:nvSpPr>
+          <p:cNvPr id="3" name="Subtitle 2"/>
+          <p:cNvSpPr>
+            <a:spLocks noGrp="1"/>
+          </p:cNvSpPr>
+          <p:nvPr>
+            <p:ph type="subTitle" idx="1"/>
+          </p:nvPr>
+        </p:nvSpPr>
+        <p:spPr bwMode="auto"/>
+        <p:txBody>
+          <a:bodyPr>
+            <a:normAutofit/>
+          </a:bodyPr>
+          <a:lstStyle/>
+          <a:p>
+            <a:pPr>
+              <a:defRPr/>
+            </a:pPr>
+            <a:r>
+              <a:rPr lang="en-US" sz="1400" dirty="0">
+                <a:latin typeface="Times New Roman" panose="02020603050405020304" pitchFamily="18" charset="0"/>
+                <a:cs typeface="Times New Roman" panose="02020603050405020304" pitchFamily="18" charset="0"/>
               </a:rPr>
-              <a:t>сердечное заболевание</a:t>
-            </a:r>
-            <a:endParaRPr lang="ru-RU"/>
-          </a:p>
-        </p:txBody>
-      </p:sp>
-      <p:sp>
-        <p:nvSpPr>
-          <p:cNvPr id="3" name="Subtitle 2"/>
-          <p:cNvSpPr>
-            <a:spLocks noGrp="1"/>
-          </p:cNvSpPr>
-          <p:nvPr>
-            <p:ph type="subTitle" idx="1"/>
-          </p:nvPr>
-        </p:nvSpPr>
-        <p:spPr bwMode="auto"/>
-        <p:txBody>
-          <a:bodyPr/>
-          <a:lstStyle/>
-          <a:p>
-            <a:pPr>
-              <a:defRPr/>
-            </a:pPr>
-            <a:r>
-              <a:rPr sz="1400" b="0" i="0" u="none">
-                <a:solidFill>
-                  <a:schemeClr val="tx1"/>
-                </a:solidFill>
-                <a:latin typeface="Consolas"/>
-                <a:ea typeface="Consolas"/>
-                <a:cs typeface="Consolas"/>
-              </a:rPr>
-              <a:t>Цель: предсказать на основе заданных характеристик пациента, есть ли у этого конкретного человека заболевание сердца</a:t>
-            </a:r>
-            <a:endParaRPr sz="1400">
+              <a:t>Goal: Predict whether this specific individual has heart disease based on given characteristics.</a:t>
+            </a:r>
+            <a:endParaRPr sz="1400" dirty="0">
               <a:solidFill>
                 <a:schemeClr val="tx1"/>
               </a:solidFill>
+              <a:latin typeface="Times New Roman" panose="02020603050405020304" pitchFamily="18" charset="0"/>
+              <a:cs typeface="Times New Roman" panose="02020603050405020304" pitchFamily="18" charset="0"/>
             </a:endParaRPr>
           </a:p>
         </p:txBody>
@@ -3289,20 +3278,27 @@
   <p:clrMapOvr>
     <a:masterClrMapping/>
   </p:clrMapOvr>
-  <mc:AlternateContent xmlns:mc="http://schemas.openxmlformats.org/markup-compatibility/2006">
-    <mc:Choice xmlns:p14="http://schemas.microsoft.com/office/powerpoint/2010/main" Requires="p14">
-      <p:transition p14:dur="2000" advClick="1"/>
+  <mc:AlternateContent xmlns:mc="http://schemas.openxmlformats.org/markup-compatibility/2006" xmlns:p14="http://schemas.microsoft.com/office/powerpoint/2010/main">
+    <mc:Choice Requires="p14">
+      <p:transition spd="slow" p14:dur="2000"/>
     </mc:Choice>
-    <mc:Fallback>
+    <mc:Fallback xmlns="" xmlns:m="http://schemas.openxmlformats.org/officeDocument/2006/math" xmlns:w="http://schemas.openxmlformats.org/wordprocessingml/2006/main">
       <p:transition advClick="1"/>
     </mc:Fallback>
   </mc:AlternateContent>
+  <p:timing>
+    <p:tnLst>
+      <p:par>
+        <p:cTn id="1" dur="indefinite" restart="never" nodeType="tmRoot"/>
+      </p:par>
+    </p:tnLst>
+  </p:timing>
 </p:sld>
 </file>
 
 <file path=ppt/slides/slide10.xml><?xml version="1.0" encoding="utf-8"?>
-<p:sld xmlns:a="http://schemas.openxmlformats.org/drawingml/2006/main" xmlns:r="http://schemas.openxmlformats.org/officeDocument/2006/relationships" xmlns:p="http://schemas.openxmlformats.org/presentationml/2006/main" xmlns:m="http://schemas.openxmlformats.org/officeDocument/2006/math" xmlns:w="http://schemas.openxmlformats.org/wordprocessingml/2006/main" showMasterPhAnim="0" show="1">
-  <p:cSld name="">
+<p:sld xmlns:a="http://schemas.openxmlformats.org/drawingml/2006/main" xmlns:r="http://schemas.openxmlformats.org/officeDocument/2006/relationships" xmlns:p="http://schemas.openxmlformats.org/presentationml/2006/main" showMasterPhAnim="0">
+  <p:cSld>
     <p:spTree>
       <p:nvGrpSpPr>
         <p:cNvPr id="1" name=""/>
@@ -3319,7 +3315,7 @@
       </p:grpSpPr>
       <p:sp>
         <p:nvSpPr>
-          <p:cNvPr id="1611395586" name="Заголовок 1"/>
+          <p:cNvPr id="371510767" name="Заголовок 1"/>
           <p:cNvSpPr>
             <a:spLocks noGrp="1"/>
           </p:cNvSpPr>
@@ -3327,259 +3323,85 @@
             <p:ph type="title"/>
           </p:nvPr>
         </p:nvSpPr>
+        <p:spPr bwMode="auto"/>
+        <p:txBody>
+          <a:bodyPr vertOverflow="overflow" horzOverflow="overflow" vert="horz" wrap="square" lIns="91440" tIns="45720" rIns="91440" bIns="45720" numCol="1" spcCol="0" rtlCol="0" fromWordArt="0" anchor="ctr" anchorCtr="0" forceAA="0" compatLnSpc="0">
+            <a:normAutofit/>
+          </a:bodyPr>
+          <a:lstStyle/>
+          <a:p>
+            <a:pPr>
+              <a:defRPr/>
+            </a:pPr>
+            <a:r>
+              <a:rPr lang="en-US" dirty="0"/>
+              <a:t>Exploratory Data Analysis</a:t>
+            </a:r>
+            <a:r>
+              <a:rPr lang="ru-RU" dirty="0"/>
+              <a:t> </a:t>
+            </a:r>
+            <a:r>
+              <a:rPr lang="en-US" dirty="0"/>
+              <a:t>(EDA)</a:t>
+            </a:r>
+            <a:endParaRPr dirty="0"/>
+          </a:p>
+        </p:txBody>
+      </p:sp>
+      <p:sp>
+        <p:nvSpPr>
+          <p:cNvPr id="1827874995" name="Объект 2"/>
+          <p:cNvSpPr>
+            <a:spLocks noGrp="1"/>
+          </p:cNvSpPr>
+          <p:nvPr>
+            <p:ph idx="1"/>
+          </p:nvPr>
+        </p:nvSpPr>
         <p:spPr bwMode="auto">
           <a:xfrm>
-            <a:off x="838199" y="184149"/>
-            <a:ext cx="10515600" cy="1325562"/>
-          </a:xfrm>
-        </p:spPr>
-        <p:txBody>
-          <a:bodyPr vertOverflow="overflow" horzOverflow="overflow" vert="horz" wrap="square" lIns="91440" tIns="45720" rIns="91440" bIns="45720" numCol="1" spcCol="0" rtlCol="0" fromWordArt="0" anchor="ctr" anchorCtr="0" forceAA="0" upright="0" compatLnSpc="0">
-            <a:normAutofit fontScale="90000" lnSpcReduction="2000"/>
+            <a:off x="838199" y="1051601"/>
+            <a:ext cx="10515600" cy="4351338"/>
+          </a:xfrm>
+        </p:spPr>
+        <p:txBody>
+          <a:bodyPr>
+            <a:normAutofit/>
           </a:bodyPr>
           <a:lstStyle/>
           <a:p>
-            <a:pPr>
-              <a:defRPr/>
-            </a:pPr>
-            <a:br>
-              <a:rPr lang="ru-RU" sz="4400" b="0" i="0" u="none" strike="noStrike" cap="none" spc="0">
-                <a:solidFill>
-                  <a:schemeClr val="tx1"/>
-                </a:solidFill>
-                <a:latin typeface="Arial"/>
-                <a:ea typeface="Arial"/>
-                <a:cs typeface="Arial"/>
+            <a:pPr marL="0" indent="0">
+              <a:buNone/>
+              <a:defRPr/>
+            </a:pPr>
+            <a:endParaRPr lang="en-US" sz="1400" dirty="0">
+              <a:latin typeface="Times New Roman" panose="02020603050405020304" pitchFamily="18" charset="0"/>
+              <a:cs typeface="Times New Roman" panose="02020603050405020304" pitchFamily="18" charset="0"/>
+            </a:endParaRPr>
+          </a:p>
+          <a:p>
+            <a:pPr marL="0" indent="0">
+              <a:buNone/>
+              <a:defRPr/>
+            </a:pPr>
+            <a:r>
+              <a:rPr lang="en-US" sz="1400" dirty="0">
+                <a:latin typeface="Times New Roman" panose="02020603050405020304" pitchFamily="18" charset="0"/>
+                <a:cs typeface="Times New Roman" panose="02020603050405020304" pitchFamily="18" charset="0"/>
               </a:rPr>
-            </a:br>
-            <a:r>
-              <a:rPr lang="ru-RU" sz="4400" b="0" i="0" u="none" strike="noStrike" cap="none" spc="0">
-                <a:solidFill>
-                  <a:schemeClr val="tx1"/>
-                </a:solidFill>
-                <a:latin typeface="Arial"/>
-                <a:ea typeface="Arial"/>
-                <a:cs typeface="Arial"/>
-              </a:rPr>
-              <a:t>Исследовательский </a:t>
-            </a:r>
-            <a:r>
-              <a:rPr lang="ru-RU" sz="4400" b="0" i="0" u="none" strike="noStrike" cap="none" spc="0">
-                <a:solidFill>
-                  <a:schemeClr val="tx1"/>
-                </a:solidFill>
-                <a:latin typeface="Arial"/>
-                <a:ea typeface="Arial"/>
-                <a:cs typeface="Arial"/>
-              </a:rPr>
-              <a:t>анализ</a:t>
-            </a:r>
-            <a:endParaRPr sz="4400"/>
-          </a:p>
-          <a:p>
-            <a:pPr>
-              <a:defRPr/>
-            </a:pPr>
-            <a:endParaRPr/>
-          </a:p>
-        </p:txBody>
-      </p:sp>
-      <p:sp>
-        <p:nvSpPr>
-          <p:cNvPr id="1369756781" name="Объект 2"/>
-          <p:cNvSpPr>
-            <a:spLocks noGrp="1"/>
-          </p:cNvSpPr>
-          <p:nvPr>
-            <p:ph idx="1"/>
-          </p:nvPr>
-        </p:nvSpPr>
-        <p:spPr bwMode="auto">
-          <a:xfrm flipH="0" flipV="0">
-            <a:off x="7361378" y="1314450"/>
-            <a:ext cx="4783500" cy="4351338"/>
-          </a:xfrm>
-        </p:spPr>
-        <p:txBody>
-          <a:bodyPr/>
-          <a:lstStyle/>
-          <a:p>
-            <a:pPr marL="0" indent="0">
-              <a:buFont typeface="Arial"/>
-              <a:buNone/>
-              <a:defRPr/>
-            </a:pPr>
-            <a:r>
-              <a:rPr sz="1400" b="0" i="0" u="none">
-                <a:solidFill>
-                  <a:srgbClr val="000000"/>
-                </a:solidFill>
-                <a:latin typeface="Times New Roman"/>
-                <a:ea typeface="Times New Roman"/>
-                <a:cs typeface="Times New Roman"/>
-              </a:rPr>
-              <a:t>Thal</a:t>
-            </a:r>
-            <a:r>
-              <a:rPr sz="1400" b="0" i="0" u="none">
-                <a:solidFill>
-                  <a:srgbClr val="000000"/>
-                </a:solidFill>
-                <a:latin typeface="Times New Roman"/>
-                <a:ea typeface="Times New Roman"/>
-                <a:cs typeface="Times New Roman"/>
-              </a:rPr>
-              <a:t> (</a:t>
-            </a:r>
-            <a:r>
-              <a:rPr sz="1400" b="0" i="0" u="none">
-                <a:solidFill>
-                  <a:srgbClr val="000000"/>
-                </a:solidFill>
-                <a:latin typeface="Times New Roman"/>
-                <a:ea typeface="Times New Roman"/>
-                <a:cs typeface="Times New Roman"/>
-              </a:rPr>
-              <a:t>Thalassemia</a:t>
-            </a:r>
-            <a:r>
-              <a:rPr sz="1400" b="0" i="0" u="none">
-                <a:solidFill>
-                  <a:srgbClr val="000000"/>
-                </a:solidFill>
-                <a:latin typeface="Times New Roman"/>
-                <a:ea typeface="Times New Roman"/>
-                <a:cs typeface="Times New Roman"/>
-              </a:rPr>
-              <a:t>) - Талассемия – это группа врожденных микроцитарных гемолитических анемий, которые характеризуются дефектом синтеза гемоглобина:</a:t>
-            </a:r>
-            <a:endParaRPr sz="1400" b="0" i="0" u="none">
-              <a:solidFill>
-                <a:srgbClr val="000000"/>
-              </a:solidFill>
-              <a:latin typeface="Times New Roman"/>
-              <a:ea typeface="Times New Roman"/>
-              <a:cs typeface="Times New Roman"/>
+              <a:t>Coronary heart disease (CHD) in relation to gender:</a:t>
+            </a:r>
+            <a:endParaRPr sz="1400" dirty="0">
+              <a:latin typeface="Times New Roman" panose="02020603050405020304" pitchFamily="18" charset="0"/>
+              <a:cs typeface="Times New Roman" panose="02020603050405020304" pitchFamily="18" charset="0"/>
             </a:endParaRPr>
-          </a:p>
-          <a:p>
-            <a:pPr marL="0" indent="0">
-              <a:buFont typeface="Arial"/>
-              <a:buNone/>
-              <a:defRPr/>
-            </a:pPr>
-            <a:r>
-              <a:rPr sz="1400" b="0" i="0" u="none">
-                <a:solidFill>
-                  <a:srgbClr val="000000"/>
-                </a:solidFill>
-                <a:latin typeface="Times New Roman"/>
-                <a:ea typeface="Times New Roman"/>
-                <a:cs typeface="Times New Roman"/>
-              </a:rPr>
-              <a:t>В случае любого из отклонений от нормы в уровне синтеза гемоглобина, процент болезни сердце у человека становится значительным:</a:t>
-            </a:r>
-            <a:endParaRPr sz="1400" b="0" i="0" u="none">
-              <a:solidFill>
-                <a:srgbClr val="000000"/>
-              </a:solidFill>
-              <a:latin typeface="Times New Roman"/>
-              <a:ea typeface="Times New Roman"/>
-              <a:cs typeface="Times New Roman"/>
-            </a:endParaRPr>
-          </a:p>
-          <a:p>
-            <a:pPr>
-              <a:defRPr/>
-            </a:pPr>
-            <a:r>
-              <a:rPr sz="1400" b="0" i="0" u="none">
-                <a:solidFill>
-                  <a:srgbClr val="000000"/>
-                </a:solidFill>
-                <a:latin typeface="Times New Roman"/>
-                <a:ea typeface="Times New Roman"/>
-                <a:cs typeface="Times New Roman"/>
-              </a:rPr>
-              <a:t>fixed defect- 83.61%</a:t>
-            </a:r>
-            <a:endParaRPr sz="1400" b="0" i="0" u="none">
-              <a:solidFill>
-                <a:srgbClr val="000000"/>
-              </a:solidFill>
-              <a:latin typeface="Times New Roman"/>
-              <a:ea typeface="Times New Roman"/>
-              <a:cs typeface="Times New Roman"/>
-            </a:endParaRPr>
-          </a:p>
-          <a:p>
-            <a:pPr>
-              <a:defRPr/>
-            </a:pPr>
-            <a:r>
-              <a:rPr sz="1400" b="0" i="0" u="none">
-                <a:solidFill>
-                  <a:srgbClr val="000000"/>
-                </a:solidFill>
-                <a:latin typeface="Times New Roman"/>
-                <a:ea typeface="Times New Roman"/>
-                <a:cs typeface="Times New Roman"/>
-              </a:rPr>
-              <a:t>normal - </a:t>
-            </a:r>
-            <a:r>
-              <a:rPr sz="1400" b="0" i="0" u="none">
-                <a:solidFill>
-                  <a:srgbClr val="000000"/>
-                </a:solidFill>
-                <a:latin typeface="Times New Roman"/>
-                <a:ea typeface="Times New Roman"/>
-                <a:cs typeface="Times New Roman"/>
-              </a:rPr>
-              <a:t>	</a:t>
-            </a:r>
-            <a:r>
-              <a:rPr sz="1400" b="0" i="0" u="none">
-                <a:solidFill>
-                  <a:srgbClr val="000000"/>
-                </a:solidFill>
-                <a:latin typeface="Times New Roman"/>
-                <a:ea typeface="Times New Roman"/>
-                <a:cs typeface="Times New Roman"/>
-              </a:rPr>
-              <a:t>31.84%</a:t>
-            </a:r>
-            <a:endParaRPr sz="1400" b="0" i="0" u="none">
-              <a:solidFill>
-                <a:srgbClr val="000000"/>
-              </a:solidFill>
-              <a:latin typeface="Times New Roman"/>
-              <a:ea typeface="Times New Roman"/>
-              <a:cs typeface="Times New Roman"/>
-            </a:endParaRPr>
-          </a:p>
-          <a:p>
-            <a:pPr>
-              <a:defRPr/>
-            </a:pPr>
-            <a:r>
-              <a:rPr sz="1400" b="0" i="0" u="none">
-                <a:solidFill>
-                  <a:srgbClr val="000000"/>
-                </a:solidFill>
-                <a:latin typeface="Times New Roman"/>
-                <a:ea typeface="Times New Roman"/>
-                <a:cs typeface="Times New Roman"/>
-              </a:rPr>
-              <a:t>reversable defect-80.21%</a:t>
-            </a:r>
-            <a:endParaRPr sz="1400"/>
           </a:p>
         </p:txBody>
       </p:sp>
       <p:pic>
         <p:nvPicPr>
-          <p:cNvPr id="790953896" name=""/>
+          <p:cNvPr id="1794636503" name="Рисунок 1794636502"/>
           <p:cNvPicPr>
             <a:picLocks noChangeAspect="1"/>
           </p:cNvPicPr>
@@ -3591,33 +3413,132 @@
         </p:blipFill>
         <p:spPr bwMode="auto">
           <a:xfrm>
-            <a:off x="170003" y="1314450"/>
-            <a:ext cx="7191375" cy="5419725"/>
+            <a:off x="281360" y="1690687"/>
+            <a:ext cx="7139589" cy="4946101"/>
           </a:xfrm>
           <a:prstGeom prst="rect">
             <a:avLst/>
           </a:prstGeom>
         </p:spPr>
       </p:pic>
+      <p:sp>
+        <p:nvSpPr>
+          <p:cNvPr id="1014938567" name="TextBox 1014938566"/>
+          <p:cNvSpPr txBox="1"/>
+          <p:nvPr/>
+        </p:nvSpPr>
+        <p:spPr bwMode="auto">
+          <a:xfrm>
+            <a:off x="7536160" y="1690686"/>
+            <a:ext cx="3220386" cy="711733"/>
+          </a:xfrm>
+          <a:prstGeom prst="rect">
+            <a:avLst/>
+          </a:prstGeom>
+          <a:noFill/>
+        </p:spPr>
+        <p:txBody>
+          <a:bodyPr vertOverflow="overflow" horzOverflow="overflow" vert="horz" wrap="square" lIns="91440" tIns="45720" rIns="91440" bIns="45720" numCol="1" spcCol="0" rtlCol="0" fromWordArt="0" anchor="t" anchorCtr="0" forceAA="0" compatLnSpc="0">
+            <a:spAutoFit/>
+          </a:bodyPr>
+          <a:lstStyle/>
+          <a:p>
+            <a:pPr>
+              <a:defRPr/>
+            </a:pPr>
+            <a:r>
+              <a:rPr lang="en-US" sz="1400" dirty="0">
+                <a:latin typeface="Times New Roman" panose="02020603050405020304" pitchFamily="18" charset="0"/>
+                <a:cs typeface="Times New Roman" panose="02020603050405020304" pitchFamily="18" charset="0"/>
+              </a:rPr>
+              <a:t>Percentage of affected individuals: </a:t>
+            </a:r>
+            <a:endParaRPr lang="en-US" sz="1400" dirty="0" smtClean="0">
+              <a:latin typeface="Times New Roman" panose="02020603050405020304" pitchFamily="18" charset="0"/>
+              <a:cs typeface="Times New Roman" panose="02020603050405020304" pitchFamily="18" charset="0"/>
+            </a:endParaRPr>
+          </a:p>
+          <a:p>
+            <a:pPr marL="285750" indent="-285750">
+              <a:buFont typeface="Arial" panose="020B0604020202020204" pitchFamily="34" charset="0"/>
+              <a:buChar char="•"/>
+              <a:defRPr/>
+            </a:pPr>
+            <a:r>
+              <a:rPr lang="en-US" sz="1400" dirty="0" smtClean="0">
+                <a:latin typeface="Times New Roman" panose="02020603050405020304" pitchFamily="18" charset="0"/>
+                <a:cs typeface="Times New Roman" panose="02020603050405020304" pitchFamily="18" charset="0"/>
+              </a:rPr>
+              <a:t>Men </a:t>
+            </a:r>
+            <a:r>
+              <a:rPr lang="en-US" sz="1400" dirty="0">
+                <a:latin typeface="Times New Roman" panose="02020603050405020304" pitchFamily="18" charset="0"/>
+                <a:cs typeface="Times New Roman" panose="02020603050405020304" pitchFamily="18" charset="0"/>
+              </a:rPr>
+              <a:t>- 63.22</a:t>
+            </a:r>
+            <a:r>
+              <a:rPr lang="en-US" sz="1400" dirty="0" smtClean="0">
+                <a:latin typeface="Times New Roman" panose="02020603050405020304" pitchFamily="18" charset="0"/>
+                <a:cs typeface="Times New Roman" panose="02020603050405020304" pitchFamily="18" charset="0"/>
+              </a:rPr>
+              <a:t>%</a:t>
+            </a:r>
+          </a:p>
+          <a:p>
+            <a:pPr marL="285750" indent="-285750">
+              <a:buFont typeface="Arial" panose="020B0604020202020204" pitchFamily="34" charset="0"/>
+              <a:buChar char="•"/>
+              <a:defRPr/>
+            </a:pPr>
+            <a:r>
+              <a:rPr lang="en-US" sz="1400" dirty="0" smtClean="0">
+                <a:latin typeface="Times New Roman" panose="02020603050405020304" pitchFamily="18" charset="0"/>
+                <a:cs typeface="Times New Roman" panose="02020603050405020304" pitchFamily="18" charset="0"/>
+              </a:rPr>
+              <a:t>Women </a:t>
+            </a:r>
+            <a:r>
+              <a:rPr lang="en-US" sz="1400" dirty="0">
+                <a:latin typeface="Times New Roman" panose="02020603050405020304" pitchFamily="18" charset="0"/>
+                <a:cs typeface="Times New Roman" panose="02020603050405020304" pitchFamily="18" charset="0"/>
+              </a:rPr>
+              <a:t>- 25.77%</a:t>
+            </a:r>
+            <a:endParaRPr sz="1400" dirty="0">
+              <a:latin typeface="Times New Roman" panose="02020603050405020304" pitchFamily="18" charset="0"/>
+              <a:cs typeface="Times New Roman" panose="02020603050405020304" pitchFamily="18" charset="0"/>
+            </a:endParaRPr>
+          </a:p>
+        </p:txBody>
+      </p:sp>
     </p:spTree>
   </p:cSld>
   <p:clrMapOvr>
     <a:masterClrMapping/>
   </p:clrMapOvr>
-  <mc:AlternateContent xmlns:mc="http://schemas.openxmlformats.org/markup-compatibility/2006">
-    <mc:Choice xmlns:p14="http://schemas.microsoft.com/office/powerpoint/2010/main" Requires="p14">
-      <p:transition p14:dur="2000" advClick="1"/>
+  <mc:AlternateContent xmlns:mc="http://schemas.openxmlformats.org/markup-compatibility/2006" xmlns:p14="http://schemas.microsoft.com/office/powerpoint/2010/main">
+    <mc:Choice Requires="p14">
+      <p:transition spd="slow" p14:dur="2000"/>
     </mc:Choice>
-    <mc:Fallback>
+    <mc:Fallback xmlns="" xmlns:m="http://schemas.openxmlformats.org/officeDocument/2006/math" xmlns:w="http://schemas.openxmlformats.org/wordprocessingml/2006/main">
       <p:transition advClick="1"/>
     </mc:Fallback>
   </mc:AlternateContent>
+  <p:timing>
+    <p:tnLst>
+      <p:par>
+        <p:cTn id="1" dur="indefinite" restart="never" nodeType="tmRoot"/>
+      </p:par>
+    </p:tnLst>
+  </p:timing>
 </p:sld>
 </file>
 
 <file path=ppt/slides/slide11.xml><?xml version="1.0" encoding="utf-8"?>
-<p:sld xmlns:a="http://schemas.openxmlformats.org/drawingml/2006/main" xmlns:r="http://schemas.openxmlformats.org/officeDocument/2006/relationships" xmlns:p="http://schemas.openxmlformats.org/presentationml/2006/main" xmlns:m="http://schemas.openxmlformats.org/officeDocument/2006/math" xmlns:w="http://schemas.openxmlformats.org/wordprocessingml/2006/main" showMasterPhAnim="0" show="1">
-  <p:cSld name="">
+<p:sld xmlns:a="http://schemas.openxmlformats.org/drawingml/2006/main" xmlns:r="http://schemas.openxmlformats.org/officeDocument/2006/relationships" xmlns:p="http://schemas.openxmlformats.org/presentationml/2006/main" showMasterPhAnim="0">
+  <p:cSld>
     <p:spTree>
       <p:nvGrpSpPr>
         <p:cNvPr id="1" name=""/>
@@ -3634,7 +3555,7 @@
       </p:grpSpPr>
       <p:sp>
         <p:nvSpPr>
-          <p:cNvPr id="192347865" name="Заголовок 1"/>
+          <p:cNvPr id="1611395586" name="Заголовок 1"/>
           <p:cNvSpPr>
             <a:spLocks noGrp="1"/>
           </p:cNvSpPr>
@@ -3644,103 +3565,194 @@
         </p:nvSpPr>
         <p:spPr bwMode="auto">
           <a:xfrm>
-            <a:off x="657224" y="7937"/>
+            <a:off x="838199" y="184149"/>
             <a:ext cx="10515600" cy="1325562"/>
           </a:xfrm>
         </p:spPr>
         <p:txBody>
-          <a:bodyPr vertOverflow="overflow" horzOverflow="overflow" vert="horz" wrap="square" lIns="91440" tIns="45720" rIns="91440" bIns="45720" numCol="1" spcCol="0" rtlCol="0" fromWordArt="0" anchor="ctr" anchorCtr="0" forceAA="0" upright="0" compatLnSpc="0">
-            <a:normAutofit fontScale="90000" lnSpcReduction="2000"/>
+          <a:bodyPr vertOverflow="overflow" horzOverflow="overflow" vert="horz" wrap="square" lIns="91440" tIns="45720" rIns="91440" bIns="45720" numCol="1" spcCol="0" rtlCol="0" fromWordArt="0" anchor="ctr" anchorCtr="0" forceAA="0" compatLnSpc="0">
+            <a:normAutofit/>
           </a:bodyPr>
           <a:lstStyle/>
           <a:p>
             <a:pPr>
               <a:defRPr/>
             </a:pPr>
-            <a:br>
-              <a:rPr lang="ru-RU" sz="4400" b="0" i="0" u="none" strike="noStrike" cap="none" spc="0">
-                <a:solidFill>
-                  <a:schemeClr val="tx1"/>
-                </a:solidFill>
-                <a:latin typeface="Arial"/>
-                <a:ea typeface="Arial"/>
-                <a:cs typeface="Arial"/>
+            <a:r>
+              <a:rPr lang="en-US" dirty="0"/>
+              <a:t>Exploratory Data Analysis</a:t>
+            </a:r>
+            <a:r>
+              <a:rPr lang="ru-RU" dirty="0"/>
+              <a:t> </a:t>
+            </a:r>
+            <a:r>
+              <a:rPr lang="en-US" dirty="0"/>
+              <a:t>(EDA)</a:t>
+            </a:r>
+            <a:endParaRPr dirty="0"/>
+          </a:p>
+        </p:txBody>
+      </p:sp>
+      <p:sp>
+        <p:nvSpPr>
+          <p:cNvPr id="1369756781" name="Объект 2"/>
+          <p:cNvSpPr>
+            <a:spLocks noGrp="1"/>
+          </p:cNvSpPr>
+          <p:nvPr>
+            <p:ph idx="1"/>
+          </p:nvPr>
+        </p:nvSpPr>
+        <p:spPr bwMode="auto">
+          <a:xfrm>
+            <a:off x="7361378" y="1314450"/>
+            <a:ext cx="4783500" cy="4351338"/>
+          </a:xfrm>
+        </p:spPr>
+        <p:txBody>
+          <a:bodyPr/>
+          <a:lstStyle/>
+          <a:p>
+            <a:pPr marL="0" indent="0">
+              <a:buNone/>
+              <a:defRPr/>
+            </a:pPr>
+            <a:r>
+              <a:rPr lang="en-US" sz="1400" dirty="0">
+                <a:latin typeface="Times New Roman" panose="02020603050405020304" pitchFamily="18" charset="0"/>
+                <a:cs typeface="Times New Roman" panose="02020603050405020304" pitchFamily="18" charset="0"/>
               </a:rPr>
-            </a:br>
-            <a:r>
-              <a:rPr lang="ru-RU" sz="4400" b="0" i="0" u="none" strike="noStrike" cap="none" spc="0">
-                <a:solidFill>
-                  <a:schemeClr val="tx1"/>
-                </a:solidFill>
-                <a:latin typeface="Arial"/>
-                <a:ea typeface="Arial"/>
-                <a:cs typeface="Arial"/>
+              <a:t>Thal (Thalassemia) - Thalassemia is a group of congenital microcytic hemolytic anemias characterized by defective hemoglobin synthesis</a:t>
+            </a:r>
+            <a:r>
+              <a:rPr lang="en-US" sz="1400" dirty="0" smtClean="0">
+                <a:latin typeface="Times New Roman" panose="02020603050405020304" pitchFamily="18" charset="0"/>
+                <a:cs typeface="Times New Roman" panose="02020603050405020304" pitchFamily="18" charset="0"/>
               </a:rPr>
-              <a:t>Исследовательский </a:t>
-            </a:r>
-            <a:r>
-              <a:rPr lang="ru-RU" sz="4400" b="0" i="0" u="none" strike="noStrike" cap="none" spc="0">
-                <a:solidFill>
-                  <a:schemeClr val="tx1"/>
-                </a:solidFill>
-                <a:latin typeface="Arial"/>
-                <a:ea typeface="Arial"/>
-                <a:cs typeface="Arial"/>
+              <a:t>:</a:t>
+            </a:r>
+            <a:endParaRPr lang="en-US" sz="1400" dirty="0">
+              <a:latin typeface="Times New Roman" panose="02020603050405020304" pitchFamily="18" charset="0"/>
+              <a:cs typeface="Times New Roman" panose="02020603050405020304" pitchFamily="18" charset="0"/>
+            </a:endParaRPr>
+          </a:p>
+          <a:p>
+            <a:pPr marL="0" indent="0">
+              <a:buNone/>
+              <a:defRPr/>
+            </a:pPr>
+            <a:r>
+              <a:rPr lang="en-US" sz="1400" dirty="0">
+                <a:latin typeface="Times New Roman" panose="02020603050405020304" pitchFamily="18" charset="0"/>
+                <a:cs typeface="Times New Roman" panose="02020603050405020304" pitchFamily="18" charset="0"/>
               </a:rPr>
-              <a:t>анализ</a:t>
-            </a:r>
-            <a:endParaRPr sz="4400"/>
-          </a:p>
-          <a:p>
-            <a:pPr>
-              <a:defRPr/>
-            </a:pPr>
-            <a:endParaRPr sz="4400"/>
-          </a:p>
-          <a:p>
-            <a:pPr>
-              <a:defRPr/>
-            </a:pPr>
-            <a:endParaRPr/>
-          </a:p>
-        </p:txBody>
-      </p:sp>
-      <p:sp>
-        <p:nvSpPr>
-          <p:cNvPr id="1442083737" name="Объект 2"/>
-          <p:cNvSpPr>
-            <a:spLocks noGrp="1"/>
-          </p:cNvSpPr>
-          <p:nvPr>
-            <p:ph idx="1"/>
-          </p:nvPr>
-        </p:nvSpPr>
-        <p:spPr bwMode="auto">
-          <a:xfrm>
-            <a:off x="342899" y="996949"/>
-            <a:ext cx="10515600" cy="4351338"/>
-          </a:xfrm>
-        </p:spPr>
-        <p:txBody>
-          <a:bodyPr/>
-          <a:lstStyle/>
+              <a:t>In the case of any deviation from the normal level of hemoglobin synthesis, the percentage of heart disease in an individual becomes significant</a:t>
+            </a:r>
+            <a:r>
+              <a:rPr lang="en-US" sz="1400" dirty="0" smtClean="0">
+                <a:latin typeface="Times New Roman" panose="02020603050405020304" pitchFamily="18" charset="0"/>
+                <a:cs typeface="Times New Roman" panose="02020603050405020304" pitchFamily="18" charset="0"/>
+              </a:rPr>
+              <a:t>:</a:t>
+            </a:r>
+            <a:endParaRPr lang="en-US" sz="1400" dirty="0">
+              <a:latin typeface="Times New Roman" panose="02020603050405020304" pitchFamily="18" charset="0"/>
+              <a:cs typeface="Times New Roman" panose="02020603050405020304" pitchFamily="18" charset="0"/>
+            </a:endParaRPr>
+          </a:p>
+          <a:p>
+            <a:pPr>
+              <a:defRPr/>
+            </a:pPr>
+            <a:r>
+              <a:rPr lang="en-US" sz="1400" dirty="0">
+                <a:latin typeface="Times New Roman" panose="02020603050405020304" pitchFamily="18" charset="0"/>
+                <a:cs typeface="Times New Roman" panose="02020603050405020304" pitchFamily="18" charset="0"/>
+              </a:rPr>
+              <a:t>Fixed defect - 83.61%</a:t>
+            </a:r>
+          </a:p>
+          <a:p>
+            <a:pPr>
+              <a:defRPr/>
+            </a:pPr>
+            <a:r>
+              <a:rPr lang="en-US" sz="1400" dirty="0">
+                <a:latin typeface="Times New Roman" panose="02020603050405020304" pitchFamily="18" charset="0"/>
+                <a:cs typeface="Times New Roman" panose="02020603050405020304" pitchFamily="18" charset="0"/>
+              </a:rPr>
+              <a:t>Normal - 31.84%</a:t>
+            </a:r>
+          </a:p>
+          <a:p>
+            <a:pPr>
+              <a:defRPr/>
+            </a:pPr>
+            <a:r>
+              <a:rPr lang="en-US" sz="1400" dirty="0">
+                <a:latin typeface="Times New Roman" panose="02020603050405020304" pitchFamily="18" charset="0"/>
+                <a:cs typeface="Times New Roman" panose="02020603050405020304" pitchFamily="18" charset="0"/>
+              </a:rPr>
+              <a:t>Reversible defect - 80.21%</a:t>
+            </a:r>
+          </a:p>
+          <a:p>
+            <a:pPr marL="0" indent="0">
+              <a:buNone/>
+              <a:defRPr/>
+            </a:pPr>
+            <a:endParaRPr lang="en-US" sz="1400" dirty="0">
+              <a:latin typeface="Times New Roman" panose="02020603050405020304" pitchFamily="18" charset="0"/>
+              <a:cs typeface="Times New Roman" panose="02020603050405020304" pitchFamily="18" charset="0"/>
+            </a:endParaRPr>
+          </a:p>
+          <a:p>
+            <a:pPr marL="0" indent="0">
+              <a:buNone/>
+              <a:defRPr/>
+            </a:pPr>
+            <a:endParaRPr lang="en-US" sz="1400" dirty="0">
+              <a:latin typeface="Times New Roman" panose="02020603050405020304" pitchFamily="18" charset="0"/>
+              <a:cs typeface="Times New Roman" panose="02020603050405020304" pitchFamily="18" charset="0"/>
+            </a:endParaRPr>
+          </a:p>
+          <a:p>
+            <a:pPr marL="0" indent="0">
+              <a:buNone/>
+              <a:defRPr/>
+            </a:pPr>
+            <a:endParaRPr lang="en-US" sz="1400" dirty="0">
+              <a:latin typeface="Times New Roman" panose="02020603050405020304" pitchFamily="18" charset="0"/>
+              <a:cs typeface="Times New Roman" panose="02020603050405020304" pitchFamily="18" charset="0"/>
+            </a:endParaRPr>
+          </a:p>
+          <a:p>
+            <a:pPr marL="0" indent="0">
+              <a:buNone/>
+              <a:defRPr/>
+            </a:pPr>
+            <a:endParaRPr lang="en-US" sz="1400" dirty="0">
+              <a:latin typeface="Times New Roman" panose="02020603050405020304" pitchFamily="18" charset="0"/>
+              <a:cs typeface="Times New Roman" panose="02020603050405020304" pitchFamily="18" charset="0"/>
+            </a:endParaRPr>
+          </a:p>
           <a:p>
             <a:pPr marL="0" indent="0">
               <a:buFont typeface="Arial"/>
               <a:buNone/>
               <a:defRPr/>
             </a:pPr>
-            <a:r>
-              <a:rPr sz="1400"/>
-              <a:t>Процент больных по географии</a:t>
-            </a:r>
-            <a:endParaRPr sz="1400"/>
+            <a:endParaRPr sz="1400" dirty="0">
+              <a:latin typeface="Times New Roman" panose="02020603050405020304" pitchFamily="18" charset="0"/>
+              <a:cs typeface="Times New Roman" panose="02020603050405020304" pitchFamily="18" charset="0"/>
+            </a:endParaRPr>
           </a:p>
         </p:txBody>
       </p:sp>
       <p:pic>
         <p:nvPicPr>
-          <p:cNvPr id="1307403286" name=""/>
+          <p:cNvPr id="790953896" name="Рисунок 790953895"/>
           <p:cNvPicPr>
             <a:picLocks noChangeAspect="1"/>
           </p:cNvPicPr>
@@ -3752,222 +3764,40 @@
         </p:blipFill>
         <p:spPr bwMode="auto">
           <a:xfrm>
-            <a:off x="477225" y="1333500"/>
-            <a:ext cx="7477125" cy="5257800"/>
+            <a:off x="170003" y="1314450"/>
+            <a:ext cx="7191375" cy="5419725"/>
           </a:xfrm>
           <a:prstGeom prst="rect">
             <a:avLst/>
           </a:prstGeom>
         </p:spPr>
       </p:pic>
-      <p:sp>
-        <p:nvSpPr>
-          <p:cNvPr id="987688289" name=""/>
-          <p:cNvSpPr txBox="1"/>
-          <p:nvPr/>
-        </p:nvSpPr>
-        <p:spPr bwMode="auto">
-          <a:xfrm flipH="0" flipV="0">
-            <a:off x="8106749" y="1333499"/>
-            <a:ext cx="4095858" cy="1584996"/>
-          </a:xfrm>
-          <a:prstGeom prst="rect">
-            <a:avLst/>
-          </a:prstGeom>
-          <a:noFill/>
-        </p:spPr>
-        <p:txBody>
-          <a:bodyPr vertOverflow="overflow" horzOverflow="overflow" vert="horz" wrap="square" lIns="91440" tIns="45720" rIns="91440" bIns="45720" numCol="1" spcCol="0" rtlCol="0" fromWordArt="0" anchor="t" anchorCtr="0" forceAA="0" upright="0" compatLnSpc="0">
-            <a:spAutoFit/>
-          </a:bodyPr>
-          <a:p>
-            <a:pPr>
-              <a:defRPr/>
-            </a:pPr>
-            <a:r>
-              <a:rPr sz="1400" b="0" i="0" u="none">
-                <a:solidFill>
-                  <a:srgbClr val="000000"/>
-                </a:solidFill>
-                <a:latin typeface="Times New Roman"/>
-                <a:ea typeface="Times New Roman"/>
-                <a:cs typeface="Times New Roman"/>
-              </a:rPr>
-              <a:t>Относительно географии следующие цифры:</a:t>
-            </a:r>
-            <a:endParaRPr sz="1400" b="0" i="0" u="none">
-              <a:solidFill>
-                <a:srgbClr val="000000"/>
-              </a:solidFill>
-              <a:latin typeface="Times New Roman"/>
-              <a:ea typeface="Times New Roman"/>
-              <a:cs typeface="Times New Roman"/>
-            </a:endParaRPr>
-          </a:p>
-          <a:p>
-            <a:pPr>
-              <a:defRPr/>
-            </a:pPr>
-            <a:r>
-              <a:rPr sz="1400" b="0" i="0" u="none">
-                <a:solidFill>
-                  <a:srgbClr val="000000"/>
-                </a:solidFill>
-                <a:latin typeface="Times New Roman"/>
-                <a:ea typeface="Times New Roman"/>
-                <a:cs typeface="Times New Roman"/>
-              </a:rPr>
-              <a:t> </a:t>
-            </a:r>
-            <a:endParaRPr sz="1400" b="0" i="0" u="none">
-              <a:solidFill>
-                <a:srgbClr val="000000"/>
-              </a:solidFill>
-              <a:latin typeface="Times New Roman"/>
-              <a:ea typeface="Times New Roman"/>
-              <a:cs typeface="Times New Roman"/>
-            </a:endParaRPr>
-          </a:p>
-          <a:p>
-            <a:pPr marL="239822" indent="-239822">
-              <a:buFont typeface="Arial"/>
-              <a:buChar char="•"/>
-              <a:defRPr/>
-            </a:pPr>
-            <a:r>
-              <a:rPr sz="1400" b="0" i="0" u="none">
-                <a:solidFill>
-                  <a:srgbClr val="000000"/>
-                </a:solidFill>
-                <a:latin typeface="Times New Roman"/>
-                <a:ea typeface="Times New Roman"/>
-                <a:cs typeface="Times New Roman"/>
-              </a:rPr>
-              <a:t>В Кливленде 45.72% больных людей</a:t>
-            </a:r>
-            <a:endParaRPr sz="1400" b="0" i="0" u="none">
-              <a:solidFill>
-                <a:srgbClr val="000000"/>
-              </a:solidFill>
-              <a:latin typeface="Times New Roman"/>
-              <a:ea typeface="Times New Roman"/>
-              <a:cs typeface="Times New Roman"/>
-            </a:endParaRPr>
-          </a:p>
-          <a:p>
-            <a:pPr marL="239822" indent="-239822">
-              <a:buFont typeface="Arial"/>
-              <a:buChar char="•"/>
-              <a:defRPr/>
-            </a:pPr>
-            <a:r>
-              <a:rPr sz="1400" b="0" i="0" u="none">
-                <a:solidFill>
-                  <a:srgbClr val="000000"/>
-                </a:solidFill>
-                <a:latin typeface="Times New Roman"/>
-                <a:ea typeface="Times New Roman"/>
-                <a:cs typeface="Times New Roman"/>
-              </a:rPr>
-              <a:t>В Венгрии наименьшее количество больных -</a:t>
-            </a:r>
-            <a:r>
-              <a:rPr sz="1400" b="0" i="0" u="none">
-                <a:solidFill>
-                  <a:srgbClr val="000000"/>
-                </a:solidFill>
-                <a:latin typeface="Times New Roman"/>
-                <a:ea typeface="Times New Roman"/>
-                <a:cs typeface="Times New Roman"/>
-              </a:rPr>
-              <a:t>  </a:t>
-            </a:r>
-            <a:r>
-              <a:rPr sz="1400" b="0" i="0" u="none">
-                <a:solidFill>
-                  <a:srgbClr val="000000"/>
-                </a:solidFill>
-                <a:latin typeface="Times New Roman"/>
-                <a:ea typeface="Times New Roman"/>
-                <a:cs typeface="Times New Roman"/>
-              </a:rPr>
-              <a:t>36.18%</a:t>
-            </a:r>
-            <a:endParaRPr sz="1400" b="0" i="0" u="none">
-              <a:solidFill>
-                <a:srgbClr val="000000"/>
-              </a:solidFill>
-              <a:latin typeface="Times New Roman"/>
-              <a:ea typeface="Times New Roman"/>
-              <a:cs typeface="Times New Roman"/>
-            </a:endParaRPr>
-          </a:p>
-          <a:p>
-            <a:pPr marL="239822" indent="-239822">
-              <a:buFont typeface="Arial"/>
-              <a:buChar char="•"/>
-              <a:defRPr/>
-            </a:pPr>
-            <a:r>
-              <a:rPr sz="1400" b="0" i="0" u="none">
-                <a:solidFill>
-                  <a:srgbClr val="000000"/>
-                </a:solidFill>
-                <a:latin typeface="Times New Roman"/>
-                <a:ea typeface="Times New Roman"/>
-                <a:cs typeface="Times New Roman"/>
-              </a:rPr>
-              <a:t>Швейцария обогнала всех и имеет 93.50%</a:t>
-            </a:r>
-            <a:endParaRPr sz="1400" b="0" i="0" u="none">
-              <a:solidFill>
-                <a:srgbClr val="000000"/>
-              </a:solidFill>
-              <a:latin typeface="Times New Roman"/>
-              <a:ea typeface="Times New Roman"/>
-              <a:cs typeface="Times New Roman"/>
-            </a:endParaRPr>
-          </a:p>
-          <a:p>
-            <a:pPr marL="239822" indent="-239822">
-              <a:buFont typeface="Arial"/>
-              <a:buChar char="•"/>
-              <a:defRPr/>
-            </a:pPr>
-            <a:r>
-              <a:rPr sz="1400" b="0" i="0" u="none">
-                <a:solidFill>
-                  <a:srgbClr val="000000"/>
-                </a:solidFill>
-                <a:latin typeface="Times New Roman"/>
-                <a:ea typeface="Times New Roman"/>
-                <a:cs typeface="Times New Roman"/>
-              </a:rPr>
-              <a:t>Вирджиния на втором месте с 74.5% больных</a:t>
-            </a:r>
-            <a:endParaRPr sz="1400"/>
-          </a:p>
-        </p:txBody>
-      </p:sp>
     </p:spTree>
   </p:cSld>
   <p:clrMapOvr>
     <a:masterClrMapping/>
   </p:clrMapOvr>
-  <mc:AlternateContent xmlns:mc="http://schemas.openxmlformats.org/markup-compatibility/2006">
-    <mc:Choice xmlns:p14="http://schemas.microsoft.com/office/powerpoint/2010/main" Requires="p14">
-      <p:transition p14:dur="2000" advClick="1"/>
+  <mc:AlternateContent xmlns:mc="http://schemas.openxmlformats.org/markup-compatibility/2006" xmlns:p14="http://schemas.microsoft.com/office/powerpoint/2010/main">
+    <mc:Choice Requires="p14">
+      <p:transition spd="slow" p14:dur="2000"/>
     </mc:Choice>
-    <mc:Fallback>
+    <mc:Fallback xmlns="" xmlns:m="http://schemas.openxmlformats.org/officeDocument/2006/math" xmlns:w="http://schemas.openxmlformats.org/wordprocessingml/2006/main">
       <p:transition advClick="1"/>
     </mc:Fallback>
   </mc:AlternateContent>
+  <p:timing>
+    <p:tnLst>
+      <p:par>
+        <p:cTn id="1" dur="indefinite" restart="never" nodeType="tmRoot"/>
+      </p:par>
+    </p:tnLst>
+  </p:timing>
 </p:sld>
 </file>
 
 <file path=ppt/slides/slide12.xml><?xml version="1.0" encoding="utf-8"?>
-<p:sld xmlns:a="http://schemas.openxmlformats.org/drawingml/2006/main" xmlns:r="http://schemas.openxmlformats.org/officeDocument/2006/relationships" xmlns:p="http://schemas.openxmlformats.org/presentationml/2006/main" xmlns:m="http://schemas.openxmlformats.org/officeDocument/2006/math" xmlns:w="http://schemas.openxmlformats.org/wordprocessingml/2006/main" showMasterPhAnim="0" show="1">
-  <p:cSld name="">
+<p:sld xmlns:a="http://schemas.openxmlformats.org/drawingml/2006/main" xmlns:r="http://schemas.openxmlformats.org/officeDocument/2006/relationships" xmlns:p="http://schemas.openxmlformats.org/presentationml/2006/main" showMasterPhAnim="0">
+  <p:cSld>
     <p:spTree>
       <p:nvGrpSpPr>
         <p:cNvPr id="1" name=""/>
@@ -3984,7 +3814,7 @@
       </p:grpSpPr>
       <p:sp>
         <p:nvSpPr>
-          <p:cNvPr id="1943831602" name="Заголовок 1"/>
+          <p:cNvPr id="192347865" name="Заголовок 1"/>
           <p:cNvSpPr>
             <a:spLocks noGrp="1"/>
           </p:cNvSpPr>
@@ -3994,107 +3824,85 @@
         </p:nvSpPr>
         <p:spPr bwMode="auto">
           <a:xfrm>
-            <a:off x="838199" y="146049"/>
+            <a:off x="657224" y="7937"/>
             <a:ext cx="10515600" cy="1325562"/>
           </a:xfrm>
         </p:spPr>
         <p:txBody>
-          <a:bodyPr vertOverflow="overflow" horzOverflow="overflow" vert="horz" wrap="square" lIns="91440" tIns="45720" rIns="91440" bIns="45720" numCol="1" spcCol="0" rtlCol="0" fromWordArt="0" anchor="ctr" anchorCtr="0" forceAA="0" upright="0" compatLnSpc="0">
-            <a:normAutofit fontScale="90000" lnSpcReduction="2000"/>
+          <a:bodyPr vertOverflow="overflow" horzOverflow="overflow" vert="horz" wrap="square" lIns="91440" tIns="45720" rIns="91440" bIns="45720" numCol="1" spcCol="0" rtlCol="0" fromWordArt="0" anchor="ctr" anchorCtr="0" forceAA="0" compatLnSpc="0">
+            <a:normAutofit/>
           </a:bodyPr>
           <a:lstStyle/>
           <a:p>
             <a:pPr>
               <a:defRPr/>
             </a:pPr>
-            <a:br>
-              <a:rPr lang="ru-RU" sz="4400" b="0" i="0" u="none" strike="noStrike" cap="none" spc="0">
-                <a:solidFill>
-                  <a:schemeClr val="tx1"/>
-                </a:solidFill>
-                <a:latin typeface="Arial"/>
-                <a:ea typeface="Arial"/>
-                <a:cs typeface="Arial"/>
+            <a:r>
+              <a:rPr lang="en-US" dirty="0"/>
+              <a:t>Exploratory Data Analysis</a:t>
+            </a:r>
+            <a:r>
+              <a:rPr lang="ru-RU" dirty="0"/>
+              <a:t> </a:t>
+            </a:r>
+            <a:r>
+              <a:rPr lang="en-US" dirty="0"/>
+              <a:t>(EDA)</a:t>
+            </a:r>
+            <a:endParaRPr sz="4400" dirty="0"/>
+          </a:p>
+          <a:p>
+            <a:pPr>
+              <a:defRPr/>
+            </a:pPr>
+            <a:endParaRPr dirty="0"/>
+          </a:p>
+        </p:txBody>
+      </p:sp>
+      <p:sp>
+        <p:nvSpPr>
+          <p:cNvPr id="1442083737" name="Объект 2"/>
+          <p:cNvSpPr>
+            <a:spLocks noGrp="1"/>
+          </p:cNvSpPr>
+          <p:nvPr>
+            <p:ph idx="1"/>
+          </p:nvPr>
+        </p:nvSpPr>
+        <p:spPr bwMode="auto">
+          <a:xfrm>
+            <a:off x="342899" y="996949"/>
+            <a:ext cx="10515600" cy="4351338"/>
+          </a:xfrm>
+        </p:spPr>
+        <p:txBody>
+          <a:bodyPr/>
+          <a:lstStyle/>
+          <a:p>
+            <a:r>
+              <a:rPr lang="en-US" sz="1400" dirty="0">
+                <a:latin typeface="Times New Roman" panose="02020603050405020304" pitchFamily="18" charset="0"/>
+                <a:cs typeface="Times New Roman" panose="02020603050405020304" pitchFamily="18" charset="0"/>
               </a:rPr>
-            </a:br>
-            <a:r>
-              <a:rPr lang="ru-RU" sz="4400" b="0" i="0" u="none" strike="noStrike" cap="none" spc="0">
-                <a:solidFill>
-                  <a:schemeClr val="tx1"/>
-                </a:solidFill>
-                <a:latin typeface="Arial"/>
-                <a:ea typeface="Arial"/>
-                <a:cs typeface="Arial"/>
+              <a:t>Percentage of affected individuals by geography</a:t>
+            </a:r>
+            <a:r>
+              <a:rPr lang="en-US" sz="1400" dirty="0" smtClean="0">
+                <a:latin typeface="Times New Roman" panose="02020603050405020304" pitchFamily="18" charset="0"/>
+                <a:cs typeface="Times New Roman" panose="02020603050405020304" pitchFamily="18" charset="0"/>
               </a:rPr>
-              <a:t>Исследовательский </a:t>
-            </a:r>
-            <a:r>
-              <a:rPr lang="ru-RU" sz="4400" b="0" i="0" u="none" strike="noStrike" cap="none" spc="0">
-                <a:solidFill>
-                  <a:schemeClr val="tx1"/>
-                </a:solidFill>
-                <a:latin typeface="Arial"/>
-                <a:ea typeface="Arial"/>
-                <a:cs typeface="Arial"/>
-              </a:rPr>
-              <a:t>анализ</a:t>
-            </a:r>
-            <a:endParaRPr sz="4400"/>
-          </a:p>
-          <a:p>
-            <a:pPr>
-              <a:defRPr/>
-            </a:pPr>
-            <a:endParaRPr sz="4400"/>
-          </a:p>
-          <a:p>
-            <a:pPr>
-              <a:defRPr/>
-            </a:pPr>
-            <a:endParaRPr sz="4400"/>
-          </a:p>
-          <a:p>
-            <a:pPr>
-              <a:defRPr/>
-            </a:pPr>
-            <a:endParaRPr/>
-          </a:p>
-        </p:txBody>
-      </p:sp>
-      <p:sp>
-        <p:nvSpPr>
-          <p:cNvPr id="632923779" name="Объект 2"/>
-          <p:cNvSpPr>
-            <a:spLocks noGrp="1"/>
-          </p:cNvSpPr>
-          <p:nvPr>
-            <p:ph idx="1"/>
-          </p:nvPr>
-        </p:nvSpPr>
-        <p:spPr bwMode="auto">
-          <a:xfrm>
-            <a:off x="838199" y="1101724"/>
-            <a:ext cx="10515600" cy="4351338"/>
-          </a:xfrm>
-        </p:spPr>
-        <p:txBody>
-          <a:bodyPr/>
-          <a:lstStyle/>
-          <a:p>
-            <a:pPr>
-              <a:defRPr/>
-            </a:pPr>
-            <a:r>
-              <a:rPr sz="1400"/>
-              <a:t>Процент больных по разным видам боли в груди</a:t>
-            </a:r>
-            <a:endParaRPr sz="1400"/>
+              <a:t>:</a:t>
+            </a:r>
+            <a:endParaRPr lang="en-US" sz="1400" dirty="0">
+              <a:latin typeface="Times New Roman" panose="02020603050405020304" pitchFamily="18" charset="0"/>
+              <a:cs typeface="Times New Roman" panose="02020603050405020304" pitchFamily="18" charset="0"/>
+            </a:endParaRPr>
           </a:p>
         </p:txBody>
       </p:sp>
       <p:pic>
         <p:nvPicPr>
-          <p:cNvPr id="1968332768" name=""/>
+          <p:cNvPr id="1307403286" name="Рисунок 1307403285"/>
           <p:cNvPicPr>
             <a:picLocks noChangeAspect="1"/>
           </p:cNvPicPr>
@@ -4105,34 +3913,116 @@
           <a:stretch/>
         </p:blipFill>
         <p:spPr bwMode="auto">
-          <a:xfrm flipH="0" flipV="0">
-            <a:off x="838199" y="1596361"/>
-            <a:ext cx="6647475" cy="4956838"/>
+          <a:xfrm>
+            <a:off x="477225" y="1333500"/>
+            <a:ext cx="7477125" cy="5257800"/>
           </a:xfrm>
           <a:prstGeom prst="rect">
             <a:avLst/>
           </a:prstGeom>
         </p:spPr>
       </p:pic>
+      <p:sp>
+        <p:nvSpPr>
+          <p:cNvPr id="987688289" name="TextBox 987688288"/>
+          <p:cNvSpPr txBox="1"/>
+          <p:nvPr/>
+        </p:nvSpPr>
+        <p:spPr bwMode="auto">
+          <a:xfrm>
+            <a:off x="8106749" y="1333499"/>
+            <a:ext cx="4095858" cy="1331134"/>
+          </a:xfrm>
+          <a:prstGeom prst="rect">
+            <a:avLst/>
+          </a:prstGeom>
+          <a:noFill/>
+        </p:spPr>
+        <p:txBody>
+          <a:bodyPr vertOverflow="overflow" horzOverflow="overflow" vert="horz" wrap="square" lIns="91440" tIns="45720" rIns="91440" bIns="45720" numCol="1" spcCol="0" rtlCol="0" fromWordArt="0" anchor="t" anchorCtr="0" forceAA="0" compatLnSpc="0">
+            <a:spAutoFit/>
+          </a:bodyPr>
+          <a:lstStyle/>
+          <a:p>
+            <a:pPr marL="285750" indent="-285750">
+              <a:buFont typeface="Arial" panose="020B0604020202020204" pitchFamily="34" charset="0"/>
+              <a:buChar char="•"/>
+            </a:pPr>
+            <a:r>
+              <a:rPr lang="en-US" sz="1400" dirty="0">
+                <a:latin typeface="Times New Roman" panose="02020603050405020304" pitchFamily="18" charset="0"/>
+                <a:cs typeface="Times New Roman" panose="02020603050405020304" pitchFamily="18" charset="0"/>
+              </a:rPr>
+              <a:t>Cleveland - 45.72%</a:t>
+            </a:r>
+          </a:p>
+          <a:p>
+            <a:pPr marL="285750" indent="-285750">
+              <a:buFont typeface="Arial" panose="020B0604020202020204" pitchFamily="34" charset="0"/>
+              <a:buChar char="•"/>
+            </a:pPr>
+            <a:r>
+              <a:rPr lang="en-US" sz="1400" dirty="0">
+                <a:latin typeface="Times New Roman" panose="02020603050405020304" pitchFamily="18" charset="0"/>
+                <a:cs typeface="Times New Roman" panose="02020603050405020304" pitchFamily="18" charset="0"/>
+              </a:rPr>
+              <a:t>Hungary with the least number of affected - 36.18%</a:t>
+            </a:r>
+          </a:p>
+          <a:p>
+            <a:pPr marL="285750" indent="-285750">
+              <a:buFont typeface="Arial" panose="020B0604020202020204" pitchFamily="34" charset="0"/>
+              <a:buChar char="•"/>
+            </a:pPr>
+            <a:r>
+              <a:rPr lang="en-US" sz="1400" dirty="0">
+                <a:latin typeface="Times New Roman" panose="02020603050405020304" pitchFamily="18" charset="0"/>
+                <a:cs typeface="Times New Roman" panose="02020603050405020304" pitchFamily="18" charset="0"/>
+              </a:rPr>
+              <a:t>Switzerland surpassed all with 93.50%</a:t>
+            </a:r>
+          </a:p>
+          <a:p>
+            <a:pPr marL="285750" indent="-285750">
+              <a:buFont typeface="Arial" panose="020B0604020202020204" pitchFamily="34" charset="0"/>
+              <a:buChar char="•"/>
+            </a:pPr>
+            <a:r>
+              <a:rPr lang="en-US" sz="1400" dirty="0">
+                <a:latin typeface="Times New Roman" panose="02020603050405020304" pitchFamily="18" charset="0"/>
+                <a:cs typeface="Times New Roman" panose="02020603050405020304" pitchFamily="18" charset="0"/>
+              </a:rPr>
+              <a:t>Virginia comes second with 74.5% affected individuals</a:t>
+            </a:r>
+          </a:p>
+        </p:txBody>
+      </p:sp>
     </p:spTree>
   </p:cSld>
   <p:clrMapOvr>
     <a:masterClrMapping/>
   </p:clrMapOvr>
-  <mc:AlternateContent xmlns:mc="http://schemas.openxmlformats.org/markup-compatibility/2006">
-    <mc:Choice xmlns:p14="http://schemas.microsoft.com/office/powerpoint/2010/main" Requires="p14">
-      <p:transition p14:dur="2000" advClick="1"/>
+  <mc:AlternateContent xmlns:mc="http://schemas.openxmlformats.org/markup-compatibility/2006" xmlns:p14="http://schemas.microsoft.com/office/powerpoint/2010/main">
+    <mc:Choice Requires="p14">
+      <p:transition spd="slow" p14:dur="2000"/>
     </mc:Choice>
-    <mc:Fallback>
+    <mc:Fallback xmlns="" xmlns:m="http://schemas.openxmlformats.org/officeDocument/2006/math" xmlns:w="http://schemas.openxmlformats.org/wordprocessingml/2006/main">
       <p:transition advClick="1"/>
     </mc:Fallback>
   </mc:AlternateContent>
+  <p:timing>
+    <p:tnLst>
+      <p:par>
+        <p:cTn id="1" dur="indefinite" restart="never" nodeType="tmRoot"/>
+      </p:par>
+    </p:tnLst>
+  </p:timing>
 </p:sld>
 </file>
 
 <file path=ppt/slides/slide13.xml><?xml version="1.0" encoding="utf-8"?>
-<p:sld xmlns:a="http://schemas.openxmlformats.org/drawingml/2006/main" xmlns:r="http://schemas.openxmlformats.org/officeDocument/2006/relationships" xmlns:p="http://schemas.openxmlformats.org/presentationml/2006/main" xmlns:m="http://schemas.openxmlformats.org/officeDocument/2006/math" xmlns:w="http://schemas.openxmlformats.org/wordprocessingml/2006/main" showMasterPhAnim="0" show="1">
-  <p:cSld name="">
+<p:sld xmlns:a="http://schemas.openxmlformats.org/drawingml/2006/main" xmlns:r="http://schemas.openxmlformats.org/officeDocument/2006/relationships" xmlns:p="http://schemas.openxmlformats.org/presentationml/2006/main" showMasterPhAnim="0">
+  <p:cSld>
     <p:spTree>
       <p:nvGrpSpPr>
         <p:cNvPr id="1" name=""/>
@@ -4149,7 +4039,7 @@
       </p:grpSpPr>
       <p:sp>
         <p:nvSpPr>
-          <p:cNvPr id="1265953787" name="Заголовок 1"/>
+          <p:cNvPr id="1943831602" name="Заголовок 1"/>
           <p:cNvSpPr>
             <a:spLocks noGrp="1"/>
           </p:cNvSpPr>
@@ -4157,277 +4047,118 @@
             <p:ph type="title"/>
           </p:nvPr>
         </p:nvSpPr>
-        <p:spPr bwMode="auto"/>
+        <p:spPr bwMode="auto">
+          <a:xfrm>
+            <a:off x="838199" y="146049"/>
+            <a:ext cx="10515600" cy="1325562"/>
+          </a:xfrm>
+        </p:spPr>
+        <p:txBody>
+          <a:bodyPr vertOverflow="overflow" horzOverflow="overflow" vert="horz" wrap="square" lIns="91440" tIns="45720" rIns="91440" bIns="45720" numCol="1" spcCol="0" rtlCol="0" fromWordArt="0" anchor="ctr" anchorCtr="0" forceAA="0" compatLnSpc="0">
+            <a:normAutofit/>
+          </a:bodyPr>
+          <a:lstStyle/>
+          <a:p>
+            <a:pPr>
+              <a:defRPr/>
+            </a:pPr>
+            <a:r>
+              <a:rPr lang="en-US" dirty="0"/>
+              <a:t>Exploratory Data Analysis</a:t>
+            </a:r>
+            <a:r>
+              <a:rPr lang="ru-RU" dirty="0"/>
+              <a:t> </a:t>
+            </a:r>
+            <a:r>
+              <a:rPr lang="en-US" dirty="0"/>
+              <a:t>(EDA)</a:t>
+            </a:r>
+            <a:endParaRPr sz="4400" dirty="0"/>
+          </a:p>
+          <a:p>
+            <a:pPr>
+              <a:defRPr/>
+            </a:pPr>
+            <a:endParaRPr sz="4400" dirty="0"/>
+          </a:p>
+          <a:p>
+            <a:pPr>
+              <a:defRPr/>
+            </a:pPr>
+            <a:endParaRPr dirty="0"/>
+          </a:p>
+        </p:txBody>
+      </p:sp>
+      <p:sp>
+        <p:nvSpPr>
+          <p:cNvPr id="632923779" name="Объект 2"/>
+          <p:cNvSpPr>
+            <a:spLocks noGrp="1"/>
+          </p:cNvSpPr>
+          <p:nvPr>
+            <p:ph idx="1"/>
+          </p:nvPr>
+        </p:nvSpPr>
+        <p:spPr bwMode="auto">
+          <a:xfrm>
+            <a:off x="838199" y="1101724"/>
+            <a:ext cx="10515600" cy="4351338"/>
+          </a:xfrm>
+        </p:spPr>
         <p:txBody>
           <a:bodyPr/>
           <a:lstStyle/>
           <a:p>
-            <a:pPr algn="ctr">
-              <a:defRPr/>
-            </a:pPr>
-            <a:r>
-              <a:rPr/>
-              <a:t>Портрет больного человека</a:t>
-            </a:r>
-            <a:endParaRPr/>
-          </a:p>
-        </p:txBody>
-      </p:sp>
-      <p:sp>
-        <p:nvSpPr>
-          <p:cNvPr id="1482340303" name="Объект 2"/>
-          <p:cNvSpPr>
-            <a:spLocks noGrp="1"/>
-          </p:cNvSpPr>
-          <p:nvPr>
-            <p:ph idx="1"/>
-          </p:nvPr>
-        </p:nvSpPr>
-        <p:spPr bwMode="auto"/>
-        <p:txBody>
-          <a:bodyPr/>
-          <a:lstStyle/>
-          <a:p>
-            <a:pPr>
-              <a:defRPr/>
-            </a:pPr>
-            <a:r>
-              <a:rPr lang="ru-RU" sz="1400" b="0" i="0" u="none" strike="noStrike" cap="none" spc="0">
-                <a:solidFill>
-                  <a:schemeClr val="tx1"/>
-                </a:solidFill>
-                <a:latin typeface="Arial"/>
-                <a:cs typeface="Arial"/>
-              </a:rPr>
-              <a:t>Мужчина</a:t>
-            </a:r>
-            <a:endParaRPr lang="ru-RU" sz="1400" b="0" i="0" u="none" strike="noStrike" cap="none" spc="0">
-              <a:solidFill>
-                <a:schemeClr val="tx1"/>
-              </a:solidFill>
-              <a:latin typeface="Arial"/>
-              <a:cs typeface="Arial"/>
-            </a:endParaRPr>
-          </a:p>
-          <a:p>
-            <a:pPr>
-              <a:defRPr/>
-            </a:pPr>
-            <a:r>
-              <a:rPr lang="ru-RU" sz="1400" b="0" i="0" u="none" strike="noStrike" cap="none" spc="0">
-                <a:solidFill>
-                  <a:schemeClr val="tx1"/>
-                </a:solidFill>
-                <a:latin typeface="Arial"/>
-                <a:cs typeface="Arial"/>
-              </a:rPr>
-              <a:t>Старше 55 лет</a:t>
-            </a:r>
-            <a:endParaRPr lang="ru-RU" sz="1400" b="0" i="0" u="none" strike="noStrike" cap="none" spc="0">
-              <a:solidFill>
-                <a:schemeClr val="tx1"/>
-              </a:solidFill>
-              <a:latin typeface="Arial"/>
-              <a:cs typeface="Arial"/>
-            </a:endParaRPr>
-          </a:p>
-          <a:p>
-            <a:pPr>
-              <a:defRPr/>
-            </a:pPr>
-            <a:r>
-              <a:rPr lang="ru-RU" sz="1400" b="0" i="0" u="none" strike="noStrike" cap="none" spc="0">
-                <a:solidFill>
-                  <a:schemeClr val="tx1"/>
-                </a:solidFill>
-                <a:latin typeface="Arial"/>
-                <a:cs typeface="Arial"/>
-              </a:rPr>
-              <a:t>Из Швейцарии или Вирджинии</a:t>
-            </a:r>
-            <a:endParaRPr sz="1400" b="0" i="0" u="none" strike="noStrike" cap="none" spc="0" baseline="-25000">
-              <a:solidFill>
-                <a:schemeClr val="tx1"/>
-              </a:solidFill>
-              <a:latin typeface="Arial"/>
-              <a:cs typeface="Arial"/>
-            </a:endParaRPr>
-          </a:p>
-          <a:p>
-            <a:pPr>
-              <a:defRPr/>
-            </a:pPr>
-            <a:r>
-              <a:rPr lang="ru-RU" sz="1400" b="0" i="0" u="none" strike="noStrike" cap="none" spc="0">
-                <a:solidFill>
-                  <a:schemeClr val="tx1"/>
-                </a:solidFill>
-                <a:latin typeface="Arial"/>
-                <a:cs typeface="Arial"/>
-              </a:rPr>
-              <a:t>Глюкоза натощак выше нормы</a:t>
-            </a:r>
-            <a:endParaRPr lang="ru-RU" sz="1400" b="0" i="0" u="none" strike="noStrike" cap="none" spc="0">
-              <a:solidFill>
-                <a:schemeClr val="tx1"/>
-              </a:solidFill>
-              <a:latin typeface="Arial"/>
-              <a:cs typeface="Arial"/>
-            </a:endParaRPr>
-          </a:p>
-          <a:p>
-            <a:pPr>
-              <a:defRPr/>
-            </a:pPr>
-            <a:r>
-              <a:rPr lang="ru-RU" sz="1400" b="0" i="0" u="none" strike="noStrike" cap="none" spc="0">
-                <a:solidFill>
-                  <a:schemeClr val="tx1"/>
-                </a:solidFill>
-                <a:latin typeface="Arial"/>
-                <a:cs typeface="Arial"/>
-              </a:rPr>
-              <a:t>Пониженной максимальной ЧСС </a:t>
-            </a:r>
-            <a:endParaRPr lang="ru-RU" sz="1400" b="0" i="0" u="none" strike="noStrike" cap="none" spc="0">
-              <a:solidFill>
-                <a:schemeClr val="tx1"/>
-              </a:solidFill>
-              <a:latin typeface="Arial"/>
-              <a:cs typeface="Arial"/>
-            </a:endParaRPr>
-          </a:p>
-          <a:p>
-            <a:pPr>
-              <a:defRPr/>
-            </a:pPr>
-            <a:r>
-              <a:rPr lang="ru-RU" sz="1400" b="0" i="0" u="none" strike="noStrike" cap="none" spc="0">
-                <a:solidFill>
-                  <a:schemeClr val="tx1"/>
-                </a:solidFill>
-                <a:latin typeface="Arial"/>
-                <a:cs typeface="Arial"/>
-              </a:rPr>
-              <a:t>Низкий холестерин  (Если удалить Швейцарию, то тогда не имеет значения)</a:t>
-            </a:r>
-            <a:endParaRPr lang="ru-RU" sz="1400" b="0" i="0" u="none" strike="noStrike" cap="none" spc="0">
-              <a:solidFill>
-                <a:schemeClr val="tx1"/>
-              </a:solidFill>
-              <a:latin typeface="Arial"/>
-              <a:cs typeface="Arial"/>
-            </a:endParaRPr>
-          </a:p>
-          <a:p>
-            <a:pPr>
-              <a:defRPr/>
-            </a:pPr>
-            <a:r>
-              <a:rPr lang="ru-RU" sz="1400" b="0" i="0" u="none" strike="noStrike" cap="none" spc="0">
-                <a:solidFill>
-                  <a:schemeClr val="tx1"/>
-                </a:solidFill>
-                <a:latin typeface="Arial"/>
-                <a:cs typeface="Arial"/>
-              </a:rPr>
-              <a:t>Наличие стенокардии при нагрузке</a:t>
-            </a:r>
-            <a:endParaRPr lang="ru-RU" sz="1400" b="0" i="0" u="none" strike="noStrike" cap="none" spc="0">
-              <a:solidFill>
-                <a:schemeClr val="tx1"/>
-              </a:solidFill>
-              <a:latin typeface="Arial"/>
-              <a:cs typeface="Arial"/>
-            </a:endParaRPr>
-          </a:p>
-          <a:p>
-            <a:pPr>
-              <a:defRPr/>
-            </a:pPr>
-            <a:r>
-              <a:rPr lang="ru-RU" sz="1400" b="0" i="0" u="none" strike="noStrike" cap="none" spc="0">
-                <a:solidFill>
-                  <a:schemeClr val="tx1"/>
-                </a:solidFill>
-                <a:latin typeface="Arial"/>
-                <a:cs typeface="Arial"/>
-              </a:rPr>
-              <a:t> Размах аномально низкого ST ниже -1.1 или больше 4.2 </a:t>
-            </a:r>
-            <a:endParaRPr lang="ru-RU" sz="1400" b="0" i="0" u="none" strike="noStrike" cap="none" spc="0">
-              <a:solidFill>
-                <a:schemeClr val="tx1"/>
-              </a:solidFill>
-              <a:latin typeface="Arial"/>
-              <a:cs typeface="Arial"/>
-            </a:endParaRPr>
-          </a:p>
-          <a:p>
-            <a:pPr>
-              <a:defRPr/>
-            </a:pPr>
-            <a:r>
-              <a:rPr lang="ru-RU" sz="1400" b="0" i="0" u="none" strike="noStrike" cap="none" spc="0">
-                <a:solidFill>
-                  <a:schemeClr val="tx1"/>
-                </a:solidFill>
-                <a:latin typeface="Arial"/>
-                <a:cs typeface="Arial"/>
-              </a:rPr>
-              <a:t> Наличие дефектов в синтезе гемоглобина </a:t>
-            </a:r>
-            <a:endParaRPr lang="ru-RU" sz="1400" b="0" i="0" u="none" strike="noStrike" cap="none" spc="0">
-              <a:solidFill>
-                <a:schemeClr val="tx1"/>
-              </a:solidFill>
-              <a:latin typeface="Arial"/>
-              <a:cs typeface="Arial"/>
-            </a:endParaRPr>
-          </a:p>
-          <a:p>
-            <a:pPr>
-              <a:defRPr/>
-            </a:pPr>
-            <a:r>
-              <a:rPr lang="ru-RU" sz="1400" b="0" i="0" u="none" strike="noStrike" cap="none" spc="0">
-                <a:solidFill>
-                  <a:schemeClr val="tx1"/>
-                </a:solidFill>
-                <a:latin typeface="Arial"/>
-                <a:cs typeface="Arial"/>
-              </a:rPr>
-              <a:t> И наличие подсвеченных коронарных артерий при флюороскопии </a:t>
-            </a:r>
-            <a:endParaRPr lang="ru-RU" sz="1400" b="0" i="0" u="none" strike="noStrike" cap="none" spc="0">
-              <a:solidFill>
-                <a:schemeClr val="tx1"/>
-              </a:solidFill>
-              <a:latin typeface="Arial"/>
-              <a:cs typeface="Arial"/>
-            </a:endParaRPr>
-          </a:p>
-          <a:p>
-            <a:pPr>
-              <a:defRPr/>
-            </a:pPr>
-            <a:r>
-              <a:rPr lang="ru-RU" sz="1400" b="0" i="0" u="none" strike="noStrike" cap="none" spc="0">
-                <a:solidFill>
-                  <a:schemeClr val="tx1"/>
-                </a:solidFill>
-                <a:latin typeface="Arial"/>
-                <a:cs typeface="Arial"/>
-              </a:rPr>
-              <a:t> И максимальная нагрузка ST не наклонена вверх</a:t>
-            </a:r>
-            <a:endParaRPr sz="1400"/>
+            <a:pPr>
+              <a:defRPr/>
+            </a:pPr>
+            <a:r>
+              <a:rPr lang="en-US" sz="1400" dirty="0"/>
+              <a:t>Percentage of affected individuals based on different types of chest pain.</a:t>
+            </a:r>
+          </a:p>
+          <a:p>
+            <a:pPr>
+              <a:defRPr/>
+            </a:pPr>
+            <a:endParaRPr lang="en-US" sz="1400" dirty="0"/>
+          </a:p>
+          <a:p>
+            <a:pPr>
+              <a:defRPr/>
+            </a:pPr>
+            <a:endParaRPr lang="en-US" sz="1400" dirty="0"/>
+          </a:p>
+          <a:p>
+            <a:pPr>
+              <a:defRPr/>
+            </a:pPr>
+            <a:endParaRPr lang="en-US" sz="1400" dirty="0"/>
+          </a:p>
+          <a:p>
+            <a:pPr>
+              <a:defRPr/>
+            </a:pPr>
+            <a:endParaRPr lang="en-US" sz="1400" dirty="0"/>
+          </a:p>
+          <a:p>
+            <a:pPr>
+              <a:defRPr/>
+            </a:pPr>
+            <a:endParaRPr lang="en-US" sz="1400" dirty="0"/>
+          </a:p>
+          <a:p>
+            <a:pPr>
+              <a:defRPr/>
+            </a:pPr>
+            <a:endParaRPr sz="1400" dirty="0"/>
           </a:p>
         </p:txBody>
       </p:sp>
       <p:pic>
         <p:nvPicPr>
-          <p:cNvPr id="1280261081" name=""/>
+          <p:cNvPr id="1968332768" name="Рисунок 1968332767"/>
           <p:cNvPicPr>
             <a:picLocks noChangeAspect="1"/>
           </p:cNvPicPr>
@@ -4439,148 +4170,40 @@
         </p:blipFill>
         <p:spPr bwMode="auto">
           <a:xfrm>
-            <a:off x="8939212" y="4314825"/>
-            <a:ext cx="2543175" cy="1190624"/>
+            <a:off x="838199" y="1596361"/>
+            <a:ext cx="6647475" cy="4956838"/>
           </a:xfrm>
           <a:prstGeom prst="rect">
             <a:avLst/>
           </a:prstGeom>
         </p:spPr>
       </p:pic>
-      <p:pic>
-        <p:nvPicPr>
-          <p:cNvPr id="1194907173" name=""/>
-          <p:cNvPicPr>
-            <a:picLocks noChangeAspect="1"/>
-          </p:cNvPicPr>
-          <p:nvPr/>
-        </p:nvPicPr>
-        <p:blipFill>
-          <a:blip r:embed="rId3"/>
-          <a:stretch/>
-        </p:blipFill>
-        <p:spPr bwMode="auto">
-          <a:xfrm>
-            <a:off x="8939212" y="1495424"/>
-            <a:ext cx="2543175" cy="1219199"/>
-          </a:xfrm>
-          <a:prstGeom prst="rect">
-            <a:avLst/>
-          </a:prstGeom>
-        </p:spPr>
-      </p:pic>
-      <p:sp>
-        <p:nvSpPr>
-          <p:cNvPr id="435462437" name=""/>
-          <p:cNvSpPr txBox="1"/>
-          <p:nvPr/>
-        </p:nvSpPr>
-        <p:spPr bwMode="auto">
-          <a:xfrm flipH="0" flipV="0">
-            <a:off x="8897396" y="2809874"/>
-            <a:ext cx="2382869" cy="259115"/>
-          </a:xfrm>
-          <a:prstGeom prst="rect">
-            <a:avLst/>
-          </a:prstGeom>
-          <a:noFill/>
-        </p:spPr>
-        <p:txBody>
-          <a:bodyPr vertOverflow="overflow" horzOverflow="overflow" vert="horz" wrap="square" lIns="91440" tIns="45720" rIns="91440" bIns="45720" numCol="1" spcCol="0" rtlCol="0" fromWordArt="0" anchor="t" anchorCtr="0" forceAA="0" upright="0" compatLnSpc="0">
-            <a:spAutoFit/>
-          </a:bodyPr>
-          <a:p>
-            <a:pPr marL="206778" indent="-206778">
-              <a:buAutoNum type="arabicPeriod"/>
-              <a:defRPr/>
-            </a:pPr>
-            <a:r>
-              <a:rPr sz="1100"/>
-              <a:t>Данные с Швейцарией</a:t>
-            </a:r>
-            <a:endParaRPr sz="1100"/>
-          </a:p>
-        </p:txBody>
-      </p:sp>
-      <p:sp>
-        <p:nvSpPr>
-          <p:cNvPr id="202665381" name=""/>
-          <p:cNvSpPr txBox="1"/>
-          <p:nvPr/>
-        </p:nvSpPr>
-        <p:spPr bwMode="auto">
-          <a:xfrm flipH="0" flipV="0">
-            <a:off x="8954474" y="5610224"/>
-            <a:ext cx="2268821" cy="259115"/>
-          </a:xfrm>
-          <a:prstGeom prst="rect">
-            <a:avLst/>
-          </a:prstGeom>
-          <a:noFill/>
-        </p:spPr>
-        <p:txBody>
-          <a:bodyPr vertOverflow="overflow" horzOverflow="overflow" vert="horz" wrap="square" lIns="91440" tIns="45720" rIns="91440" bIns="45720" numCol="1" spcCol="0" rtlCol="0" fromWordArt="0" anchor="t" anchorCtr="0" forceAA="0" upright="0" compatLnSpc="0">
-            <a:spAutoFit/>
-          </a:bodyPr>
-          <a:p>
-            <a:pPr>
-              <a:defRPr/>
-            </a:pPr>
-            <a:r>
-              <a:rPr sz="1100"/>
-              <a:t>2. Данные без Швейцарии</a:t>
-            </a:r>
-            <a:endParaRPr sz="1100"/>
-          </a:p>
-        </p:txBody>
-      </p:sp>
-      <p:sp>
-        <p:nvSpPr>
-          <p:cNvPr id="1062693935" name=""/>
-          <p:cNvSpPr txBox="1"/>
-          <p:nvPr/>
-        </p:nvSpPr>
-        <p:spPr bwMode="auto">
-          <a:xfrm flipH="0" flipV="0">
-            <a:off x="-208575" y="6019800"/>
-            <a:ext cx="914400" cy="365795"/>
-          </a:xfrm>
-          <a:prstGeom prst="rect">
-            <a:avLst/>
-          </a:prstGeom>
-          <a:noFill/>
-        </p:spPr>
-        <p:txBody>
-          <a:bodyPr vertOverflow="overflow" horzOverflow="overflow" vert="horz" wrap="none" lIns="91440" tIns="45720" rIns="91440" bIns="45720" numCol="1" spcCol="0" rtlCol="0" fromWordArt="0" anchor="t" anchorCtr="0" forceAA="0" upright="0" compatLnSpc="0">
-            <a:spAutoFit/>
-          </a:bodyPr>
-          <a:p>
-            <a:pPr>
-              <a:defRPr/>
-            </a:pPr>
-            <a:endParaRPr/>
-          </a:p>
-        </p:txBody>
-      </p:sp>
     </p:spTree>
   </p:cSld>
   <p:clrMapOvr>
     <a:masterClrMapping/>
   </p:clrMapOvr>
-  <mc:AlternateContent xmlns:mc="http://schemas.openxmlformats.org/markup-compatibility/2006">
-    <mc:Choice xmlns:p14="http://schemas.microsoft.com/office/powerpoint/2010/main" Requires="p14">
-      <p:transition p14:dur="2000" advClick="1"/>
+  <mc:AlternateContent xmlns:mc="http://schemas.openxmlformats.org/markup-compatibility/2006" xmlns:p14="http://schemas.microsoft.com/office/powerpoint/2010/main">
+    <mc:Choice Requires="p14">
+      <p:transition spd="slow" p14:dur="2000"/>
     </mc:Choice>
-    <mc:Fallback>
+    <mc:Fallback xmlns="" xmlns:m="http://schemas.openxmlformats.org/officeDocument/2006/math" xmlns:w="http://schemas.openxmlformats.org/wordprocessingml/2006/main">
       <p:transition advClick="1"/>
     </mc:Fallback>
   </mc:AlternateContent>
+  <p:timing>
+    <p:tnLst>
+      <p:par>
+        <p:cTn id="1" dur="indefinite" restart="never" nodeType="tmRoot"/>
+      </p:par>
+    </p:tnLst>
+  </p:timing>
 </p:sld>
 </file>
 
 <file path=ppt/slides/slide14.xml><?xml version="1.0" encoding="utf-8"?>
-<p:sld xmlns:a="http://schemas.openxmlformats.org/drawingml/2006/main" xmlns:r="http://schemas.openxmlformats.org/officeDocument/2006/relationships" xmlns:p="http://schemas.openxmlformats.org/presentationml/2006/main" xmlns:m="http://schemas.openxmlformats.org/officeDocument/2006/math" xmlns:w="http://schemas.openxmlformats.org/wordprocessingml/2006/main" showMasterPhAnim="0" show="1">
-  <p:cSld name="">
+<p:sld xmlns:a="http://schemas.openxmlformats.org/drawingml/2006/main" xmlns:r="http://schemas.openxmlformats.org/officeDocument/2006/relationships" xmlns:p="http://schemas.openxmlformats.org/presentationml/2006/main" showMasterPhAnim="0">
+  <p:cSld>
     <p:spTree>
       <p:nvGrpSpPr>
         <p:cNvPr id="1" name=""/>
@@ -4597,7 +4220,7 @@
       </p:grpSpPr>
       <p:sp>
         <p:nvSpPr>
-          <p:cNvPr id="2077554752" name="Заголовок 1"/>
+          <p:cNvPr id="1265953787" name="Заголовок 1"/>
           <p:cNvSpPr>
             <a:spLocks noGrp="1"/>
           </p:cNvSpPr>
@@ -4614,16 +4237,16 @@
               <a:defRPr/>
             </a:pPr>
             <a:r>
-              <a:rPr/>
-              <a:t>Результаты</a:t>
-            </a:r>
-            <a:endParaRPr/>
-          </a:p>
-        </p:txBody>
-      </p:sp>
-      <p:sp>
-        <p:nvSpPr>
-          <p:cNvPr id="875191272" name="Объект 2"/>
+              <a:rPr lang="en-US" dirty="0"/>
+              <a:t>Portrait of an Afflicted Individual</a:t>
+            </a:r>
+            <a:endParaRPr dirty="0"/>
+          </a:p>
+        </p:txBody>
+      </p:sp>
+      <p:sp>
+        <p:nvSpPr>
+          <p:cNvPr id="1482340303" name="Объект 2"/>
           <p:cNvSpPr>
             <a:spLocks noGrp="1"/>
           </p:cNvSpPr>
@@ -4631,69 +4254,190 @@
             <p:ph idx="1"/>
           </p:nvPr>
         </p:nvSpPr>
+        <p:spPr bwMode="auto"/>
+        <p:txBody>
+          <a:bodyPr>
+            <a:normAutofit/>
+          </a:bodyPr>
+          <a:lstStyle/>
+          <a:p>
+            <a:r>
+              <a:rPr lang="en-US" sz="1400" dirty="0">
+                <a:latin typeface="Times New Roman" panose="02020603050405020304" pitchFamily="18" charset="0"/>
+                <a:cs typeface="Times New Roman" panose="02020603050405020304" pitchFamily="18" charset="0"/>
+              </a:rPr>
+              <a:t>M</a:t>
+            </a:r>
+            <a:r>
+              <a:rPr lang="en-US" sz="1400" dirty="0" smtClean="0">
+                <a:latin typeface="Times New Roman" panose="02020603050405020304" pitchFamily="18" charset="0"/>
+                <a:cs typeface="Times New Roman" panose="02020603050405020304" pitchFamily="18" charset="0"/>
+              </a:rPr>
+              <a:t>ale</a:t>
+            </a:r>
+            <a:r>
+              <a:rPr lang="en-US" sz="1400" dirty="0">
+                <a:latin typeface="Times New Roman" panose="02020603050405020304" pitchFamily="18" charset="0"/>
+                <a:cs typeface="Times New Roman" panose="02020603050405020304" pitchFamily="18" charset="0"/>
+              </a:rPr>
+              <a:t>:</a:t>
+            </a:r>
+          </a:p>
+          <a:p>
+            <a:r>
+              <a:rPr lang="en-US" sz="1400" dirty="0">
+                <a:latin typeface="Times New Roman" panose="02020603050405020304" pitchFamily="18" charset="0"/>
+                <a:cs typeface="Times New Roman" panose="02020603050405020304" pitchFamily="18" charset="0"/>
+              </a:rPr>
+              <a:t>Aged over 55</a:t>
+            </a:r>
+          </a:p>
+          <a:p>
+            <a:r>
+              <a:rPr lang="en-US" sz="1400" dirty="0">
+                <a:latin typeface="Times New Roman" panose="02020603050405020304" pitchFamily="18" charset="0"/>
+                <a:cs typeface="Times New Roman" panose="02020603050405020304" pitchFamily="18" charset="0"/>
+              </a:rPr>
+              <a:t>From Switzerland or Virginia</a:t>
+            </a:r>
+          </a:p>
+          <a:p>
+            <a:r>
+              <a:rPr lang="en-US" sz="1400" dirty="0">
+                <a:latin typeface="Times New Roman" panose="02020603050405020304" pitchFamily="18" charset="0"/>
+                <a:cs typeface="Times New Roman" panose="02020603050405020304" pitchFamily="18" charset="0"/>
+              </a:rPr>
+              <a:t>Fasting glucose level above normal</a:t>
+            </a:r>
+          </a:p>
+          <a:p>
+            <a:r>
+              <a:rPr lang="en-US" sz="1400" dirty="0">
+                <a:latin typeface="Times New Roman" panose="02020603050405020304" pitchFamily="18" charset="0"/>
+                <a:cs typeface="Times New Roman" panose="02020603050405020304" pitchFamily="18" charset="0"/>
+              </a:rPr>
+              <a:t>Lower maximum heart rate</a:t>
+            </a:r>
+          </a:p>
+          <a:p>
+            <a:r>
+              <a:rPr lang="en-US" sz="1400" dirty="0">
+                <a:latin typeface="Times New Roman" panose="02020603050405020304" pitchFamily="18" charset="0"/>
+                <a:cs typeface="Times New Roman" panose="02020603050405020304" pitchFamily="18" charset="0"/>
+              </a:rPr>
+              <a:t>Low cholesterol (If Switzerland is removed, then it doesn't matter)</a:t>
+            </a:r>
+          </a:p>
+          <a:p>
+            <a:r>
+              <a:rPr lang="en-US" sz="1400" dirty="0">
+                <a:latin typeface="Times New Roman" panose="02020603050405020304" pitchFamily="18" charset="0"/>
+                <a:cs typeface="Times New Roman" panose="02020603050405020304" pitchFamily="18" charset="0"/>
+              </a:rPr>
+              <a:t>Presence of exercise-induced angina</a:t>
+            </a:r>
+          </a:p>
+          <a:p>
+            <a:r>
+              <a:rPr lang="en-US" sz="1400" dirty="0">
+                <a:latin typeface="Times New Roman" panose="02020603050405020304" pitchFamily="18" charset="0"/>
+                <a:cs typeface="Times New Roman" panose="02020603050405020304" pitchFamily="18" charset="0"/>
+              </a:rPr>
+              <a:t>An abnormally low ST deviation less than -1.1 or greater than 4.2</a:t>
+            </a:r>
+          </a:p>
+          <a:p>
+            <a:r>
+              <a:rPr lang="en-US" sz="1400" dirty="0">
+                <a:latin typeface="Times New Roman" panose="02020603050405020304" pitchFamily="18" charset="0"/>
+                <a:cs typeface="Times New Roman" panose="02020603050405020304" pitchFamily="18" charset="0"/>
+              </a:rPr>
+              <a:t>Defects in hemoglobin synthesis</a:t>
+            </a:r>
+          </a:p>
+          <a:p>
+            <a:r>
+              <a:rPr lang="en-US" sz="1400" dirty="0">
+                <a:latin typeface="Times New Roman" panose="02020603050405020304" pitchFamily="18" charset="0"/>
+                <a:cs typeface="Times New Roman" panose="02020603050405020304" pitchFamily="18" charset="0"/>
+              </a:rPr>
+              <a:t>Highlighted coronary arteries during fluoroscopy</a:t>
+            </a:r>
+          </a:p>
+          <a:p>
+            <a:r>
+              <a:rPr lang="en-US" sz="1400" dirty="0">
+                <a:latin typeface="Times New Roman" panose="02020603050405020304" pitchFamily="18" charset="0"/>
+                <a:cs typeface="Times New Roman" panose="02020603050405020304" pitchFamily="18" charset="0"/>
+              </a:rPr>
+              <a:t>Maximum ST depression during exercise not sloping upwards</a:t>
+            </a:r>
+          </a:p>
+          <a:p>
+            <a:pPr>
+              <a:defRPr/>
+            </a:pPr>
+            <a:endParaRPr sz="1400" dirty="0">
+              <a:latin typeface="Times New Roman" panose="02020603050405020304" pitchFamily="18" charset="0"/>
+              <a:cs typeface="Times New Roman" panose="02020603050405020304" pitchFamily="18" charset="0"/>
+            </a:endParaRPr>
+          </a:p>
+        </p:txBody>
+      </p:sp>
+      <p:pic>
+        <p:nvPicPr>
+          <p:cNvPr id="1280261081" name="Рисунок 1280261080"/>
+          <p:cNvPicPr>
+            <a:picLocks noChangeAspect="1"/>
+          </p:cNvPicPr>
+          <p:nvPr/>
+        </p:nvPicPr>
+        <p:blipFill>
+          <a:blip r:embed="rId2"/>
+          <a:stretch/>
+        </p:blipFill>
         <p:spPr bwMode="auto">
-          <a:xfrm flipH="0" flipV="0">
-            <a:off x="5783170" y="1752600"/>
-            <a:ext cx="2039324" cy="4351338"/>
-          </a:xfrm>
-        </p:spPr>
-        <p:txBody>
-          <a:bodyPr/>
-          <a:lstStyle/>
-          <a:p>
-            <a:pPr marL="0" indent="0">
-              <a:buFont typeface="Arial"/>
-              <a:buNone/>
-              <a:defRPr/>
-            </a:pPr>
-            <a:r>
-              <a:rPr sz="1600"/>
-              <a:t>Было:</a:t>
-            </a:r>
-            <a:endParaRPr sz="1600"/>
-          </a:p>
-          <a:p>
-            <a:pPr>
-              <a:defRPr/>
-            </a:pPr>
-            <a:endParaRPr sz="1600"/>
-          </a:p>
-          <a:p>
-            <a:pPr>
-              <a:defRPr/>
-            </a:pPr>
-            <a:endParaRPr sz="1600"/>
-          </a:p>
-          <a:p>
-            <a:pPr>
-              <a:defRPr/>
-            </a:pPr>
-            <a:r>
-              <a:rPr sz="1600"/>
-              <a:t>Recall - 84%</a:t>
-            </a:r>
-            <a:endParaRPr sz="1600"/>
-          </a:p>
-          <a:p>
-            <a:pPr marL="0" indent="0">
-              <a:buFont typeface="Arial"/>
-              <a:buNone/>
-              <a:defRPr/>
-            </a:pPr>
-            <a:endParaRPr sz="1600"/>
-          </a:p>
-        </p:txBody>
-      </p:sp>
-      <p:sp>
-        <p:nvSpPr>
-          <p:cNvPr id="89553173" name=""/>
+          <a:xfrm>
+            <a:off x="8939212" y="4314825"/>
+            <a:ext cx="2543175" cy="1190624"/>
+          </a:xfrm>
+          <a:prstGeom prst="rect">
+            <a:avLst/>
+          </a:prstGeom>
+        </p:spPr>
+      </p:pic>
+      <p:pic>
+        <p:nvPicPr>
+          <p:cNvPr id="1194907173" name="Рисунок 1194907172"/>
+          <p:cNvPicPr>
+            <a:picLocks noChangeAspect="1"/>
+          </p:cNvPicPr>
+          <p:nvPr/>
+        </p:nvPicPr>
+        <p:blipFill>
+          <a:blip r:embed="rId3"/>
+          <a:stretch/>
+        </p:blipFill>
+        <p:spPr bwMode="auto">
+          <a:xfrm>
+            <a:off x="8939212" y="1495424"/>
+            <a:ext cx="2543175" cy="1219199"/>
+          </a:xfrm>
+          <a:prstGeom prst="rect">
+            <a:avLst/>
+          </a:prstGeom>
+        </p:spPr>
+      </p:pic>
+      <p:sp>
+        <p:nvSpPr>
+          <p:cNvPr id="435462437" name="TextBox 435462436"/>
           <p:cNvSpPr txBox="1"/>
           <p:nvPr/>
         </p:nvSpPr>
         <p:spPr bwMode="auto">
-          <a:xfrm flipH="0" flipV="0">
-            <a:off x="486749" y="1400175"/>
-            <a:ext cx="3276816" cy="365795"/>
+          <a:xfrm>
+            <a:off x="8897396" y="2809874"/>
+            <a:ext cx="2382869" cy="298800"/>
           </a:xfrm>
           <a:prstGeom prst="rect">
             <a:avLst/>
@@ -4701,27 +4445,39 @@
           <a:noFill/>
         </p:spPr>
         <p:txBody>
-          <a:bodyPr vertOverflow="overflow" horzOverflow="overflow" vert="horz" wrap="square" lIns="91440" tIns="45720" rIns="91440" bIns="45720" numCol="1" spcCol="0" rtlCol="0" fromWordArt="0" anchor="t" anchorCtr="0" forceAA="0" upright="0" compatLnSpc="0">
+          <a:bodyPr vertOverflow="overflow" horzOverflow="overflow" vert="horz" wrap="square" lIns="91440" tIns="45720" rIns="91440" bIns="45720" numCol="1" spcCol="0" rtlCol="0" fromWordArt="0" anchor="t" anchorCtr="0" forceAA="0" compatLnSpc="0">
             <a:spAutoFit/>
           </a:bodyPr>
-          <a:p>
-            <a:pPr>
-              <a:defRPr/>
-            </a:pPr>
-            <a:endParaRPr/>
-          </a:p>
-        </p:txBody>
-      </p:sp>
-      <p:sp>
-        <p:nvSpPr>
-          <p:cNvPr id="202951546" name=""/>
+          <a:lstStyle/>
+          <a:p>
+            <a:pPr marL="206778" indent="-206778">
+              <a:buAutoNum type="arabicPeriod"/>
+              <a:defRPr/>
+            </a:pPr>
+            <a:r>
+              <a:rPr lang="en-US" sz="1400" dirty="0">
+                <a:latin typeface="Times New Roman" panose="02020603050405020304" pitchFamily="18" charset="0"/>
+                <a:cs typeface="Times New Roman" panose="02020603050405020304" pitchFamily="18" charset="0"/>
+              </a:rPr>
+              <a:t>Data from Switzerland</a:t>
+            </a:r>
+            <a:endParaRPr sz="1400" dirty="0">
+              <a:latin typeface="Times New Roman" panose="02020603050405020304" pitchFamily="18" charset="0"/>
+              <a:cs typeface="Times New Roman" panose="02020603050405020304" pitchFamily="18" charset="0"/>
+            </a:endParaRPr>
+          </a:p>
+        </p:txBody>
+      </p:sp>
+      <p:sp>
+        <p:nvSpPr>
+          <p:cNvPr id="202665381" name="TextBox 202665380"/>
           <p:cNvSpPr txBox="1"/>
           <p:nvPr/>
         </p:nvSpPr>
         <p:spPr bwMode="auto">
-          <a:xfrm flipH="0" flipV="0">
-            <a:off x="-314325" y="1569702"/>
-            <a:ext cx="914400" cy="365795"/>
+          <a:xfrm>
+            <a:off x="8954474" y="5610224"/>
+            <a:ext cx="2268821" cy="505267"/>
           </a:xfrm>
           <a:prstGeom prst="rect">
             <a:avLst/>
@@ -4729,27 +4485,45 @@
           <a:noFill/>
         </p:spPr>
         <p:txBody>
-          <a:bodyPr vertOverflow="overflow" horzOverflow="overflow" vert="horz" wrap="none" lIns="91440" tIns="45720" rIns="91440" bIns="45720" numCol="1" spcCol="0" rtlCol="0" fromWordArt="0" anchor="t" anchorCtr="0" forceAA="0" upright="0" compatLnSpc="0">
+          <a:bodyPr vertOverflow="overflow" horzOverflow="overflow" vert="horz" wrap="square" lIns="91440" tIns="45720" rIns="91440" bIns="45720" numCol="1" spcCol="0" rtlCol="0" fromWordArt="0" anchor="t" anchorCtr="0" forceAA="0" compatLnSpc="0">
             <a:spAutoFit/>
           </a:bodyPr>
-          <a:p>
-            <a:pPr>
-              <a:defRPr/>
-            </a:pPr>
-            <a:endParaRPr/>
-          </a:p>
-        </p:txBody>
-      </p:sp>
-      <p:sp>
-        <p:nvSpPr>
-          <p:cNvPr id="524276268" name=""/>
+          <a:lstStyle/>
+          <a:p>
+            <a:pPr>
+              <a:defRPr/>
+            </a:pPr>
+            <a:r>
+              <a:rPr sz="1400" dirty="0" smtClean="0">
+                <a:latin typeface="Times New Roman" panose="02020603050405020304" pitchFamily="18" charset="0"/>
+                <a:cs typeface="Times New Roman" panose="02020603050405020304" pitchFamily="18" charset="0"/>
+              </a:rPr>
+              <a:t>2. </a:t>
+            </a:r>
+            <a:r>
+              <a:rPr lang="en-US" sz="1400" dirty="0">
+                <a:latin typeface="Times New Roman" panose="02020603050405020304" pitchFamily="18" charset="0"/>
+                <a:cs typeface="Times New Roman" panose="02020603050405020304" pitchFamily="18" charset="0"/>
+              </a:rPr>
+              <a:t>Data excluding Switzerland</a:t>
+            </a:r>
+            <a:endParaRPr sz="1400" dirty="0">
+              <a:latin typeface="Times New Roman" panose="02020603050405020304" pitchFamily="18" charset="0"/>
+              <a:cs typeface="Times New Roman" panose="02020603050405020304" pitchFamily="18" charset="0"/>
+            </a:endParaRPr>
+          </a:p>
+        </p:txBody>
+      </p:sp>
+      <p:sp>
+        <p:nvSpPr>
+          <p:cNvPr id="1062693935" name="TextBox 1062693934"/>
           <p:cNvSpPr txBox="1"/>
           <p:nvPr/>
         </p:nvSpPr>
         <p:spPr bwMode="auto">
-          <a:xfrm flipH="0" flipV="0">
-            <a:off x="9240225" y="1400175"/>
-            <a:ext cx="2686230" cy="365795"/>
+          <a:xfrm>
+            <a:off x="-208575" y="6019800"/>
+            <a:ext cx="914400" cy="365795"/>
           </a:xfrm>
           <a:prstGeom prst="rect">
             <a:avLst/>
@@ -4757,251 +4531,14 @@
           <a:noFill/>
         </p:spPr>
         <p:txBody>
-          <a:bodyPr vertOverflow="overflow" horzOverflow="overflow" vert="horz" wrap="square" lIns="91440" tIns="45720" rIns="91440" bIns="45720" numCol="1" spcCol="0" rtlCol="0" fromWordArt="0" anchor="t" anchorCtr="0" forceAA="0" upright="0" compatLnSpc="0">
+          <a:bodyPr vertOverflow="overflow" horzOverflow="overflow" vert="horz" wrap="none" lIns="91440" tIns="45720" rIns="91440" bIns="45720" numCol="1" spcCol="0" rtlCol="0" fromWordArt="0" anchor="t" anchorCtr="0" forceAA="0" compatLnSpc="0">
             <a:spAutoFit/>
           </a:bodyPr>
-          <a:p>
-            <a:pPr>
-              <a:defRPr/>
-            </a:pPr>
-            <a:endParaRPr/>
-          </a:p>
-        </p:txBody>
-      </p:sp>
-      <p:sp>
-        <p:nvSpPr>
-          <p:cNvPr id="1989545931" name=""/>
-          <p:cNvSpPr txBox="1"/>
-          <p:nvPr/>
-        </p:nvSpPr>
-        <p:spPr bwMode="auto">
-          <a:xfrm flipH="0" flipV="0">
-            <a:off x="4687274" y="1400175"/>
-            <a:ext cx="3210285" cy="365795"/>
-          </a:xfrm>
-          <a:prstGeom prst="rect">
-            <a:avLst/>
-          </a:prstGeom>
-          <a:noFill/>
-        </p:spPr>
-        <p:txBody>
-          <a:bodyPr vertOverflow="overflow" horzOverflow="overflow" vert="horz" wrap="square" lIns="91440" tIns="45720" rIns="91440" bIns="45720" numCol="1" spcCol="0" rtlCol="0" fromWordArt="0" anchor="t" anchorCtr="0" forceAA="0" upright="0" compatLnSpc="0">
-            <a:spAutoFit/>
-          </a:bodyPr>
-          <a:p>
-            <a:pPr>
-              <a:defRPr/>
-            </a:pPr>
-            <a:endParaRPr/>
-          </a:p>
-        </p:txBody>
-      </p:sp>
-      <p:sp>
-        <p:nvSpPr>
-          <p:cNvPr id="956013571" name=""/>
-          <p:cNvSpPr txBox="1"/>
-          <p:nvPr/>
-        </p:nvSpPr>
-        <p:spPr bwMode="auto">
-          <a:xfrm flipH="0" flipV="0">
-            <a:off x="8420660" y="1752600"/>
-            <a:ext cx="5820711" cy="335315"/>
-          </a:xfrm>
-          <a:prstGeom prst="rect">
-            <a:avLst/>
-          </a:prstGeom>
-          <a:noFill/>
-        </p:spPr>
-        <p:txBody>
-          <a:bodyPr vertOverflow="overflow" horzOverflow="overflow" vert="horz" wrap="square" lIns="91440" tIns="45720" rIns="91440" bIns="45720" numCol="1" spcCol="0" rtlCol="0" fromWordArt="0" anchor="t" anchorCtr="0" forceAA="0" upright="0" compatLnSpc="0">
-            <a:spAutoFit/>
-          </a:bodyPr>
-          <a:p>
-            <a:pPr>
-              <a:defRPr/>
-            </a:pPr>
-            <a:r>
-              <a:rPr sz="1600"/>
-              <a:t>Стало</a:t>
-            </a:r>
-            <a:endParaRPr/>
-          </a:p>
-        </p:txBody>
-      </p:sp>
-      <p:sp>
-        <p:nvSpPr>
-          <p:cNvPr id="1324452211" name=""/>
-          <p:cNvSpPr txBox="1"/>
-          <p:nvPr/>
-        </p:nvSpPr>
-        <p:spPr bwMode="auto">
-          <a:xfrm flipH="0" flipV="0">
-            <a:off x="8420660" y="2768001"/>
-            <a:ext cx="4325358" cy="335315"/>
-          </a:xfrm>
-          <a:prstGeom prst="rect">
-            <a:avLst/>
-          </a:prstGeom>
-          <a:noFill/>
-        </p:spPr>
-        <p:txBody>
-          <a:bodyPr vertOverflow="overflow" horzOverflow="overflow" vert="horz" wrap="square" lIns="91440" tIns="45720" rIns="91440" bIns="45720" numCol="1" spcCol="0" rtlCol="0" fromWordArt="0" anchor="t" anchorCtr="0" forceAA="0" upright="0" compatLnSpc="0">
-            <a:spAutoFit/>
-          </a:bodyPr>
-          <a:p>
-            <a:pPr marL="283879" indent="-283879">
-              <a:buFont typeface="Arial"/>
-              <a:buChar char="•"/>
-              <a:defRPr/>
-            </a:pPr>
-            <a:r>
-              <a:rPr sz="1600"/>
-              <a:t>Recall - 88.2%</a:t>
-            </a:r>
-            <a:endParaRPr sz="1600"/>
-          </a:p>
-        </p:txBody>
-      </p:sp>
-      <p:sp>
-        <p:nvSpPr>
-          <p:cNvPr id="47998697" name=""/>
-          <p:cNvSpPr txBox="1"/>
-          <p:nvPr/>
-        </p:nvSpPr>
-        <p:spPr bwMode="auto">
-          <a:xfrm flipH="0" flipV="0">
-            <a:off x="220049" y="1609725"/>
-            <a:ext cx="4194312" cy="1158276"/>
-          </a:xfrm>
-          <a:prstGeom prst="rect">
-            <a:avLst/>
-          </a:prstGeom>
-          <a:noFill/>
-        </p:spPr>
-        <p:txBody>
-          <a:bodyPr vertOverflow="overflow" horzOverflow="overflow" vert="horz" wrap="square" lIns="91440" tIns="45720" rIns="91440" bIns="45720" numCol="1" spcCol="0" rtlCol="0" fromWordArt="0" anchor="t" anchorCtr="0" forceAA="0" upright="0" compatLnSpc="0">
-            <a:spAutoFit/>
-          </a:bodyPr>
-          <a:p>
-            <a:pPr>
-              <a:defRPr/>
-            </a:pPr>
-            <a:r>
-              <a:rPr sz="1400"/>
-              <a:t>В качестве базовых моделей были выбраны </a:t>
-            </a:r>
-            <a:endParaRPr sz="1400"/>
-          </a:p>
-          <a:p>
-            <a:pPr marL="283879" indent="-283879">
-              <a:buFont typeface="Arial"/>
-              <a:buChar char="•"/>
-              <a:defRPr/>
-            </a:pPr>
-            <a:r>
-              <a:rPr sz="1400"/>
-              <a:t>дерево</a:t>
-            </a:r>
-            <a:endParaRPr sz="1400"/>
-          </a:p>
-          <a:p>
-            <a:pPr marL="283879" indent="-283879">
-              <a:buFont typeface="Arial"/>
-              <a:buChar char="•"/>
-              <a:defRPr/>
-            </a:pPr>
-            <a:r>
-              <a:rPr sz="1400"/>
-              <a:t>лес</a:t>
-            </a:r>
-            <a:endParaRPr sz="1400"/>
-          </a:p>
-          <a:p>
-            <a:pPr marL="283879" indent="-283879">
-              <a:buFont typeface="Arial"/>
-              <a:buChar char="•"/>
-              <a:defRPr/>
-            </a:pPr>
-            <a:r>
-              <a:rPr sz="1400"/>
-              <a:t>лог. регрессия</a:t>
-            </a:r>
-            <a:endParaRPr sz="1400"/>
-          </a:p>
-          <a:p>
-            <a:pPr marL="283879" indent="-283879">
-              <a:buFont typeface="Arial"/>
-              <a:buChar char="•"/>
-              <a:defRPr/>
-            </a:pPr>
-            <a:r>
-              <a:rPr sz="1400"/>
-              <a:t>KNN</a:t>
-            </a:r>
-            <a:endParaRPr sz="1400"/>
-          </a:p>
-        </p:txBody>
-      </p:sp>
-      <p:sp>
-        <p:nvSpPr>
-          <p:cNvPr id="319002814" name=""/>
-          <p:cNvSpPr txBox="1"/>
-          <p:nvPr/>
-        </p:nvSpPr>
-        <p:spPr bwMode="auto">
-          <a:xfrm flipH="0" flipV="0">
-            <a:off x="258149" y="3009900"/>
-            <a:ext cx="4744854" cy="365795"/>
-          </a:xfrm>
-          <a:prstGeom prst="rect">
-            <a:avLst/>
-          </a:prstGeom>
-          <a:noFill/>
-        </p:spPr>
-        <p:txBody>
-          <a:bodyPr vertOverflow="overflow" horzOverflow="overflow" vert="horz" wrap="square" lIns="91440" tIns="45720" rIns="91440" bIns="45720" numCol="1" spcCol="0" rtlCol="0" fromWordArt="0" anchor="t" anchorCtr="0" forceAA="0" upright="0" compatLnSpc="0">
-            <a:spAutoFit/>
-          </a:bodyPr>
-          <a:p>
-            <a:pPr>
-              <a:defRPr/>
-            </a:pPr>
-            <a:r>
-              <a:rPr/>
-              <a:t>Лучшая модель: случайны лес</a:t>
-            </a:r>
-            <a:endParaRPr/>
-          </a:p>
-        </p:txBody>
-      </p:sp>
-      <p:sp>
-        <p:nvSpPr>
-          <p:cNvPr id="129202988" name=""/>
-          <p:cNvSpPr txBox="1"/>
-          <p:nvPr/>
-        </p:nvSpPr>
-        <p:spPr bwMode="auto">
-          <a:xfrm flipH="0" flipV="0">
-            <a:off x="315299" y="3524250"/>
-            <a:ext cx="4649568" cy="365795"/>
-          </a:xfrm>
-          <a:prstGeom prst="rect">
-            <a:avLst/>
-          </a:prstGeom>
-          <a:noFill/>
-        </p:spPr>
-        <p:txBody>
-          <a:bodyPr vertOverflow="overflow" horzOverflow="overflow" vert="horz" wrap="square" lIns="91440" tIns="45720" rIns="91440" bIns="45720" numCol="1" spcCol="0" rtlCol="0" fromWordArt="0" anchor="t" anchorCtr="0" forceAA="0" upright="0" compatLnSpc="0">
-            <a:spAutoFit/>
-          </a:bodyPr>
-          <a:p>
-            <a:pPr>
-              <a:defRPr/>
-            </a:pPr>
-            <a:r>
-              <a:rPr/>
-              <a:t>Гиперпараметры через оптуну.</a:t>
-            </a:r>
+          <a:lstStyle/>
+          <a:p>
+            <a:pPr>
+              <a:defRPr/>
+            </a:pPr>
             <a:endParaRPr/>
           </a:p>
         </p:txBody>
@@ -5011,20 +4548,27 @@
   <p:clrMapOvr>
     <a:masterClrMapping/>
   </p:clrMapOvr>
-  <mc:AlternateContent xmlns:mc="http://schemas.openxmlformats.org/markup-compatibility/2006">
-    <mc:Choice xmlns:p14="http://schemas.microsoft.com/office/powerpoint/2010/main" Requires="p14">
-      <p:transition p14:dur="2000" advClick="1"/>
+  <mc:AlternateContent xmlns:mc="http://schemas.openxmlformats.org/markup-compatibility/2006" xmlns:p14="http://schemas.microsoft.com/office/powerpoint/2010/main">
+    <mc:Choice Requires="p14">
+      <p:transition spd="slow" p14:dur="2000"/>
     </mc:Choice>
-    <mc:Fallback>
+    <mc:Fallback xmlns="" xmlns:m="http://schemas.openxmlformats.org/officeDocument/2006/math" xmlns:w="http://schemas.openxmlformats.org/wordprocessingml/2006/main">
       <p:transition advClick="1"/>
     </mc:Fallback>
   </mc:AlternateContent>
+  <p:timing>
+    <p:tnLst>
+      <p:par>
+        <p:cTn id="1" dur="indefinite" restart="never" nodeType="tmRoot"/>
+      </p:par>
+    </p:tnLst>
+  </p:timing>
 </p:sld>
 </file>
 
-<file path=ppt/slides/slide2.xml><?xml version="1.0" encoding="utf-8"?>
-<p:sld xmlns:a="http://schemas.openxmlformats.org/drawingml/2006/main" xmlns:r="http://schemas.openxmlformats.org/officeDocument/2006/relationships" xmlns:p="http://schemas.openxmlformats.org/presentationml/2006/main" xmlns:m="http://schemas.openxmlformats.org/officeDocument/2006/math" xmlns:w="http://schemas.openxmlformats.org/wordprocessingml/2006/main" showMasterPhAnim="0" show="1">
-  <p:cSld name="">
+<file path=ppt/slides/slide15.xml><?xml version="1.0" encoding="utf-8"?>
+<p:sld xmlns:a="http://schemas.openxmlformats.org/drawingml/2006/main" xmlns:r="http://schemas.openxmlformats.org/officeDocument/2006/relationships" xmlns:p="http://schemas.openxmlformats.org/presentationml/2006/main" showMasterPhAnim="0">
+  <p:cSld>
     <p:spTree>
       <p:nvGrpSpPr>
         <p:cNvPr id="1" name=""/>
@@ -5041,7 +4585,7 @@
       </p:grpSpPr>
       <p:sp>
         <p:nvSpPr>
-          <p:cNvPr id="2051248414" name="Заголовок 1"/>
+          <p:cNvPr id="2077554752" name="Заголовок 1"/>
           <p:cNvSpPr>
             <a:spLocks noGrp="1"/>
           </p:cNvSpPr>
@@ -5054,127 +4598,760 @@
           <a:bodyPr/>
           <a:lstStyle/>
           <a:p>
-            <a:pPr>
-              <a:defRPr/>
-            </a:pPr>
-            <a:r>
-              <a:rPr lang="ru-RU" sz="4400" b="0" i="0" u="none" strike="noStrike" cap="none" spc="0">
+            <a:pPr algn="ctr">
+              <a:defRPr/>
+            </a:pPr>
+            <a:r>
+              <a:rPr lang="en-US" dirty="0" smtClean="0"/>
+              <a:t>Results</a:t>
+            </a:r>
+            <a:endParaRPr dirty="0"/>
+          </a:p>
+        </p:txBody>
+      </p:sp>
+      <p:sp>
+        <p:nvSpPr>
+          <p:cNvPr id="875191272" name="Объект 2"/>
+          <p:cNvSpPr>
+            <a:spLocks noGrp="1"/>
+          </p:cNvSpPr>
+          <p:nvPr>
+            <p:ph idx="1"/>
+          </p:nvPr>
+        </p:nvSpPr>
+        <p:spPr bwMode="auto">
+          <a:xfrm>
+            <a:off x="4564639" y="1690686"/>
+            <a:ext cx="2039324" cy="4351338"/>
+          </a:xfrm>
+        </p:spPr>
+        <p:txBody>
+          <a:bodyPr/>
+          <a:lstStyle/>
+          <a:p>
+            <a:pPr marL="0" indent="0">
+              <a:buFont typeface="Arial"/>
+              <a:buNone/>
+              <a:defRPr/>
+            </a:pPr>
+            <a:r>
+              <a:rPr lang="en-US" sz="1600" dirty="0" smtClean="0"/>
+              <a:t>Before tune</a:t>
+            </a:r>
+            <a:r>
+              <a:rPr sz="1600" dirty="0" smtClean="0"/>
+              <a:t>:</a:t>
+            </a:r>
+            <a:endParaRPr sz="1600" dirty="0"/>
+          </a:p>
+          <a:p>
+            <a:pPr>
+              <a:defRPr/>
+            </a:pPr>
+            <a:endParaRPr sz="1600" dirty="0"/>
+          </a:p>
+          <a:p>
+            <a:pPr>
+              <a:defRPr/>
+            </a:pPr>
+            <a:endParaRPr sz="1600" dirty="0"/>
+          </a:p>
+          <a:p>
+            <a:pPr>
+              <a:defRPr/>
+            </a:pPr>
+            <a:r>
+              <a:rPr lang="en-US" sz="1600" dirty="0"/>
+              <a:t>1: </a:t>
+            </a:r>
+            <a:r>
+              <a:rPr sz="1600" dirty="0" smtClean="0"/>
+              <a:t>Recall </a:t>
+            </a:r>
+            <a:r>
+              <a:rPr sz="1600" dirty="0"/>
+              <a:t>- </a:t>
+            </a:r>
+            <a:r>
+              <a:rPr lang="ru-RU" sz="1600" dirty="0" smtClean="0"/>
+              <a:t>81</a:t>
+            </a:r>
+            <a:r>
+              <a:rPr sz="1600" dirty="0" smtClean="0"/>
+              <a:t>%</a:t>
+            </a:r>
+            <a:endParaRPr sz="1600" dirty="0"/>
+          </a:p>
+          <a:p>
+            <a:pPr marL="0" indent="0">
+              <a:buFont typeface="Arial"/>
+              <a:buNone/>
+              <a:defRPr/>
+            </a:pPr>
+            <a:endParaRPr sz="1600" dirty="0"/>
+          </a:p>
+        </p:txBody>
+      </p:sp>
+      <p:sp>
+        <p:nvSpPr>
+          <p:cNvPr id="89553173" name="TextBox 89553172"/>
+          <p:cNvSpPr txBox="1"/>
+          <p:nvPr/>
+        </p:nvSpPr>
+        <p:spPr bwMode="auto">
+          <a:xfrm>
+            <a:off x="486749" y="1400175"/>
+            <a:ext cx="3276816" cy="365795"/>
+          </a:xfrm>
+          <a:prstGeom prst="rect">
+            <a:avLst/>
+          </a:prstGeom>
+          <a:noFill/>
+        </p:spPr>
+        <p:txBody>
+          <a:bodyPr vertOverflow="overflow" horzOverflow="overflow" vert="horz" wrap="square" lIns="91440" tIns="45720" rIns="91440" bIns="45720" numCol="1" spcCol="0" rtlCol="0" fromWordArt="0" anchor="t" anchorCtr="0" forceAA="0" compatLnSpc="0">
+            <a:spAutoFit/>
+          </a:bodyPr>
+          <a:lstStyle/>
+          <a:p>
+            <a:pPr>
+              <a:defRPr/>
+            </a:pPr>
+            <a:endParaRPr/>
+          </a:p>
+        </p:txBody>
+      </p:sp>
+      <p:sp>
+        <p:nvSpPr>
+          <p:cNvPr id="202951546" name="TextBox 202951545"/>
+          <p:cNvSpPr txBox="1"/>
+          <p:nvPr/>
+        </p:nvSpPr>
+        <p:spPr bwMode="auto">
+          <a:xfrm>
+            <a:off x="-314325" y="1569702"/>
+            <a:ext cx="914400" cy="365795"/>
+          </a:xfrm>
+          <a:prstGeom prst="rect">
+            <a:avLst/>
+          </a:prstGeom>
+          <a:noFill/>
+        </p:spPr>
+        <p:txBody>
+          <a:bodyPr vertOverflow="overflow" horzOverflow="overflow" vert="horz" wrap="none" lIns="91440" tIns="45720" rIns="91440" bIns="45720" numCol="1" spcCol="0" rtlCol="0" fromWordArt="0" anchor="t" anchorCtr="0" forceAA="0" compatLnSpc="0">
+            <a:spAutoFit/>
+          </a:bodyPr>
+          <a:lstStyle/>
+          <a:p>
+            <a:pPr>
+              <a:defRPr/>
+            </a:pPr>
+            <a:endParaRPr/>
+          </a:p>
+        </p:txBody>
+      </p:sp>
+      <p:sp>
+        <p:nvSpPr>
+          <p:cNvPr id="524276268" name="TextBox 524276267"/>
+          <p:cNvSpPr txBox="1"/>
+          <p:nvPr/>
+        </p:nvSpPr>
+        <p:spPr bwMode="auto">
+          <a:xfrm>
+            <a:off x="9240225" y="1400175"/>
+            <a:ext cx="2686230" cy="365795"/>
+          </a:xfrm>
+          <a:prstGeom prst="rect">
+            <a:avLst/>
+          </a:prstGeom>
+          <a:noFill/>
+        </p:spPr>
+        <p:txBody>
+          <a:bodyPr vertOverflow="overflow" horzOverflow="overflow" vert="horz" wrap="square" lIns="91440" tIns="45720" rIns="91440" bIns="45720" numCol="1" spcCol="0" rtlCol="0" fromWordArt="0" anchor="t" anchorCtr="0" forceAA="0" compatLnSpc="0">
+            <a:spAutoFit/>
+          </a:bodyPr>
+          <a:lstStyle/>
+          <a:p>
+            <a:pPr>
+              <a:defRPr/>
+            </a:pPr>
+            <a:endParaRPr/>
+          </a:p>
+        </p:txBody>
+      </p:sp>
+      <p:sp>
+        <p:nvSpPr>
+          <p:cNvPr id="1989545931" name="TextBox 1989545930"/>
+          <p:cNvSpPr txBox="1"/>
+          <p:nvPr/>
+        </p:nvSpPr>
+        <p:spPr bwMode="auto">
+          <a:xfrm>
+            <a:off x="4682113" y="1324891"/>
+            <a:ext cx="3210285" cy="365795"/>
+          </a:xfrm>
+          <a:prstGeom prst="rect">
+            <a:avLst/>
+          </a:prstGeom>
+          <a:noFill/>
+        </p:spPr>
+        <p:txBody>
+          <a:bodyPr vertOverflow="overflow" horzOverflow="overflow" vert="horz" wrap="square" lIns="91440" tIns="45720" rIns="91440" bIns="45720" numCol="1" spcCol="0" rtlCol="0" fromWordArt="0" anchor="t" anchorCtr="0" forceAA="0" compatLnSpc="0">
+            <a:spAutoFit/>
+          </a:bodyPr>
+          <a:lstStyle/>
+          <a:p>
+            <a:pPr>
+              <a:defRPr/>
+            </a:pPr>
+            <a:endParaRPr/>
+          </a:p>
+        </p:txBody>
+      </p:sp>
+      <p:sp>
+        <p:nvSpPr>
+          <p:cNvPr id="956013571" name="TextBox 956013570"/>
+          <p:cNvSpPr txBox="1"/>
+          <p:nvPr/>
+        </p:nvSpPr>
+        <p:spPr bwMode="auto">
+          <a:xfrm>
+            <a:off x="6858470" y="1688729"/>
+            <a:ext cx="5820711" cy="335315"/>
+          </a:xfrm>
+          <a:prstGeom prst="rect">
+            <a:avLst/>
+          </a:prstGeom>
+          <a:noFill/>
+        </p:spPr>
+        <p:txBody>
+          <a:bodyPr vertOverflow="overflow" horzOverflow="overflow" vert="horz" wrap="square" lIns="91440" tIns="45720" rIns="91440" bIns="45720" numCol="1" spcCol="0" rtlCol="0" fromWordArt="0" anchor="t" anchorCtr="0" forceAA="0" compatLnSpc="0">
+            <a:spAutoFit/>
+          </a:bodyPr>
+          <a:lstStyle/>
+          <a:p>
+            <a:pPr>
+              <a:defRPr/>
+            </a:pPr>
+            <a:r>
+              <a:rPr lang="en-US" sz="1600" dirty="0" smtClean="0"/>
+              <a:t>After tune:</a:t>
+            </a:r>
+            <a:endParaRPr dirty="0"/>
+          </a:p>
+        </p:txBody>
+      </p:sp>
+      <p:sp>
+        <p:nvSpPr>
+          <p:cNvPr id="1324452211" name="TextBox 1324452210"/>
+          <p:cNvSpPr txBox="1"/>
+          <p:nvPr/>
+        </p:nvSpPr>
+        <p:spPr bwMode="auto">
+          <a:xfrm>
+            <a:off x="6384032" y="2708945"/>
+            <a:ext cx="4325358" cy="328295"/>
+          </a:xfrm>
+          <a:prstGeom prst="rect">
+            <a:avLst/>
+          </a:prstGeom>
+          <a:noFill/>
+        </p:spPr>
+        <p:txBody>
+          <a:bodyPr vertOverflow="overflow" horzOverflow="overflow" vert="horz" wrap="square" lIns="91440" tIns="45720" rIns="91440" bIns="45720" numCol="1" spcCol="0" rtlCol="0" fromWordArt="0" anchor="t" anchorCtr="0" forceAA="0" compatLnSpc="0">
+            <a:spAutoFit/>
+          </a:bodyPr>
+          <a:lstStyle/>
+          <a:p>
+            <a:pPr marL="283879" indent="-283879">
+              <a:buFont typeface="Arial"/>
+              <a:buChar char="•"/>
+              <a:defRPr/>
+            </a:pPr>
+            <a:r>
+              <a:rPr lang="en-US" sz="1600" dirty="0"/>
+              <a:t>1: </a:t>
+            </a:r>
+            <a:r>
+              <a:rPr lang="en-US" sz="1600" dirty="0" smtClean="0"/>
+              <a:t>Recall</a:t>
+            </a:r>
+            <a:r>
+              <a:rPr lang="ru-RU" sz="1600" dirty="0" smtClean="0"/>
+              <a:t> 91.2%</a:t>
+            </a:r>
+            <a:endParaRPr sz="1600" dirty="0"/>
+          </a:p>
+        </p:txBody>
+      </p:sp>
+      <p:sp>
+        <p:nvSpPr>
+          <p:cNvPr id="47998697" name="TextBox 47998696"/>
+          <p:cNvSpPr txBox="1"/>
+          <p:nvPr/>
+        </p:nvSpPr>
+        <p:spPr bwMode="auto">
+          <a:xfrm>
+            <a:off x="220049" y="1609725"/>
+            <a:ext cx="4194312" cy="2157001"/>
+          </a:xfrm>
+          <a:prstGeom prst="rect">
+            <a:avLst/>
+          </a:prstGeom>
+          <a:noFill/>
+        </p:spPr>
+        <p:txBody>
+          <a:bodyPr vertOverflow="overflow" horzOverflow="overflow" vert="horz" wrap="square" lIns="91440" tIns="45720" rIns="91440" bIns="45720" numCol="1" spcCol="0" rtlCol="0" fromWordArt="0" anchor="t" anchorCtr="0" forceAA="0" compatLnSpc="0">
+            <a:spAutoFit/>
+          </a:bodyPr>
+          <a:lstStyle/>
+          <a:p>
+            <a:pPr>
+              <a:defRPr/>
+            </a:pPr>
+            <a:r>
+              <a:rPr lang="en-US" sz="1400" dirty="0"/>
+              <a:t>As baseline models, the following were chosen:</a:t>
+            </a:r>
+          </a:p>
+          <a:p>
+            <a:pPr>
+              <a:defRPr/>
+            </a:pPr>
+            <a:endParaRPr lang="en-US" sz="1400" dirty="0"/>
+          </a:p>
+          <a:p>
+            <a:pPr marL="285750" indent="-285750">
+              <a:buFont typeface="Arial" panose="020B0604020202020204" pitchFamily="34" charset="0"/>
+              <a:buChar char="•"/>
+              <a:defRPr/>
+            </a:pPr>
+            <a:r>
+              <a:rPr lang="en-US" sz="1400" dirty="0"/>
+              <a:t>Decision Tree</a:t>
+            </a:r>
+          </a:p>
+          <a:p>
+            <a:pPr marL="285750" indent="-285750">
+              <a:buFont typeface="Arial" panose="020B0604020202020204" pitchFamily="34" charset="0"/>
+              <a:buChar char="•"/>
+              <a:defRPr/>
+            </a:pPr>
+            <a:r>
+              <a:rPr lang="en-US" sz="1400" dirty="0"/>
+              <a:t>Random Forest</a:t>
+            </a:r>
+          </a:p>
+          <a:p>
+            <a:pPr marL="285750" indent="-285750">
+              <a:buFont typeface="Arial" panose="020B0604020202020204" pitchFamily="34" charset="0"/>
+              <a:buChar char="•"/>
+              <a:defRPr/>
+            </a:pPr>
+            <a:r>
+              <a:rPr lang="en-US" sz="1400" dirty="0"/>
+              <a:t>Logistic Regression</a:t>
+            </a:r>
+          </a:p>
+          <a:p>
+            <a:pPr marL="285750" indent="-285750">
+              <a:buFont typeface="Arial" panose="020B0604020202020204" pitchFamily="34" charset="0"/>
+              <a:buChar char="•"/>
+              <a:defRPr/>
+            </a:pPr>
+            <a:r>
+              <a:rPr lang="en-US" sz="1400" dirty="0"/>
+              <a:t>K-Nearest Neighbors (KNN)</a:t>
+            </a:r>
+          </a:p>
+          <a:p>
+            <a:pPr>
+              <a:defRPr/>
+            </a:pPr>
+            <a:endParaRPr lang="en-US" sz="1400" dirty="0"/>
+          </a:p>
+          <a:p>
+            <a:pPr>
+              <a:defRPr/>
+            </a:pPr>
+            <a:endParaRPr lang="en-US" sz="1400" dirty="0"/>
+          </a:p>
+          <a:p>
+            <a:pPr>
+              <a:defRPr/>
+            </a:pPr>
+            <a:endParaRPr lang="en-US" sz="1400" dirty="0"/>
+          </a:p>
+          <a:p>
+            <a:pPr>
+              <a:defRPr/>
+            </a:pPr>
+            <a:endParaRPr lang="en-US" sz="1400" dirty="0"/>
+          </a:p>
+        </p:txBody>
+      </p:sp>
+      <p:sp>
+        <p:nvSpPr>
+          <p:cNvPr id="319002814" name="TextBox 319002813"/>
+          <p:cNvSpPr txBox="1"/>
+          <p:nvPr/>
+        </p:nvSpPr>
+        <p:spPr bwMode="auto">
+          <a:xfrm>
+            <a:off x="258149" y="3009900"/>
+            <a:ext cx="4744854" cy="365795"/>
+          </a:xfrm>
+          <a:prstGeom prst="rect">
+            <a:avLst/>
+          </a:prstGeom>
+          <a:noFill/>
+        </p:spPr>
+        <p:txBody>
+          <a:bodyPr vertOverflow="overflow" horzOverflow="overflow" vert="horz" wrap="square" lIns="91440" tIns="45720" rIns="91440" bIns="45720" numCol="1" spcCol="0" rtlCol="0" fromWordArt="0" anchor="t" anchorCtr="0" forceAA="0" compatLnSpc="0">
+            <a:spAutoFit/>
+          </a:bodyPr>
+          <a:lstStyle/>
+          <a:p>
+            <a:pPr>
+              <a:defRPr/>
+            </a:pPr>
+            <a:r>
+              <a:rPr lang="en-US" dirty="0"/>
+              <a:t>Best model: </a:t>
+            </a:r>
+            <a:r>
+              <a:rPr lang="en-US" dirty="0"/>
+              <a:t>RandomForestClassifier</a:t>
+            </a:r>
+            <a:endParaRPr dirty="0"/>
+          </a:p>
+        </p:txBody>
+      </p:sp>
+      <p:sp>
+        <p:nvSpPr>
+          <p:cNvPr id="129202988" name="TextBox 129202987"/>
+          <p:cNvSpPr txBox="1"/>
+          <p:nvPr/>
+        </p:nvSpPr>
+        <p:spPr bwMode="auto">
+          <a:xfrm>
+            <a:off x="258149" y="3558592"/>
+            <a:ext cx="4649568" cy="365795"/>
+          </a:xfrm>
+          <a:prstGeom prst="rect">
+            <a:avLst/>
+          </a:prstGeom>
+          <a:noFill/>
+        </p:spPr>
+        <p:txBody>
+          <a:bodyPr vertOverflow="overflow" horzOverflow="overflow" vert="horz" wrap="square" lIns="91440" tIns="45720" rIns="91440" bIns="45720" numCol="1" spcCol="0" rtlCol="0" fromWordArt="0" anchor="t" anchorCtr="0" forceAA="0" compatLnSpc="0">
+            <a:spAutoFit/>
+          </a:bodyPr>
+          <a:lstStyle/>
+          <a:p>
+            <a:pPr>
+              <a:defRPr/>
+            </a:pPr>
+            <a:r>
+              <a:rPr lang="en-US" dirty="0"/>
+              <a:t>Hyperparameters tuned using </a:t>
+            </a:r>
+            <a:r>
+              <a:rPr lang="en-US" dirty="0" smtClean="0"/>
+              <a:t>Optuna:</a:t>
+            </a:r>
+            <a:endParaRPr dirty="0"/>
+          </a:p>
+        </p:txBody>
+      </p:sp>
+      <p:pic>
+        <p:nvPicPr>
+          <p:cNvPr id="1027" name="Picture 3" descr="https://habrastorage.org/r/w1560/web/38e/9d4/892/38e9d4892d9241ea95e1f56e3ef9124c.png"/>
+          <p:cNvPicPr>
+            <a:picLocks noChangeAspect="1" noChangeArrowheads="1"/>
+          </p:cNvPicPr>
+          <p:nvPr/>
+        </p:nvPicPr>
+        <p:blipFill>
+          <a:blip r:embed="rId2">
+            <a:extLst>
+              <a:ext uri="{28A0092B-C50C-407E-A947-70E740481C1C}">
+                <a14:useLocalDpi xmlns:a14="http://schemas.microsoft.com/office/drawing/2010/main" val="0"/>
+              </a:ext>
+            </a:extLst>
+          </a:blip>
+          <a:srcRect/>
+          <a:stretch>
+            <a:fillRect/>
+          </a:stretch>
+        </p:blipFill>
+        <p:spPr bwMode="auto">
+          <a:xfrm>
+            <a:off x="8564154" y="64003"/>
+            <a:ext cx="3526265" cy="6411392"/>
+          </a:xfrm>
+          <a:prstGeom prst="rect">
+            <a:avLst/>
+          </a:prstGeom>
+          <a:noFill/>
+          <a:extLst>
+            <a:ext uri="{909E8E84-426E-40DD-AFC4-6F175D3DCCD1}">
+              <a14:hiddenFill xmlns:a14="http://schemas.microsoft.com/office/drawing/2010/main">
                 <a:solidFill>
-                  <a:schemeClr val="tx1"/>
+                  <a:srgbClr val="FFFFFF"/>
                 </a:solidFill>
-                <a:latin typeface="Arial"/>
-                <a:ea typeface="Arial"/>
-                <a:cs typeface="Arial"/>
-              </a:rPr>
-              <a:t>Предобработка</a:t>
-            </a:r>
-            <a:endParaRPr sz="4400"/>
-          </a:p>
-          <a:p>
-            <a:pPr>
-              <a:defRPr/>
-            </a:pPr>
-            <a:endParaRPr/>
-          </a:p>
-        </p:txBody>
-      </p:sp>
-      <p:sp>
-        <p:nvSpPr>
-          <p:cNvPr id="641019804" name="Объект 2"/>
-          <p:cNvSpPr>
-            <a:spLocks noGrp="1"/>
-          </p:cNvSpPr>
-          <p:nvPr>
-            <p:ph idx="1"/>
-          </p:nvPr>
-        </p:nvSpPr>
-        <p:spPr bwMode="auto"/>
-        <p:txBody>
-          <a:bodyPr/>
-          <a:lstStyle/>
-          <a:p>
-            <a:pPr>
-              <a:defRPr/>
-            </a:pPr>
-            <a:r>
-              <a:rPr sz="2000" b="0"/>
-              <a:t>Числовые признаки заполнены методом группировки и получения медианных значений, а так же убраны  или заменены экстремально низкие / высокие значения.</a:t>
-            </a:r>
-            <a:endParaRPr sz="2000" b="0"/>
-          </a:p>
-          <a:p>
-            <a:pPr>
-              <a:defRPr/>
-            </a:pPr>
-            <a:r>
-              <a:rPr sz="2000" b="0"/>
-              <a:t>Категориальные признаки убраны таким же способом, что и числовые</a:t>
-            </a:r>
-            <a:endParaRPr sz="2000" b="0"/>
-          </a:p>
-          <a:p>
-            <a:pPr>
-              <a:defRPr/>
-            </a:pPr>
-            <a:r>
-              <a:rPr sz="2000" b="0"/>
-              <a:t>Для признаков с большим количеством пропусков были использованы разные методы заполнения. (Были заполнены по первому способу или </a:t>
-            </a:r>
-            <a:r>
-              <a:rPr lang="ru-RU" sz="2000" b="0" i="0" u="none" strike="noStrike" cap="none" spc="0">
+              </a14:hiddenFill>
+            </a:ext>
+          </a:extLst>
+        </p:spPr>
+      </p:pic>
+      <p:sp>
+        <p:nvSpPr>
+          <p:cNvPr id="5" name="TextBox 4"/>
+          <p:cNvSpPr txBox="1"/>
+          <p:nvPr/>
+        </p:nvSpPr>
+        <p:spPr>
+          <a:xfrm>
+            <a:off x="258149" y="4199772"/>
+            <a:ext cx="4680520" cy="1754326"/>
+          </a:xfrm>
+          <a:prstGeom prst="rect">
+            <a:avLst/>
+          </a:prstGeom>
+          <a:noFill/>
+        </p:spPr>
+        <p:txBody>
+          <a:bodyPr wrap="square" rtlCol="0">
+            <a:spAutoFit/>
+          </a:bodyPr>
+          <a:lstStyle/>
+          <a:p>
+            <a:pPr marL="285750" indent="-285750">
+              <a:buFont typeface="Arial" panose="020B0604020202020204" pitchFamily="34" charset="0"/>
+              <a:buChar char="•"/>
+            </a:pPr>
+            <a:r>
+              <a:rPr lang="en-US" dirty="0"/>
+              <a:t>class_weight = {1:1,0:1.2</a:t>
+            </a:r>
+            <a:r>
+              <a:rPr lang="en-US" dirty="0" smtClean="0"/>
+              <a:t>} </a:t>
+            </a:r>
+          </a:p>
+          <a:p>
+            <a:pPr marL="285750" indent="-285750">
+              <a:buFont typeface="Arial" panose="020B0604020202020204" pitchFamily="34" charset="0"/>
+              <a:buChar char="•"/>
+            </a:pPr>
+            <a:r>
+              <a:rPr lang="en-US" altLang="zh-CN" dirty="0" smtClean="0"/>
+              <a:t>random_state </a:t>
+            </a:r>
+            <a:r>
+              <a:rPr lang="en-US" dirty="0" smtClean="0"/>
+              <a:t>= 7</a:t>
+            </a:r>
+          </a:p>
+          <a:p>
+            <a:pPr marL="285750" indent="-285750">
+              <a:buFont typeface="Arial" panose="020B0604020202020204" pitchFamily="34" charset="0"/>
+              <a:buChar char="•"/>
+            </a:pPr>
+            <a:r>
+              <a:rPr lang="en-US" dirty="0" smtClean="0"/>
+              <a:t>criterion='</a:t>
+            </a:r>
+            <a:r>
+              <a:rPr lang="en-US" dirty="0" err="1" smtClean="0"/>
+              <a:t>gini</a:t>
+            </a:r>
+            <a:r>
+              <a:rPr lang="en-US" dirty="0" smtClean="0"/>
+              <a:t>'</a:t>
+            </a:r>
+          </a:p>
+          <a:p>
+            <a:pPr marL="285750" indent="-285750">
+              <a:buFont typeface="Arial" panose="020B0604020202020204" pitchFamily="34" charset="0"/>
+              <a:buChar char="•"/>
+            </a:pPr>
+            <a:r>
+              <a:rPr lang="en-US" dirty="0" smtClean="0"/>
+              <a:t>max_depth=10</a:t>
+            </a:r>
+          </a:p>
+          <a:p>
+            <a:pPr marL="285750" indent="-285750">
+              <a:buFont typeface="Arial" panose="020B0604020202020204" pitchFamily="34" charset="0"/>
+              <a:buChar char="•"/>
+            </a:pPr>
+            <a:r>
+              <a:rPr lang="en-US" dirty="0" smtClean="0"/>
+              <a:t>n_estimators=160</a:t>
+            </a:r>
+            <a:endParaRPr lang="en-US" dirty="0"/>
+          </a:p>
+          <a:p>
+            <a:endParaRPr lang="en-US" dirty="0"/>
+          </a:p>
+        </p:txBody>
+      </p:sp>
+      <p:pic>
+        <p:nvPicPr>
+          <p:cNvPr id="1034" name="Picture 10" descr="https://habrastorage.org/r/w1560/getpro/habr/post_images/853/814/28b/85381428be47fd882fae1d30c7ff91b3.png"/>
+          <p:cNvPicPr>
+            <a:picLocks noChangeAspect="1" noChangeArrowheads="1"/>
+          </p:cNvPicPr>
+          <p:nvPr/>
+        </p:nvPicPr>
+        <p:blipFill>
+          <a:blip r:embed="rId3" cstate="print">
+            <a:extLst>
+              <a:ext uri="{28A0092B-C50C-407E-A947-70E740481C1C}">
+                <a14:useLocalDpi xmlns:a14="http://schemas.microsoft.com/office/drawing/2010/main" val="0"/>
+              </a:ext>
+            </a:extLst>
+          </a:blip>
+          <a:srcRect/>
+          <a:stretch>
+            <a:fillRect/>
+          </a:stretch>
+        </p:blipFill>
+        <p:spPr bwMode="auto">
+          <a:xfrm>
+            <a:off x="4414361" y="3440494"/>
+            <a:ext cx="4187098" cy="3140324"/>
+          </a:xfrm>
+          <a:prstGeom prst="rect">
+            <a:avLst/>
+          </a:prstGeom>
+          <a:noFill/>
+          <a:extLst>
+            <a:ext uri="{909E8E84-426E-40DD-AFC4-6F175D3DCCD1}">
+              <a14:hiddenFill xmlns:a14="http://schemas.microsoft.com/office/drawing/2010/main">
                 <a:solidFill>
-                  <a:schemeClr val="tx1"/>
+                  <a:srgbClr val="FFFFFF"/>
                 </a:solidFill>
-                <a:latin typeface="Arial"/>
-                <a:ea typeface="Arial"/>
-                <a:cs typeface="Arial"/>
-              </a:rPr>
-              <a:t>случайными значениям от min до max</a:t>
-            </a:r>
-            <a:r>
-              <a:rPr sz="2000" b="0"/>
-              <a:t>)</a:t>
-            </a:r>
-            <a:endParaRPr sz="2000" b="0"/>
-          </a:p>
-          <a:p>
-            <a:pPr>
-              <a:defRPr/>
-            </a:pPr>
-            <a:r>
-              <a:rPr sz="2000" b="0"/>
-              <a:t>После заполнения пропусков данные были приведены к соответствующему </a:t>
-            </a:r>
-            <a:r>
-              <a:rPr sz="2000" b="0"/>
-              <a:t>типу</a:t>
-            </a:r>
-            <a:br>
-              <a:rPr sz="2000" b="0"/>
-            </a:br>
-            <a:endParaRPr sz="2000" b="0"/>
-          </a:p>
-        </p:txBody>
-      </p:sp>
+              </a14:hiddenFill>
+            </a:ext>
+          </a:extLst>
+        </p:spPr>
+      </p:pic>
     </p:spTree>
   </p:cSld>
   <p:clrMapOvr>
     <a:masterClrMapping/>
   </p:clrMapOvr>
-  <mc:AlternateContent xmlns:mc="http://schemas.openxmlformats.org/markup-compatibility/2006">
-    <mc:Choice xmlns:p14="http://schemas.microsoft.com/office/powerpoint/2010/main" Requires="p14">
-      <p:transition p14:dur="2000" advClick="1"/>
+  <mc:AlternateContent xmlns:mc="http://schemas.openxmlformats.org/markup-compatibility/2006" xmlns:p14="http://schemas.microsoft.com/office/powerpoint/2010/main">
+    <mc:Choice Requires="p14">
+      <p:transition spd="slow" p14:dur="2000"/>
     </mc:Choice>
-    <mc:Fallback>
+    <mc:Fallback xmlns="" xmlns:m="http://schemas.openxmlformats.org/officeDocument/2006/math" xmlns:w="http://schemas.openxmlformats.org/wordprocessingml/2006/main">
       <p:transition advClick="1"/>
     </mc:Fallback>
   </mc:AlternateContent>
+  <p:timing>
+    <p:tnLst>
+      <p:par>
+        <p:cTn id="1" dur="indefinite" restart="never" nodeType="tmRoot"/>
+      </p:par>
+    </p:tnLst>
+  </p:timing>
+</p:sld>
+</file>
+
+<file path=ppt/slides/slide2.xml><?xml version="1.0" encoding="utf-8"?>
+<p:sld xmlns:a="http://schemas.openxmlformats.org/drawingml/2006/main" xmlns:r="http://schemas.openxmlformats.org/officeDocument/2006/relationships" xmlns:p="http://schemas.openxmlformats.org/presentationml/2006/main">
+  <p:cSld>
+    <p:spTree>
+      <p:nvGrpSpPr>
+        <p:cNvPr id="1" name=""/>
+        <p:cNvGrpSpPr/>
+        <p:nvPr/>
+      </p:nvGrpSpPr>
+      <p:grpSpPr>
+        <a:xfrm>
+          <a:off x="0" y="0"/>
+          <a:ext cx="0" cy="0"/>
+          <a:chOff x="0" y="0"/>
+          <a:chExt cx="0" cy="0"/>
+        </a:xfrm>
+      </p:grpSpPr>
+      <p:pic>
+        <p:nvPicPr>
+          <p:cNvPr id="4" name="Объект 3"/>
+          <p:cNvPicPr>
+            <a:picLocks noGrp="1" noChangeAspect="1"/>
+          </p:cNvPicPr>
+          <p:nvPr>
+            <p:ph idx="1"/>
+          </p:nvPr>
+        </p:nvPicPr>
+        <p:blipFill>
+          <a:blip r:embed="rId2"/>
+          <a:stretch>
+            <a:fillRect/>
+          </a:stretch>
+        </p:blipFill>
+        <p:spPr>
+          <a:xfrm>
+            <a:off x="767408" y="2416615"/>
+            <a:ext cx="6785541" cy="4351338"/>
+          </a:xfrm>
+          <a:prstGeom prst="rect">
+            <a:avLst/>
+          </a:prstGeom>
+        </p:spPr>
+      </p:pic>
+      <p:pic>
+        <p:nvPicPr>
+          <p:cNvPr id="5" name="Рисунок 4"/>
+          <p:cNvPicPr>
+            <a:picLocks noChangeAspect="1"/>
+          </p:cNvPicPr>
+          <p:nvPr/>
+        </p:nvPicPr>
+        <p:blipFill>
+          <a:blip r:embed="rId3"/>
+          <a:stretch>
+            <a:fillRect/>
+          </a:stretch>
+        </p:blipFill>
+        <p:spPr>
+          <a:xfrm>
+            <a:off x="767408" y="188640"/>
+            <a:ext cx="9231013" cy="2029108"/>
+          </a:xfrm>
+          <a:prstGeom prst="rect">
+            <a:avLst/>
+          </a:prstGeom>
+        </p:spPr>
+      </p:pic>
+    </p:spTree>
+    <p:extLst>
+      <p:ext uri="{BB962C8B-B14F-4D97-AF65-F5344CB8AC3E}">
+        <p14:creationId xmlns:p14="http://schemas.microsoft.com/office/powerpoint/2010/main" val="1550347014"/>
+      </p:ext>
+    </p:extLst>
+  </p:cSld>
+  <p:clrMapOvr>
+    <a:masterClrMapping/>
+  </p:clrMapOvr>
+  <p:timing>
+    <p:tnLst>
+      <p:par>
+        <p:cTn id="1" dur="indefinite" restart="never" nodeType="tmRoot"/>
+      </p:par>
+    </p:tnLst>
+  </p:timing>
 </p:sld>
 </file>
 
 <file path=ppt/slides/slide3.xml><?xml version="1.0" encoding="utf-8"?>
-<p:sld xmlns:a="http://schemas.openxmlformats.org/drawingml/2006/main" xmlns:r="http://schemas.openxmlformats.org/officeDocument/2006/relationships" xmlns:p="http://schemas.openxmlformats.org/presentationml/2006/main" xmlns:m="http://schemas.openxmlformats.org/officeDocument/2006/math" xmlns:w="http://schemas.openxmlformats.org/wordprocessingml/2006/main" showMasterPhAnim="0" show="1">
-  <p:cSld name="">
+<p:sld xmlns:a="http://schemas.openxmlformats.org/drawingml/2006/main" xmlns:r="http://schemas.openxmlformats.org/officeDocument/2006/relationships" xmlns:p="http://schemas.openxmlformats.org/presentationml/2006/main" showMasterPhAnim="0">
+  <p:cSld>
     <p:spTree>
       <p:nvGrpSpPr>
         <p:cNvPr id="1" name=""/>
@@ -5191,7 +5368,7 @@
       </p:grpSpPr>
       <p:sp>
         <p:nvSpPr>
-          <p:cNvPr id="1593562338" name="Заголовок 1"/>
+          <p:cNvPr id="2051248414" name="Заголовок 1"/>
           <p:cNvSpPr>
             <a:spLocks noGrp="1"/>
           </p:cNvSpPr>
@@ -5208,56 +5385,146 @@
               <a:defRPr/>
             </a:pPr>
             <a:r>
-              <a:rPr/>
-              <a:t>Предобработка</a:t>
-            </a:r>
-            <a:endParaRPr/>
-          </a:p>
-        </p:txBody>
-      </p:sp>
-      <p:pic>
-        <p:nvPicPr>
-          <p:cNvPr id="588849732" name=""/>
-          <p:cNvPicPr>
-            <a:picLocks noChangeAspect="1"/>
-          </p:cNvPicPr>
+              <a:rPr lang="en-US" dirty="0"/>
+              <a:t>P</a:t>
+            </a:r>
+            <a:r>
+              <a:rPr lang="en-US" dirty="0" smtClean="0"/>
+              <a:t>reprocessing</a:t>
+            </a:r>
+            <a:endParaRPr dirty="0"/>
+          </a:p>
+        </p:txBody>
+      </p:sp>
+      <p:sp>
+        <p:nvSpPr>
+          <p:cNvPr id="641019804" name="Объект 2"/>
+          <p:cNvSpPr>
+            <a:spLocks noGrp="1"/>
+          </p:cNvSpPr>
           <p:nvPr>
             <p:ph idx="1"/>
           </p:nvPr>
-        </p:nvPicPr>
-        <p:blipFill>
-          <a:blip r:embed="rId2"/>
-          <a:stretch/>
-        </p:blipFill>
-        <p:spPr bwMode="auto">
-          <a:xfrm rot="0">
-            <a:off x="2358762" y="1825624"/>
-            <a:ext cx="7474475" cy="4351338"/>
-          </a:xfrm>
-          <a:prstGeom prst="rect">
-            <a:avLst/>
-          </a:prstGeom>
-        </p:spPr>
-      </p:pic>
+        </p:nvSpPr>
+        <p:spPr bwMode="auto"/>
+        <p:txBody>
+          <a:bodyPr>
+            <a:normAutofit/>
+          </a:bodyPr>
+          <a:lstStyle/>
+          <a:p>
+            <a:pPr>
+              <a:defRPr/>
+            </a:pPr>
+            <a:r>
+              <a:rPr lang="en-US" sz="1400" dirty="0">
+                <a:latin typeface="Times New Roman" panose="02020603050405020304" pitchFamily="18" charset="0"/>
+                <a:cs typeface="Times New Roman" panose="02020603050405020304" pitchFamily="18" charset="0"/>
+              </a:rPr>
+              <a:t>Numeric features were filled using a method of grouping and obtaining median values, while extreme low or high values were removed or replaced. </a:t>
+            </a:r>
+            <a:endParaRPr lang="ru-RU" sz="1400" dirty="0" smtClean="0">
+              <a:latin typeface="Times New Roman" panose="02020603050405020304" pitchFamily="18" charset="0"/>
+              <a:cs typeface="Times New Roman" panose="02020603050405020304" pitchFamily="18" charset="0"/>
+            </a:endParaRPr>
+          </a:p>
+          <a:p>
+            <a:pPr>
+              <a:defRPr/>
+            </a:pPr>
+            <a:r>
+              <a:rPr lang="en-US" sz="1400" dirty="0" smtClean="0">
+                <a:latin typeface="Times New Roman" panose="02020603050405020304" pitchFamily="18" charset="0"/>
+                <a:cs typeface="Times New Roman" panose="02020603050405020304" pitchFamily="18" charset="0"/>
+              </a:rPr>
+              <a:t>Categorical </a:t>
+            </a:r>
+            <a:r>
+              <a:rPr lang="en-US" sz="1400" dirty="0">
+                <a:latin typeface="Times New Roman" panose="02020603050405020304" pitchFamily="18" charset="0"/>
+                <a:cs typeface="Times New Roman" panose="02020603050405020304" pitchFamily="18" charset="0"/>
+              </a:rPr>
+              <a:t>features were handled in the same way as numeric ones. </a:t>
+            </a:r>
+            <a:endParaRPr lang="ru-RU" sz="1400" dirty="0" smtClean="0">
+              <a:latin typeface="Times New Roman" panose="02020603050405020304" pitchFamily="18" charset="0"/>
+              <a:cs typeface="Times New Roman" panose="02020603050405020304" pitchFamily="18" charset="0"/>
+            </a:endParaRPr>
+          </a:p>
+          <a:p>
+            <a:pPr>
+              <a:defRPr/>
+            </a:pPr>
+            <a:r>
+              <a:rPr lang="en-US" sz="1400" dirty="0" smtClean="0">
+                <a:latin typeface="Times New Roman" panose="02020603050405020304" pitchFamily="18" charset="0"/>
+                <a:cs typeface="Times New Roman" panose="02020603050405020304" pitchFamily="18" charset="0"/>
+              </a:rPr>
+              <a:t>For </a:t>
+            </a:r>
+            <a:r>
+              <a:rPr lang="en-US" sz="1400" dirty="0">
+                <a:latin typeface="Times New Roman" panose="02020603050405020304" pitchFamily="18" charset="0"/>
+                <a:cs typeface="Times New Roman" panose="02020603050405020304" pitchFamily="18" charset="0"/>
+              </a:rPr>
+              <a:t>features with a significant number of missing values, various imputation methods were used (filled using the first method or random values between min and max). </a:t>
+            </a:r>
+            <a:endParaRPr lang="ru-RU" sz="1400" dirty="0" smtClean="0">
+              <a:latin typeface="Times New Roman" panose="02020603050405020304" pitchFamily="18" charset="0"/>
+              <a:cs typeface="Times New Roman" panose="02020603050405020304" pitchFamily="18" charset="0"/>
+            </a:endParaRPr>
+          </a:p>
+          <a:p>
+            <a:pPr>
+              <a:defRPr/>
+            </a:pPr>
+            <a:r>
+              <a:rPr lang="en-US" sz="1400" dirty="0" smtClean="0">
+                <a:latin typeface="Times New Roman" panose="02020603050405020304" pitchFamily="18" charset="0"/>
+                <a:cs typeface="Times New Roman" panose="02020603050405020304" pitchFamily="18" charset="0"/>
+              </a:rPr>
+              <a:t>After </a:t>
+            </a:r>
+            <a:r>
+              <a:rPr lang="en-US" sz="1400" dirty="0">
+                <a:latin typeface="Times New Roman" panose="02020603050405020304" pitchFamily="18" charset="0"/>
+                <a:cs typeface="Times New Roman" panose="02020603050405020304" pitchFamily="18" charset="0"/>
+              </a:rPr>
+              <a:t>filling the missing values, the data was converted to the appropriate data type</a:t>
+            </a:r>
+            <a:endParaRPr sz="1400" b="0" dirty="0">
+              <a:latin typeface="Times New Roman" panose="02020603050405020304" pitchFamily="18" charset="0"/>
+              <a:cs typeface="Times New Roman" panose="02020603050405020304" pitchFamily="18" charset="0"/>
+            </a:endParaRPr>
+          </a:p>
+        </p:txBody>
+      </p:sp>
     </p:spTree>
   </p:cSld>
   <p:clrMapOvr>
     <a:masterClrMapping/>
   </p:clrMapOvr>
-  <mc:AlternateContent xmlns:mc="http://schemas.openxmlformats.org/markup-compatibility/2006">
-    <mc:Choice xmlns:p14="http://schemas.microsoft.com/office/powerpoint/2010/main" Requires="p14">
-      <p:transition p14:dur="2000" advClick="1"/>
+  <mc:AlternateContent xmlns:mc="http://schemas.openxmlformats.org/markup-compatibility/2006" xmlns:p14="http://schemas.microsoft.com/office/powerpoint/2010/main">
+    <mc:Choice Requires="p14">
+      <p:transition spd="slow" p14:dur="2000"/>
     </mc:Choice>
-    <mc:Fallback>
+    <mc:Fallback xmlns="" xmlns:m="http://schemas.openxmlformats.org/officeDocument/2006/math" xmlns:w="http://schemas.openxmlformats.org/wordprocessingml/2006/main">
       <p:transition advClick="1"/>
     </mc:Fallback>
   </mc:AlternateContent>
+  <p:timing>
+    <p:tnLst>
+      <p:par>
+        <p:cTn id="1" dur="indefinite" restart="never" nodeType="tmRoot"/>
+      </p:par>
+    </p:tnLst>
+  </p:timing>
 </p:sld>
 </file>
 
 <file path=ppt/slides/slide4.xml><?xml version="1.0" encoding="utf-8"?>
-<p:sld xmlns:a="http://schemas.openxmlformats.org/drawingml/2006/main" xmlns:r="http://schemas.openxmlformats.org/officeDocument/2006/relationships" xmlns:p="http://schemas.openxmlformats.org/presentationml/2006/main" xmlns:m="http://schemas.openxmlformats.org/officeDocument/2006/math" xmlns:w="http://schemas.openxmlformats.org/wordprocessingml/2006/main" showMasterPhAnim="0" show="1">
-  <p:cSld name="">
+<p:sld xmlns:a="http://schemas.openxmlformats.org/drawingml/2006/main" xmlns:r="http://schemas.openxmlformats.org/officeDocument/2006/relationships" xmlns:p="http://schemas.openxmlformats.org/presentationml/2006/main" showMasterPhAnim="0">
+  <p:cSld>
     <p:spTree>
       <p:nvGrpSpPr>
         <p:cNvPr id="1" name=""/>
@@ -5274,7 +5541,7 @@
       </p:grpSpPr>
       <p:sp>
         <p:nvSpPr>
-          <p:cNvPr id="1685667012" name="Заголовок 1"/>
+          <p:cNvPr id="1593562338" name="Заголовок 1"/>
           <p:cNvSpPr>
             <a:spLocks noGrp="1"/>
           </p:cNvSpPr>
@@ -5291,18 +5558,18 @@
               <a:defRPr/>
             </a:pPr>
             <a:r>
-              <a:rPr/>
-              <a:t>Предобработка</a:t>
-            </a:r>
-            <a:endParaRPr/>
+              <a:rPr lang="en-US" dirty="0" smtClean="0"/>
+              <a:t>Preprocessing</a:t>
+            </a:r>
+            <a:endParaRPr dirty="0"/>
           </a:p>
         </p:txBody>
       </p:sp>
       <p:pic>
         <p:nvPicPr>
-          <p:cNvPr id="1917909644" name=""/>
+          <p:cNvPr id="588849732" name="Объект 588849731"/>
           <p:cNvPicPr>
-            <a:picLocks noChangeAspect="1"/>
+            <a:picLocks noGrp="1" noChangeAspect="1"/>
           </p:cNvPicPr>
           <p:nvPr>
             <p:ph idx="1"/>
@@ -5313,9 +5580,9 @@
           <a:stretch/>
         </p:blipFill>
         <p:spPr bwMode="auto">
-          <a:xfrm rot="0" flipH="0" flipV="0">
-            <a:off x="838199" y="1739899"/>
-            <a:ext cx="9342660" cy="4508499"/>
+          <a:xfrm>
+            <a:off x="2358762" y="1825624"/>
+            <a:ext cx="7474475" cy="4351338"/>
           </a:xfrm>
           <a:prstGeom prst="rect">
             <a:avLst/>
@@ -5327,20 +5594,27 @@
   <p:clrMapOvr>
     <a:masterClrMapping/>
   </p:clrMapOvr>
-  <mc:AlternateContent xmlns:mc="http://schemas.openxmlformats.org/markup-compatibility/2006">
-    <mc:Choice xmlns:p14="http://schemas.microsoft.com/office/powerpoint/2010/main" Requires="p14">
-      <p:transition p14:dur="2000" advClick="1"/>
+  <mc:AlternateContent xmlns:mc="http://schemas.openxmlformats.org/markup-compatibility/2006" xmlns:p14="http://schemas.microsoft.com/office/powerpoint/2010/main">
+    <mc:Choice Requires="p14">
+      <p:transition spd="slow" p14:dur="2000"/>
     </mc:Choice>
-    <mc:Fallback>
+    <mc:Fallback xmlns="" xmlns:m="http://schemas.openxmlformats.org/officeDocument/2006/math" xmlns:w="http://schemas.openxmlformats.org/wordprocessingml/2006/main">
       <p:transition advClick="1"/>
     </mc:Fallback>
   </mc:AlternateContent>
+  <p:timing>
+    <p:tnLst>
+      <p:par>
+        <p:cTn id="1" dur="indefinite" restart="never" nodeType="tmRoot"/>
+      </p:par>
+    </p:tnLst>
+  </p:timing>
 </p:sld>
 </file>
 
 <file path=ppt/slides/slide5.xml><?xml version="1.0" encoding="utf-8"?>
-<p:sld xmlns:a="http://schemas.openxmlformats.org/drawingml/2006/main" xmlns:r="http://schemas.openxmlformats.org/officeDocument/2006/relationships" xmlns:p="http://schemas.openxmlformats.org/presentationml/2006/main" xmlns:m="http://schemas.openxmlformats.org/officeDocument/2006/math" xmlns:w="http://schemas.openxmlformats.org/wordprocessingml/2006/main" showMasterPhAnim="0" show="1">
-  <p:cSld name="">
+<p:sld xmlns:a="http://schemas.openxmlformats.org/drawingml/2006/main" xmlns:r="http://schemas.openxmlformats.org/officeDocument/2006/relationships" xmlns:p="http://schemas.openxmlformats.org/presentationml/2006/main" showMasterPhAnim="0">
+  <p:cSld>
     <p:spTree>
       <p:nvGrpSpPr>
         <p:cNvPr id="1" name=""/>
@@ -5357,7 +5631,7 @@
       </p:grpSpPr>
       <p:sp>
         <p:nvSpPr>
-          <p:cNvPr id="1745784848" name="Заголовок 1"/>
+          <p:cNvPr id="1685667012" name="Заголовок 1"/>
           <p:cNvSpPr>
             <a:spLocks noGrp="1"/>
           </p:cNvSpPr>
@@ -5365,12 +5639,7 @@
             <p:ph type="title"/>
           </p:nvPr>
         </p:nvSpPr>
-        <p:spPr bwMode="auto">
-          <a:xfrm flipH="0" flipV="0">
-            <a:off x="838199" y="365124"/>
-            <a:ext cx="10515600" cy="1206499"/>
-          </a:xfrm>
-        </p:spPr>
+        <p:spPr bwMode="auto"/>
         <p:txBody>
           <a:bodyPr/>
           <a:lstStyle/>
@@ -5379,18 +5648,18 @@
               <a:defRPr/>
             </a:pPr>
             <a:r>
-              <a:rPr/>
-              <a:t>Исследовательский анализ</a:t>
-            </a:r>
-            <a:endParaRPr/>
+              <a:rPr lang="en-US" dirty="0"/>
+              <a:t>Preprocessing</a:t>
+            </a:r>
+            <a:endParaRPr dirty="0"/>
           </a:p>
         </p:txBody>
       </p:sp>
       <p:pic>
         <p:nvPicPr>
-          <p:cNvPr id="119944432" name=""/>
+          <p:cNvPr id="1917909644" name="Объект 1917909643"/>
           <p:cNvPicPr>
-            <a:picLocks noChangeAspect="1"/>
+            <a:picLocks noGrp="1" noChangeAspect="1"/>
           </p:cNvPicPr>
           <p:nvPr>
             <p:ph idx="1"/>
@@ -5401,120 +5670,41 @@
           <a:stretch/>
         </p:blipFill>
         <p:spPr bwMode="auto">
-          <a:xfrm rot="0">
-            <a:off x="838199" y="1490123"/>
-            <a:ext cx="10515600" cy="3269739"/>
+          <a:xfrm>
+            <a:off x="838199" y="1739899"/>
+            <a:ext cx="9342660" cy="4508499"/>
           </a:xfrm>
           <a:prstGeom prst="rect">
             <a:avLst/>
           </a:prstGeom>
         </p:spPr>
       </p:pic>
-      <p:sp>
-        <p:nvSpPr>
-          <p:cNvPr id="468606499" name=""/>
-          <p:cNvSpPr txBox="1"/>
-          <p:nvPr/>
-        </p:nvSpPr>
-        <p:spPr bwMode="auto">
-          <a:xfrm flipH="0" flipV="0">
-            <a:off x="1343999" y="4928489"/>
-            <a:ext cx="9916188" cy="524776"/>
-          </a:xfrm>
-          <a:prstGeom prst="rect">
-            <a:avLst/>
-          </a:prstGeom>
-          <a:noFill/>
-        </p:spPr>
-        <p:txBody>
-          <a:bodyPr vertOverflow="overflow" horzOverflow="overflow" vert="horz" wrap="none" lIns="91440" tIns="45720" rIns="91440" bIns="45720" numCol="1" spcCol="0" rtlCol="0" fromWordArt="0" anchor="t" anchorCtr="0" forceAA="0" upright="0" compatLnSpc="0">
-            <a:spAutoFit/>
-          </a:bodyPr>
-          <a:p>
-            <a:pPr>
-              <a:defRPr/>
-            </a:pPr>
-            <a:r>
-              <a:rPr sz="1400" b="0" i="0" u="none">
-                <a:solidFill>
-                  <a:schemeClr val="tx1"/>
-                </a:solidFill>
-                <a:latin typeface="Consolas"/>
-                <a:ea typeface="Consolas"/>
-                <a:cs typeface="Consolas"/>
-              </a:rPr>
-              <a:t>При заболевании сердца нижняя планка кровяного давления с 80, поднимается от 90 и выше в зависимости </a:t>
-            </a:r>
-            <a:r>
-              <a:rPr sz="1400" b="0" i="0" u="none">
-                <a:solidFill>
-                  <a:schemeClr val="tx1"/>
-                </a:solidFill>
-                <a:latin typeface="Consolas"/>
-                <a:ea typeface="Consolas"/>
-                <a:cs typeface="Consolas"/>
-              </a:rPr>
-              <a:t>от </a:t>
-            </a:r>
-            <a:endParaRPr sz="1400" b="0" i="0" u="none">
-              <a:solidFill>
-                <a:schemeClr val="tx1"/>
-              </a:solidFill>
-              <a:latin typeface="Consolas"/>
-              <a:ea typeface="Consolas"/>
-              <a:cs typeface="Consolas"/>
-            </a:endParaRPr>
-          </a:p>
-          <a:p>
-            <a:pPr>
-              <a:defRPr/>
-            </a:pPr>
-            <a:r>
-              <a:rPr sz="1400" b="0" i="0" u="none">
-                <a:solidFill>
-                  <a:schemeClr val="tx1"/>
-                </a:solidFill>
-                <a:latin typeface="Consolas"/>
-                <a:ea typeface="Consolas"/>
-                <a:cs typeface="Consolas"/>
-              </a:rPr>
-              <a:t>степени заболевания.</a:t>
-            </a:r>
-            <a:r>
-              <a:rPr sz="1400">
-                <a:solidFill>
-                  <a:schemeClr val="tx1"/>
-                </a:solidFill>
-              </a:rPr>
-              <a:t> Медианное значение так же растет.</a:t>
-            </a:r>
-            <a:endParaRPr sz="1400">
-              <a:solidFill>
-                <a:schemeClr val="tx1"/>
-              </a:solidFill>
-            </a:endParaRPr>
-          </a:p>
-        </p:txBody>
-      </p:sp>
     </p:spTree>
   </p:cSld>
   <p:clrMapOvr>
     <a:masterClrMapping/>
   </p:clrMapOvr>
-  <mc:AlternateContent xmlns:mc="http://schemas.openxmlformats.org/markup-compatibility/2006">
-    <mc:Choice xmlns:p14="http://schemas.microsoft.com/office/powerpoint/2010/main" Requires="p14">
-      <p:transition p14:dur="2000" advClick="1"/>
+  <mc:AlternateContent xmlns:mc="http://schemas.openxmlformats.org/markup-compatibility/2006" xmlns:p14="http://schemas.microsoft.com/office/powerpoint/2010/main">
+    <mc:Choice Requires="p14">
+      <p:transition spd="slow" p14:dur="2000"/>
     </mc:Choice>
-    <mc:Fallback>
+    <mc:Fallback xmlns="" xmlns:m="http://schemas.openxmlformats.org/officeDocument/2006/math" xmlns:w="http://schemas.openxmlformats.org/wordprocessingml/2006/main">
       <p:transition advClick="1"/>
     </mc:Fallback>
   </mc:AlternateContent>
+  <p:timing>
+    <p:tnLst>
+      <p:par>
+        <p:cTn id="1" dur="indefinite" restart="never" nodeType="tmRoot"/>
+      </p:par>
+    </p:tnLst>
+  </p:timing>
 </p:sld>
 </file>
 
 <file path=ppt/slides/slide6.xml><?xml version="1.0" encoding="utf-8"?>
-<p:sld xmlns:a="http://schemas.openxmlformats.org/drawingml/2006/main" xmlns:r="http://schemas.openxmlformats.org/officeDocument/2006/relationships" xmlns:p="http://schemas.openxmlformats.org/presentationml/2006/main" xmlns:m="http://schemas.openxmlformats.org/officeDocument/2006/math" xmlns:w="http://schemas.openxmlformats.org/wordprocessingml/2006/main" showMasterPhAnim="0" show="1">
-  <p:cSld name="">
+<p:sld xmlns:a="http://schemas.openxmlformats.org/drawingml/2006/main" xmlns:r="http://schemas.openxmlformats.org/officeDocument/2006/relationships" xmlns:p="http://schemas.openxmlformats.org/presentationml/2006/main" showMasterPhAnim="0">
+  <p:cSld>
     <p:spTree>
       <p:nvGrpSpPr>
         <p:cNvPr id="1" name=""/>
@@ -5531,7 +5721,7 @@
       </p:grpSpPr>
       <p:sp>
         <p:nvSpPr>
-          <p:cNvPr id="1845496148" name="Заголовок 1"/>
+          <p:cNvPr id="1745784848" name="Заголовок 1"/>
           <p:cNvSpPr>
             <a:spLocks noGrp="1"/>
           </p:cNvSpPr>
@@ -5539,63 +5729,44 @@
             <p:ph type="title"/>
           </p:nvPr>
         </p:nvSpPr>
-        <p:spPr bwMode="auto"/>
-        <p:txBody>
-          <a:bodyPr vertOverflow="overflow" horzOverflow="overflow" vert="horz" wrap="square" lIns="91440" tIns="45720" rIns="91440" bIns="45720" numCol="1" spcCol="0" rtlCol="0" fromWordArt="0" anchor="ctr" anchorCtr="0" forceAA="0" upright="0" compatLnSpc="0">
-            <a:normAutofit fontScale="90000" lnSpcReduction="2000"/>
-          </a:bodyPr>
-          <a:lstStyle/>
-          <a:p>
-            <a:pPr>
-              <a:defRPr/>
-            </a:pPr>
-            <a:br>
-              <a:rPr lang="ru-RU" sz="4400" b="0" i="0" u="none" strike="noStrike" cap="none" spc="0">
-                <a:solidFill>
-                  <a:schemeClr val="tx1"/>
-                </a:solidFill>
-                <a:latin typeface="Arial"/>
-                <a:ea typeface="Arial"/>
-                <a:cs typeface="Arial"/>
-              </a:rPr>
-            </a:br>
-            <a:r>
-              <a:rPr lang="ru-RU" sz="4400" b="0" i="0" u="none" strike="noStrike" cap="none" spc="0">
-                <a:solidFill>
-                  <a:schemeClr val="tx1"/>
-                </a:solidFill>
-                <a:latin typeface="Arial"/>
-                <a:ea typeface="Arial"/>
-                <a:cs typeface="Arial"/>
-              </a:rPr>
-              <a:t>Исследовательский </a:t>
-            </a:r>
-            <a:r>
-              <a:rPr lang="ru-RU" sz="4400" b="0" i="0" u="none" strike="noStrike" cap="none" spc="0">
-                <a:solidFill>
-                  <a:schemeClr val="tx1"/>
-                </a:solidFill>
-                <a:latin typeface="Arial"/>
-                <a:ea typeface="Arial"/>
-                <a:cs typeface="Arial"/>
-              </a:rPr>
-              <a:t>анализ</a:t>
-            </a:r>
-            <a:endParaRPr sz="4400"/>
-          </a:p>
-          <a:p>
-            <a:pPr>
-              <a:defRPr/>
-            </a:pPr>
-            <a:endParaRPr sz="4400"/>
+        <p:spPr bwMode="auto">
+          <a:xfrm>
+            <a:off x="838199" y="365124"/>
+            <a:ext cx="10515600" cy="1206499"/>
+          </a:xfrm>
+        </p:spPr>
+        <p:txBody>
+          <a:bodyPr/>
+          <a:lstStyle/>
+          <a:p>
+            <a:pPr>
+              <a:defRPr/>
+            </a:pPr>
+            <a:r>
+              <a:rPr lang="en-US" dirty="0"/>
+              <a:t>Exploratory Data </a:t>
+            </a:r>
+            <a:r>
+              <a:rPr lang="en-US" dirty="0" smtClean="0"/>
+              <a:t>Analysis</a:t>
+            </a:r>
+            <a:r>
+              <a:rPr lang="ru-RU" dirty="0" smtClean="0"/>
+              <a:t> </a:t>
+            </a:r>
+            <a:r>
+              <a:rPr lang="en-US" dirty="0" smtClean="0"/>
+              <a:t>(EDA)</a:t>
+            </a:r>
+            <a:endParaRPr dirty="0"/>
           </a:p>
         </p:txBody>
       </p:sp>
       <p:pic>
         <p:nvPicPr>
-          <p:cNvPr id="1347747083" name=""/>
+          <p:cNvPr id="119944432" name="Объект 119944431"/>
           <p:cNvPicPr>
-            <a:picLocks noChangeAspect="1"/>
+            <a:picLocks noGrp="1" noChangeAspect="1"/>
           </p:cNvPicPr>
           <p:nvPr>
             <p:ph idx="1"/>
@@ -5606,8 +5777,8 @@
           <a:stretch/>
         </p:blipFill>
         <p:spPr bwMode="auto">
-          <a:xfrm rot="0">
-            <a:off x="838199" y="1442498"/>
+          <a:xfrm>
+            <a:off x="838199" y="1490123"/>
             <a:ext cx="10515600" cy="3269739"/>
           </a:xfrm>
           <a:prstGeom prst="rect">
@@ -5617,14 +5788,14 @@
       </p:pic>
       <p:sp>
         <p:nvSpPr>
-          <p:cNvPr id="1779822457" name=""/>
+          <p:cNvPr id="468606499" name="TextBox 468606498"/>
           <p:cNvSpPr txBox="1"/>
           <p:nvPr/>
         </p:nvSpPr>
         <p:spPr bwMode="auto">
-          <a:xfrm flipH="0" flipV="0">
-            <a:off x="838199" y="4453140"/>
-            <a:ext cx="10041116" cy="1584995"/>
+          <a:xfrm>
+            <a:off x="1343999" y="4928488"/>
+            <a:ext cx="8928465" cy="505267"/>
           </a:xfrm>
           <a:prstGeom prst="rect">
             <a:avLst/>
@@ -5632,142 +5803,27 @@
           <a:noFill/>
         </p:spPr>
         <p:txBody>
-          <a:bodyPr vertOverflow="overflow" horzOverflow="overflow" vert="horz" wrap="square" lIns="91440" tIns="45720" rIns="91440" bIns="45720" numCol="1" spcCol="0" rtlCol="0" fromWordArt="0" anchor="t" anchorCtr="0" forceAA="0" upright="0" compatLnSpc="0">
+          <a:bodyPr vertOverflow="overflow" horzOverflow="overflow" vert="horz" wrap="square" lIns="91440" tIns="45720" rIns="91440" bIns="45720" numCol="1" spcCol="0" rtlCol="0" fromWordArt="0" anchor="t" anchorCtr="0" forceAA="0" compatLnSpc="0">
             <a:spAutoFit/>
           </a:bodyPr>
-          <a:p>
-            <a:pPr>
-              <a:defRPr/>
-            </a:pPr>
-            <a:r>
-              <a:rPr sz="1400" b="0" i="0" u="none">
-                <a:solidFill>
-                  <a:schemeClr val="tx1"/>
-                </a:solidFill>
-                <a:latin typeface="Consolas"/>
-                <a:ea typeface="Consolas"/>
-                <a:cs typeface="Consolas"/>
+          <a:lstStyle/>
+          <a:p>
+            <a:pPr>
+              <a:defRPr/>
+            </a:pPr>
+            <a:r>
+              <a:rPr lang="en-US" sz="1400" dirty="0">
+                <a:latin typeface="Times New Roman" panose="02020603050405020304" pitchFamily="18" charset="0"/>
+                <a:cs typeface="Times New Roman" panose="02020603050405020304" pitchFamily="18" charset="0"/>
               </a:rPr>
-              <a:t>При стенокардии максимальная частота сердечных сокращений ниже, но есть максимальные/минимальные </a:t>
-            </a:r>
-            <a:endParaRPr sz="1400" b="0" i="0" u="none">
+              <a:t>In cases of heart disease, the lower threshold of blood pressure starts at 80 and increases from 90 upwards depending on the severity of the condition. The median value also escalates accordingly</a:t>
+            </a:r>
+            <a:endParaRPr sz="1400" dirty="0">
               <a:solidFill>
                 <a:schemeClr val="tx1"/>
               </a:solidFill>
-              <a:latin typeface="Consolas"/>
-              <a:ea typeface="Consolas"/>
-              <a:cs typeface="Consolas"/>
-            </a:endParaRPr>
-          </a:p>
-          <a:p>
-            <a:pPr>
-              <a:defRPr/>
-            </a:pPr>
-            <a:r>
-              <a:rPr sz="1400" b="0" i="0" u="none">
-                <a:solidFill>
-                  <a:schemeClr val="tx1"/>
-                </a:solidFill>
-                <a:latin typeface="Consolas"/>
-                <a:ea typeface="Consolas"/>
-                <a:cs typeface="Consolas"/>
-              </a:rPr>
-              <a:t>значения сильно выбивающиеся из общей картины.</a:t>
-            </a:r>
-            <a:endParaRPr sz="1400">
-              <a:solidFill>
-                <a:schemeClr val="tx1"/>
-              </a:solidFill>
-            </a:endParaRPr>
-          </a:p>
-          <a:p>
-            <a:pPr>
-              <a:defRPr/>
-            </a:pPr>
-            <a:endParaRPr sz="1400">
-              <a:solidFill>
-                <a:schemeClr val="tx1"/>
-              </a:solidFill>
-            </a:endParaRPr>
-          </a:p>
-          <a:p>
-            <a:pPr>
-              <a:defRPr/>
-            </a:pPr>
-            <a:r>
-              <a:rPr lang="ru-RU" sz="1400" b="0" i="0" u="none" strike="noStrike" cap="none" spc="0">
-                <a:solidFill>
-                  <a:schemeClr val="tx1"/>
-                </a:solidFill>
-                <a:latin typeface="Arial"/>
-                <a:cs typeface="Arial"/>
-              </a:rPr>
-              <a:t>У людей со стенокардией процент больных людей значительно выше, чем без нее:</a:t>
-            </a:r>
-            <a:endParaRPr lang="ru-RU" sz="1400" b="0" i="0" u="none" strike="noStrike" cap="none" spc="0">
-              <a:solidFill>
-                <a:schemeClr val="tx1"/>
-              </a:solidFill>
-              <a:latin typeface="Arial"/>
-              <a:cs typeface="Arial"/>
-            </a:endParaRPr>
-          </a:p>
-          <a:p>
-            <a:pPr>
-              <a:defRPr/>
-            </a:pPr>
-            <a:endParaRPr lang="ru-RU" sz="1400" b="0" i="0" u="none" strike="noStrike" cap="none" spc="0">
-              <a:solidFill>
-                <a:schemeClr val="tx1"/>
-              </a:solidFill>
-              <a:latin typeface="Arial"/>
-              <a:cs typeface="Arial"/>
-            </a:endParaRPr>
-          </a:p>
-          <a:p>
-            <a:pPr marL="239821" indent="-239821">
-              <a:buFont typeface="Arial"/>
-              <a:buChar char="•"/>
-              <a:defRPr/>
-            </a:pPr>
-            <a:r>
-              <a:rPr lang="ru-RU" sz="1400" b="0" i="0" u="none" strike="noStrike" cap="none" spc="0">
-                <a:solidFill>
-                  <a:schemeClr val="tx1"/>
-                </a:solidFill>
-                <a:latin typeface="Arial"/>
-                <a:cs typeface="Arial"/>
-              </a:rPr>
-              <a:t>С стенокардией – 83.47%</a:t>
-            </a:r>
-            <a:endParaRPr lang="ru-RU" sz="1400" b="0" i="0" u="none" strike="noStrike" cap="none" spc="0">
-              <a:solidFill>
-                <a:schemeClr val="tx1"/>
-              </a:solidFill>
-              <a:latin typeface="Arial"/>
-              <a:cs typeface="Arial"/>
-            </a:endParaRPr>
-          </a:p>
-          <a:p>
-            <a:pPr marL="239821" indent="-239821">
-              <a:buFont typeface="Arial"/>
-              <a:buChar char="•"/>
-              <a:defRPr/>
-            </a:pPr>
-            <a:r>
-              <a:rPr lang="ru-RU" sz="1400" b="0" i="0" u="none" strike="noStrike" cap="none" spc="0">
-                <a:solidFill>
-                  <a:schemeClr val="tx1"/>
-                </a:solidFill>
-                <a:latin typeface="Arial"/>
-                <a:cs typeface="Arial"/>
-              </a:rPr>
-              <a:t>Без стенокардии – 36.98 %</a:t>
-            </a:r>
-            <a:endParaRPr sz="1400">
-              <a:solidFill>
-                <a:schemeClr val="tx1"/>
-              </a:solidFill>
+              <a:latin typeface="Times New Roman" panose="02020603050405020304" pitchFamily="18" charset="0"/>
+              <a:cs typeface="Times New Roman" panose="02020603050405020304" pitchFamily="18" charset="0"/>
             </a:endParaRPr>
           </a:p>
         </p:txBody>
@@ -5777,20 +5833,27 @@
   <p:clrMapOvr>
     <a:masterClrMapping/>
   </p:clrMapOvr>
-  <mc:AlternateContent xmlns:mc="http://schemas.openxmlformats.org/markup-compatibility/2006">
-    <mc:Choice xmlns:p14="http://schemas.microsoft.com/office/powerpoint/2010/main" Requires="p14">
-      <p:transition p14:dur="2000" advClick="1"/>
+  <mc:AlternateContent xmlns:mc="http://schemas.openxmlformats.org/markup-compatibility/2006" xmlns:p14="http://schemas.microsoft.com/office/powerpoint/2010/main">
+    <mc:Choice Requires="p14">
+      <p:transition spd="slow" p14:dur="2000"/>
     </mc:Choice>
-    <mc:Fallback>
+    <mc:Fallback xmlns="" xmlns:m="http://schemas.openxmlformats.org/officeDocument/2006/math" xmlns:w="http://schemas.openxmlformats.org/wordprocessingml/2006/main">
       <p:transition advClick="1"/>
     </mc:Fallback>
   </mc:AlternateContent>
+  <p:timing>
+    <p:tnLst>
+      <p:par>
+        <p:cTn id="1" dur="indefinite" restart="never" nodeType="tmRoot"/>
+      </p:par>
+    </p:tnLst>
+  </p:timing>
 </p:sld>
 </file>
 
 <file path=ppt/slides/slide7.xml><?xml version="1.0" encoding="utf-8"?>
-<p:sld xmlns:a="http://schemas.openxmlformats.org/drawingml/2006/main" xmlns:r="http://schemas.openxmlformats.org/officeDocument/2006/relationships" xmlns:p="http://schemas.openxmlformats.org/presentationml/2006/main" xmlns:m="http://schemas.openxmlformats.org/officeDocument/2006/math" xmlns:w="http://schemas.openxmlformats.org/wordprocessingml/2006/main" showMasterPhAnim="0" show="1">
-  <p:cSld name="">
+<p:sld xmlns:a="http://schemas.openxmlformats.org/drawingml/2006/main" xmlns:r="http://schemas.openxmlformats.org/officeDocument/2006/relationships" xmlns:p="http://schemas.openxmlformats.org/presentationml/2006/main" showMasterPhAnim="0">
+  <p:cSld>
     <p:spTree>
       <p:nvGrpSpPr>
         <p:cNvPr id="1" name=""/>
@@ -5807,7 +5870,7 @@
       </p:grpSpPr>
       <p:sp>
         <p:nvSpPr>
-          <p:cNvPr id="67927675" name="Заголовок 1"/>
+          <p:cNvPr id="1845496148" name="Заголовок 1"/>
           <p:cNvSpPr>
             <a:spLocks noGrp="1"/>
           </p:cNvSpPr>
@@ -5817,67 +5880,35 @@
         </p:nvSpPr>
         <p:spPr bwMode="auto"/>
         <p:txBody>
-          <a:bodyPr vertOverflow="overflow" horzOverflow="overflow" vert="horz" wrap="square" lIns="91440" tIns="45720" rIns="91440" bIns="45720" numCol="1" spcCol="0" rtlCol="0" fromWordArt="0" anchor="ctr" anchorCtr="0" forceAA="0" upright="0" compatLnSpc="0">
-            <a:normAutofit fontScale="90000" lnSpcReduction="2000"/>
+          <a:bodyPr vertOverflow="overflow" horzOverflow="overflow" vert="horz" wrap="square" lIns="91440" tIns="45720" rIns="91440" bIns="45720" numCol="1" spcCol="0" rtlCol="0" fromWordArt="0" anchor="ctr" anchorCtr="0" forceAA="0" compatLnSpc="0">
+            <a:normAutofit/>
           </a:bodyPr>
           <a:lstStyle/>
           <a:p>
             <a:pPr>
               <a:defRPr/>
             </a:pPr>
-            <a:br>
-              <a:rPr lang="ru-RU" sz="4400" b="0" i="0" u="none" strike="noStrike" cap="none" spc="0">
-                <a:solidFill>
-                  <a:schemeClr val="tx1"/>
-                </a:solidFill>
-                <a:latin typeface="Arial"/>
-                <a:ea typeface="Arial"/>
-                <a:cs typeface="Arial"/>
-              </a:rPr>
-            </a:br>
-            <a:r>
-              <a:rPr lang="ru-RU" sz="4400" b="0" i="0" u="none" strike="noStrike" cap="none" spc="0">
-                <a:solidFill>
-                  <a:schemeClr val="tx1"/>
-                </a:solidFill>
-                <a:latin typeface="Arial"/>
-                <a:ea typeface="Arial"/>
-                <a:cs typeface="Arial"/>
-              </a:rPr>
-              <a:t>Исследовательский </a:t>
-            </a:r>
-            <a:r>
-              <a:rPr lang="ru-RU" sz="4400" b="0" i="0" u="none" strike="noStrike" cap="none" spc="0">
-                <a:solidFill>
-                  <a:schemeClr val="tx1"/>
-                </a:solidFill>
-                <a:latin typeface="Arial"/>
-                <a:ea typeface="Arial"/>
-                <a:cs typeface="Arial"/>
-              </a:rPr>
-              <a:t>анализ</a:t>
-            </a:r>
-            <a:endParaRPr sz="4400"/>
-          </a:p>
-          <a:p>
-            <a:pPr>
-              <a:defRPr/>
-            </a:pPr>
-            <a:endParaRPr sz="4400"/>
-          </a:p>
-          <a:p>
-            <a:pPr>
-              <a:defRPr/>
-            </a:pPr>
-            <a:endParaRPr/>
+            <a:r>
+              <a:rPr lang="en-US" dirty="0"/>
+              <a:t>Exploratory Data Analysis</a:t>
+            </a:r>
+            <a:r>
+              <a:rPr lang="ru-RU" dirty="0"/>
+              <a:t> </a:t>
+            </a:r>
+            <a:r>
+              <a:rPr lang="en-US" dirty="0"/>
+              <a:t>(EDA)</a:t>
+            </a:r>
+            <a:endParaRPr sz="4400" dirty="0"/>
           </a:p>
         </p:txBody>
       </p:sp>
       <p:pic>
         <p:nvPicPr>
-          <p:cNvPr id="37425356" name=""/>
+          <p:cNvPr id="1347747083" name="Объект 1347747082"/>
           <p:cNvPicPr>
-            <a:picLocks noChangeAspect="1"/>
+            <a:picLocks noGrp="1" noChangeAspect="1"/>
           </p:cNvPicPr>
           <p:nvPr>
             <p:ph idx="1"/>
@@ -5888,9 +5919,9 @@
           <a:stretch/>
         </p:blipFill>
         <p:spPr bwMode="auto">
-          <a:xfrm rot="0">
-            <a:off x="476249" y="1973597"/>
-            <a:ext cx="4276724" cy="3228975"/>
+          <a:xfrm>
+            <a:off x="838199" y="1442498"/>
+            <a:ext cx="10515600" cy="3269739"/>
           </a:xfrm>
           <a:prstGeom prst="rect">
             <a:avLst/>
@@ -5899,14 +5930,14 @@
       </p:pic>
       <p:sp>
         <p:nvSpPr>
-          <p:cNvPr id="1594957723" name=""/>
+          <p:cNvPr id="1779822457" name="TextBox 1779822456"/>
           <p:cNvSpPr txBox="1"/>
           <p:nvPr/>
         </p:nvSpPr>
         <p:spPr bwMode="auto">
-          <a:xfrm flipH="0" flipV="0">
-            <a:off x="5249249" y="2838449"/>
-            <a:ext cx="5333600" cy="1976679"/>
+          <a:xfrm>
+            <a:off x="838199" y="4453140"/>
+            <a:ext cx="10041116" cy="1537600"/>
           </a:xfrm>
           <a:prstGeom prst="rect">
             <a:avLst/>
@@ -5914,174 +5945,88 @@
           <a:noFill/>
         </p:spPr>
         <p:txBody>
-          <a:bodyPr vertOverflow="overflow" horzOverflow="overflow" vert="horz" wrap="square" lIns="91440" tIns="45720" rIns="91440" bIns="45720" numCol="1" spcCol="0" rtlCol="0" fromWordArt="0" anchor="t" anchorCtr="0" forceAA="0" upright="0" compatLnSpc="0">
+          <a:bodyPr vertOverflow="overflow" horzOverflow="overflow" vert="horz" wrap="square" lIns="91440" tIns="45720" rIns="91440" bIns="45720" numCol="1" spcCol="0" rtlCol="0" fromWordArt="0" anchor="t" anchorCtr="0" forceAA="0" compatLnSpc="0">
             <a:spAutoFit/>
           </a:bodyPr>
-          <a:p>
-            <a:pPr>
-              <a:lnSpc>
-                <a:spcPct val="150000"/>
-              </a:lnSpc>
-              <a:defRPr/>
-            </a:pPr>
-            <a:r>
-              <a:rPr sz="1600"/>
-              <a:t>0 - </a:t>
-            </a:r>
-            <a:r>
-              <a:rPr sz="1600" b="0" i="0" u="none">
-                <a:solidFill>
-                  <a:schemeClr val="tx1"/>
-                </a:solidFill>
-                <a:latin typeface="Consolas"/>
+          <a:lstStyle/>
+          <a:p>
+            <a:pPr>
+              <a:defRPr/>
+            </a:pPr>
+            <a:r>
+              <a:rPr lang="en-US" sz="1400" dirty="0">
+                <a:latin typeface="Times New Roman" panose="02020603050405020304" pitchFamily="18" charset="0"/>
                 <a:ea typeface="Consolas"/>
-                <a:cs typeface="Consolas"/>
+                <a:cs typeface="Times New Roman" panose="02020603050405020304" pitchFamily="18" charset="0"/>
               </a:rPr>
-              <a:t>Отсутствие видимых сердечных заболеваний</a:t>
-            </a:r>
-            <a:endParaRPr sz="1600"/>
-          </a:p>
-          <a:p>
-            <a:pPr>
-              <a:lnSpc>
-                <a:spcPct val="150000"/>
-              </a:lnSpc>
-              <a:defRPr/>
-            </a:pPr>
-            <a:r>
-              <a:rPr sz="1600"/>
-              <a:t>1</a:t>
-            </a:r>
-            <a:r>
-              <a:rPr sz="1600"/>
-              <a:t> - </a:t>
-            </a:r>
-            <a:r>
-              <a:rPr sz="1600" b="0" i="0" u="none">
-                <a:solidFill>
-                  <a:schemeClr val="tx1"/>
-                </a:solidFill>
-                <a:latin typeface="Consolas"/>
+              <a:t>In cases of angina, the maximum heart rate is lower on average, but there are individual maximum/minimum values that significantly deviate from the overall pattern.</a:t>
+            </a:r>
+          </a:p>
+          <a:p>
+            <a:pPr>
+              <a:defRPr/>
+            </a:pPr>
+            <a:endParaRPr lang="en-US" sz="1400" dirty="0">
+              <a:latin typeface="Times New Roman" panose="02020603050405020304" pitchFamily="18" charset="0"/>
+              <a:ea typeface="Consolas"/>
+              <a:cs typeface="Times New Roman" panose="02020603050405020304" pitchFamily="18" charset="0"/>
+            </a:endParaRPr>
+          </a:p>
+          <a:p>
+            <a:pPr>
+              <a:defRPr/>
+            </a:pPr>
+            <a:r>
+              <a:rPr lang="en-US" sz="1400" dirty="0">
+                <a:latin typeface="Times New Roman" panose="02020603050405020304" pitchFamily="18" charset="0"/>
                 <a:ea typeface="Consolas"/>
-                <a:cs typeface="Consolas"/>
+                <a:cs typeface="Times New Roman" panose="02020603050405020304" pitchFamily="18" charset="0"/>
               </a:rPr>
-              <a:t>Легкая болезнь сердца</a:t>
-            </a:r>
-            <a:endParaRPr sz="1600"/>
-          </a:p>
-          <a:p>
-            <a:pPr>
-              <a:lnSpc>
-                <a:spcPct val="150000"/>
-              </a:lnSpc>
-              <a:defRPr/>
-            </a:pPr>
-            <a:r>
-              <a:rPr sz="1600"/>
-              <a:t>2 - </a:t>
-            </a:r>
-            <a:r>
-              <a:rPr sz="1600" b="0" i="0" u="none">
-                <a:solidFill>
-                  <a:schemeClr val="tx1"/>
-                </a:solidFill>
-                <a:latin typeface="Consolas"/>
+              <a:t>Among individuals with angina, the percentage of affected individuals is considerably higher compared to those without it:</a:t>
+            </a:r>
+          </a:p>
+          <a:p>
+            <a:pPr>
+              <a:defRPr/>
+            </a:pPr>
+            <a:endParaRPr lang="en-US" sz="1400" dirty="0">
+              <a:latin typeface="Times New Roman" panose="02020603050405020304" pitchFamily="18" charset="0"/>
+              <a:ea typeface="Consolas"/>
+              <a:cs typeface="Times New Roman" panose="02020603050405020304" pitchFamily="18" charset="0"/>
+            </a:endParaRPr>
+          </a:p>
+          <a:p>
+            <a:pPr>
+              <a:defRPr/>
+            </a:pPr>
+            <a:r>
+              <a:rPr lang="en-US" sz="1400" dirty="0">
+                <a:latin typeface="Times New Roman" panose="02020603050405020304" pitchFamily="18" charset="0"/>
                 <a:ea typeface="Consolas"/>
-                <a:cs typeface="Consolas"/>
+                <a:cs typeface="Times New Roman" panose="02020603050405020304" pitchFamily="18" charset="0"/>
               </a:rPr>
-              <a:t>Умеренная болезнь сердца</a:t>
-            </a:r>
-            <a:endParaRPr sz="1600"/>
-          </a:p>
-          <a:p>
-            <a:pPr>
-              <a:lnSpc>
-                <a:spcPct val="150000"/>
-              </a:lnSpc>
-              <a:defRPr/>
-            </a:pPr>
-            <a:r>
-              <a:rPr sz="1600"/>
-              <a:t>3 - </a:t>
-            </a:r>
-            <a:r>
-              <a:rPr sz="1600" b="0" i="0" u="none">
-                <a:solidFill>
-                  <a:schemeClr val="tx1"/>
-                </a:solidFill>
-                <a:latin typeface="Consolas"/>
+              <a:t>With angina - 83.47%</a:t>
+            </a:r>
+          </a:p>
+          <a:p>
+            <a:pPr>
+              <a:defRPr/>
+            </a:pPr>
+            <a:r>
+              <a:rPr lang="en-US" sz="1400" dirty="0">
+                <a:latin typeface="Times New Roman" panose="02020603050405020304" pitchFamily="18" charset="0"/>
                 <a:ea typeface="Consolas"/>
-                <a:cs typeface="Consolas"/>
+                <a:cs typeface="Times New Roman" panose="02020603050405020304" pitchFamily="18" charset="0"/>
               </a:rPr>
-              <a:t>Тяжелое заболевание сердца</a:t>
-            </a:r>
-            <a:endParaRPr sz="1600"/>
-          </a:p>
-          <a:p>
-            <a:pPr>
-              <a:lnSpc>
-                <a:spcPct val="150000"/>
-              </a:lnSpc>
-              <a:defRPr/>
-            </a:pPr>
-            <a:r>
-              <a:rPr sz="1600"/>
-              <a:t>4 - </a:t>
-            </a:r>
-            <a:r>
-              <a:rPr sz="1600" b="0" i="0" u="none">
-                <a:solidFill>
-                  <a:schemeClr val="tx1"/>
-                </a:solidFill>
-                <a:latin typeface="Consolas"/>
-                <a:ea typeface="Consolas"/>
-                <a:cs typeface="Consolas"/>
-              </a:rPr>
-              <a:t>Очень тяжелое заболевание сердца</a:t>
-            </a:r>
-            <a:endParaRPr sz="1600"/>
-          </a:p>
-        </p:txBody>
-      </p:sp>
-      <p:sp>
-        <p:nvSpPr>
-          <p:cNvPr id="1241180218" name=""/>
-          <p:cNvSpPr txBox="1"/>
-          <p:nvPr/>
-        </p:nvSpPr>
-        <p:spPr bwMode="auto">
-          <a:xfrm flipH="0" flipV="0">
-            <a:off x="5125424" y="2209799"/>
-            <a:ext cx="6648676" cy="365795"/>
-          </a:xfrm>
-          <a:prstGeom prst="rect">
-            <a:avLst/>
-          </a:prstGeom>
-          <a:noFill/>
-        </p:spPr>
-        <p:txBody>
-          <a:bodyPr vertOverflow="overflow" horzOverflow="overflow" vert="horz" wrap="none" lIns="91440" tIns="45720" rIns="91440" bIns="45720" numCol="1" spcCol="0" rtlCol="0" fromWordArt="0" anchor="t" anchorCtr="0" forceAA="0" upright="0" compatLnSpc="0">
-            <a:spAutoFit/>
-          </a:bodyPr>
-          <a:p>
-            <a:pPr>
-              <a:defRPr/>
-            </a:pPr>
-            <a:r>
-              <a:rPr lang="ru-RU" sz="1800" b="0" i="0" u="none" strike="noStrike" cap="none" spc="0">
-                <a:solidFill>
-                  <a:schemeClr val="tx1"/>
-                </a:solidFill>
-                <a:latin typeface="Arial"/>
-                <a:cs typeface="Arial"/>
-              </a:rPr>
-              <a:t>Стенокардия</a:t>
-            </a:r>
-            <a:r>
-              <a:rPr/>
-              <a:t> в зависимости от степени заболевания сердца</a:t>
-            </a:r>
-            <a:endParaRPr/>
+              <a:t>Without angina - 36.98%</a:t>
+            </a:r>
+            <a:endParaRPr sz="1400" dirty="0">
+              <a:solidFill>
+                <a:schemeClr val="tx1"/>
+              </a:solidFill>
+              <a:latin typeface="Times New Roman" panose="02020603050405020304" pitchFamily="18" charset="0"/>
+              <a:cs typeface="Times New Roman" panose="02020603050405020304" pitchFamily="18" charset="0"/>
+            </a:endParaRPr>
           </a:p>
         </p:txBody>
       </p:sp>
@@ -6090,20 +6035,27 @@
   <p:clrMapOvr>
     <a:masterClrMapping/>
   </p:clrMapOvr>
-  <mc:AlternateContent xmlns:mc="http://schemas.openxmlformats.org/markup-compatibility/2006">
-    <mc:Choice xmlns:p14="http://schemas.microsoft.com/office/powerpoint/2010/main" Requires="p14">
-      <p:transition p14:dur="2000" advClick="1"/>
+  <mc:AlternateContent xmlns:mc="http://schemas.openxmlformats.org/markup-compatibility/2006" xmlns:p14="http://schemas.microsoft.com/office/powerpoint/2010/main">
+    <mc:Choice Requires="p14">
+      <p:transition spd="slow" p14:dur="2000"/>
     </mc:Choice>
-    <mc:Fallback>
+    <mc:Fallback xmlns="" xmlns:m="http://schemas.openxmlformats.org/officeDocument/2006/math" xmlns:w="http://schemas.openxmlformats.org/wordprocessingml/2006/main">
       <p:transition advClick="1"/>
     </mc:Fallback>
   </mc:AlternateContent>
+  <p:timing>
+    <p:tnLst>
+      <p:par>
+        <p:cTn id="1" dur="indefinite" restart="never" nodeType="tmRoot"/>
+      </p:par>
+    </p:tnLst>
+  </p:timing>
 </p:sld>
 </file>
 
 <file path=ppt/slides/slide8.xml><?xml version="1.0" encoding="utf-8"?>
-<p:sld xmlns:a="http://schemas.openxmlformats.org/drawingml/2006/main" xmlns:r="http://schemas.openxmlformats.org/officeDocument/2006/relationships" xmlns:p="http://schemas.openxmlformats.org/presentationml/2006/main" xmlns:m="http://schemas.openxmlformats.org/officeDocument/2006/math" xmlns:w="http://schemas.openxmlformats.org/wordprocessingml/2006/main" showMasterPhAnim="0" show="1">
-  <p:cSld name="">
+<p:sld xmlns:a="http://schemas.openxmlformats.org/drawingml/2006/main" xmlns:r="http://schemas.openxmlformats.org/officeDocument/2006/relationships" xmlns:p="http://schemas.openxmlformats.org/presentationml/2006/main" showMasterPhAnim="0">
+  <p:cSld>
     <p:spTree>
       <p:nvGrpSpPr>
         <p:cNvPr id="1" name=""/>
@@ -6120,7 +6072,7 @@
       </p:grpSpPr>
       <p:sp>
         <p:nvSpPr>
-          <p:cNvPr id="235429860" name="Заголовок 1"/>
+          <p:cNvPr id="67927675" name="Заголовок 1"/>
           <p:cNvSpPr>
             <a:spLocks noGrp="1"/>
           </p:cNvSpPr>
@@ -6130,111 +6082,54 @@
         </p:nvSpPr>
         <p:spPr bwMode="auto"/>
         <p:txBody>
-          <a:bodyPr vertOverflow="overflow" horzOverflow="overflow" vert="horz" wrap="square" lIns="91440" tIns="45720" rIns="91440" bIns="45720" numCol="1" spcCol="0" rtlCol="0" fromWordArt="0" anchor="ctr" anchorCtr="0" forceAA="0" upright="0" compatLnSpc="0">
-            <a:normAutofit fontScale="90000" lnSpcReduction="2000"/>
+          <a:bodyPr vertOverflow="overflow" horzOverflow="overflow" vert="horz" wrap="square" lIns="91440" tIns="45720" rIns="91440" bIns="45720" numCol="1" spcCol="0" rtlCol="0" fromWordArt="0" anchor="ctr" anchorCtr="0" forceAA="0" compatLnSpc="0">
+            <a:normAutofit/>
           </a:bodyPr>
           <a:lstStyle/>
           <a:p>
             <a:pPr>
               <a:defRPr/>
             </a:pPr>
-            <a:br>
-              <a:rPr lang="ru-RU" sz="4400" b="0" i="0" u="none" strike="noStrike" cap="none" spc="0">
-                <a:solidFill>
-                  <a:schemeClr val="tx1"/>
-                </a:solidFill>
-                <a:latin typeface="Arial"/>
-                <a:ea typeface="Arial"/>
-                <a:cs typeface="Arial"/>
-              </a:rPr>
-            </a:br>
-            <a:r>
-              <a:rPr lang="ru-RU" sz="4400" b="0" i="0" u="none" strike="noStrike" cap="none" spc="0">
-                <a:solidFill>
-                  <a:schemeClr val="tx1"/>
-                </a:solidFill>
-                <a:latin typeface="Arial"/>
-                <a:ea typeface="Arial"/>
-                <a:cs typeface="Arial"/>
-              </a:rPr>
-              <a:t>Исследовательский </a:t>
-            </a:r>
-            <a:r>
-              <a:rPr lang="ru-RU" sz="4400" b="0" i="0" u="none" strike="noStrike" cap="none" spc="0">
-                <a:solidFill>
-                  <a:schemeClr val="tx1"/>
-                </a:solidFill>
-                <a:latin typeface="Arial"/>
-                <a:ea typeface="Arial"/>
-                <a:cs typeface="Arial"/>
-              </a:rPr>
-              <a:t>анализ</a:t>
-            </a:r>
-            <a:endParaRPr sz="4400"/>
-          </a:p>
-          <a:p>
-            <a:pPr>
-              <a:defRPr/>
-            </a:pPr>
-            <a:endParaRPr/>
-          </a:p>
-        </p:txBody>
-      </p:sp>
-      <p:sp>
-        <p:nvSpPr>
-          <p:cNvPr id="771492163" name="Объект 2"/>
-          <p:cNvSpPr>
-            <a:spLocks noGrp="1"/>
-          </p:cNvSpPr>
-          <p:nvPr>
-            <p:ph idx="1"/>
-          </p:nvPr>
-        </p:nvSpPr>
-        <p:spPr bwMode="auto">
-          <a:xfrm>
-            <a:off x="838199" y="1377949"/>
-            <a:ext cx="10515600" cy="4351338"/>
-          </a:xfrm>
-        </p:spPr>
-        <p:txBody>
-          <a:bodyPr/>
-          <a:lstStyle/>
-          <a:p>
-            <a:pPr marL="0" indent="0">
-              <a:buFont typeface="Arial"/>
-              <a:buNone/>
-              <a:defRPr/>
-            </a:pPr>
-            <a:r>
-              <a:rPr lang="ru-RU" sz="1400" b="0" i="0" u="none" strike="noStrike" cap="none" spc="0">
-                <a:solidFill>
-                  <a:schemeClr val="tx1"/>
-                </a:solidFill>
-                <a:latin typeface="Arial"/>
-                <a:cs typeface="Arial"/>
-              </a:rPr>
-              <a:t>Процент больных людей при n-ом кол-ве подсвеченных коронарных артерий при флюороскопии</a:t>
-            </a:r>
-            <a:endParaRPr/>
+            <a:r>
+              <a:rPr lang="en-US" dirty="0"/>
+              <a:t>Exploratory Data Analysis</a:t>
+            </a:r>
+            <a:r>
+              <a:rPr lang="ru-RU" dirty="0"/>
+              <a:t> </a:t>
+            </a:r>
+            <a:r>
+              <a:rPr lang="en-US" dirty="0"/>
+              <a:t>(EDA)</a:t>
+            </a:r>
+            <a:endParaRPr sz="4400" dirty="0"/>
+          </a:p>
+          <a:p>
+            <a:pPr>
+              <a:defRPr/>
+            </a:pPr>
+            <a:endParaRPr dirty="0"/>
           </a:p>
         </p:txBody>
       </p:sp>
       <p:pic>
         <p:nvPicPr>
-          <p:cNvPr id="822171527" name=""/>
+          <p:cNvPr id="37425356" name="Объект 37425355"/>
           <p:cNvPicPr>
-            <a:picLocks noChangeAspect="1"/>
+            <a:picLocks noGrp="1" noChangeAspect="1"/>
           </p:cNvPicPr>
-          <p:nvPr/>
+          <p:nvPr>
+            <p:ph idx="1"/>
+          </p:nvPr>
         </p:nvPicPr>
         <p:blipFill>
           <a:blip r:embed="rId2"/>
           <a:stretch/>
         </p:blipFill>
         <p:spPr bwMode="auto">
-          <a:xfrm flipH="0" flipV="0">
-            <a:off x="267235" y="1690687"/>
-            <a:ext cx="6829864" cy="5028868"/>
+          <a:xfrm>
+            <a:off x="476249" y="1973597"/>
+            <a:ext cx="4276724" cy="3228975"/>
           </a:xfrm>
           <a:prstGeom prst="rect">
             <a:avLst/>
@@ -6243,14 +6138,14 @@
       </p:pic>
       <p:sp>
         <p:nvSpPr>
-          <p:cNvPr id="897563613" name=""/>
+          <p:cNvPr id="1594957723" name="TextBox 1594957722"/>
           <p:cNvSpPr txBox="1"/>
           <p:nvPr/>
         </p:nvSpPr>
         <p:spPr bwMode="auto">
-          <a:xfrm flipH="0" flipV="0">
-            <a:off x="7563825" y="2428875"/>
-            <a:ext cx="4276724" cy="365795"/>
+          <a:xfrm>
+            <a:off x="5249249" y="2838449"/>
+            <a:ext cx="5333600" cy="1601464"/>
           </a:xfrm>
           <a:prstGeom prst="rect">
             <a:avLst/>
@@ -6258,27 +6153,101 @@
           <a:noFill/>
         </p:spPr>
         <p:txBody>
-          <a:bodyPr vertOverflow="overflow" horzOverflow="overflow" vert="horz" wrap="square" lIns="91440" tIns="45720" rIns="91440" bIns="45720" numCol="1" spcCol="0" rtlCol="0" fromWordArt="0" anchor="t" anchorCtr="0" forceAA="0" upright="0" compatLnSpc="0">
+          <a:bodyPr vertOverflow="overflow" horzOverflow="overflow" vert="horz" wrap="square" lIns="91440" tIns="45720" rIns="91440" bIns="45720" numCol="1" spcCol="0" rtlCol="0" fromWordArt="0" anchor="t" anchorCtr="0" forceAA="0" compatLnSpc="0">
             <a:spAutoFit/>
           </a:bodyPr>
-          <a:p>
-            <a:pPr>
-              <a:defRPr/>
-            </a:pPr>
-            <a:endParaRPr/>
-          </a:p>
-        </p:txBody>
-      </p:sp>
-      <p:sp>
-        <p:nvSpPr>
-          <p:cNvPr id="310802628" name=""/>
+          <a:lstStyle/>
+          <a:p>
+            <a:pPr>
+              <a:lnSpc>
+                <a:spcPct val="150000"/>
+              </a:lnSpc>
+              <a:defRPr/>
+            </a:pPr>
+            <a:r>
+              <a:rPr lang="en-US" sz="1400" dirty="0">
+                <a:latin typeface="Times New Roman" panose="02020603050405020304" pitchFamily="18" charset="0"/>
+                <a:cs typeface="Times New Roman" panose="02020603050405020304" pitchFamily="18" charset="0"/>
+              </a:rPr>
+              <a:t>0 - No visible heart disease</a:t>
+            </a:r>
+          </a:p>
+          <a:p>
+            <a:pPr>
+              <a:lnSpc>
+                <a:spcPct val="150000"/>
+              </a:lnSpc>
+              <a:defRPr/>
+            </a:pPr>
+            <a:r>
+              <a:rPr lang="en-US" sz="1400" dirty="0">
+                <a:latin typeface="Times New Roman" panose="02020603050405020304" pitchFamily="18" charset="0"/>
+                <a:cs typeface="Times New Roman" panose="02020603050405020304" pitchFamily="18" charset="0"/>
+              </a:rPr>
+              <a:t>1 - Mild heart disease</a:t>
+            </a:r>
+          </a:p>
+          <a:p>
+            <a:pPr>
+              <a:lnSpc>
+                <a:spcPct val="150000"/>
+              </a:lnSpc>
+              <a:defRPr/>
+            </a:pPr>
+            <a:r>
+              <a:rPr lang="en-US" sz="1400" dirty="0">
+                <a:latin typeface="Times New Roman" panose="02020603050405020304" pitchFamily="18" charset="0"/>
+                <a:cs typeface="Times New Roman" panose="02020603050405020304" pitchFamily="18" charset="0"/>
+              </a:rPr>
+              <a:t>2 - Moderate heart disease</a:t>
+            </a:r>
+          </a:p>
+          <a:p>
+            <a:pPr>
+              <a:lnSpc>
+                <a:spcPct val="150000"/>
+              </a:lnSpc>
+              <a:defRPr/>
+            </a:pPr>
+            <a:r>
+              <a:rPr lang="en-US" sz="1400" dirty="0">
+                <a:latin typeface="Times New Roman" panose="02020603050405020304" pitchFamily="18" charset="0"/>
+                <a:cs typeface="Times New Roman" panose="02020603050405020304" pitchFamily="18" charset="0"/>
+              </a:rPr>
+              <a:t>3 - Severe heart disease</a:t>
+            </a:r>
+          </a:p>
+          <a:p>
+            <a:pPr>
+              <a:lnSpc>
+                <a:spcPct val="150000"/>
+              </a:lnSpc>
+              <a:defRPr/>
+            </a:pPr>
+            <a:r>
+              <a:rPr lang="en-US" sz="1400" dirty="0">
+                <a:latin typeface="Times New Roman" panose="02020603050405020304" pitchFamily="18" charset="0"/>
+                <a:cs typeface="Times New Roman" panose="02020603050405020304" pitchFamily="18" charset="0"/>
+              </a:rPr>
+              <a:t>4 - Very severe heart disease</a:t>
+            </a:r>
+            <a:endParaRPr sz="1400" dirty="0">
+              <a:latin typeface="Times New Roman" panose="02020603050405020304" pitchFamily="18" charset="0"/>
+              <a:cs typeface="Times New Roman" panose="02020603050405020304" pitchFamily="18" charset="0"/>
+            </a:endParaRPr>
+          </a:p>
+        </p:txBody>
+      </p:sp>
+      <p:sp>
+        <p:nvSpPr>
+          <p:cNvPr id="1241180218" name="TextBox 1241180217"/>
           <p:cNvSpPr txBox="1"/>
           <p:nvPr/>
         </p:nvSpPr>
         <p:spPr bwMode="auto">
-          <a:xfrm flipH="0" flipV="0">
-            <a:off x="7192350" y="1690687"/>
-            <a:ext cx="4772133" cy="1798356"/>
+          <a:xfrm>
+            <a:off x="5125424" y="2209799"/>
+            <a:ext cx="3624582" cy="711733"/>
           </a:xfrm>
           <a:prstGeom prst="rect">
             <a:avLst/>
@@ -6286,156 +6255,39 @@
           <a:noFill/>
         </p:spPr>
         <p:txBody>
-          <a:bodyPr vertOverflow="overflow" horzOverflow="overflow" vert="horz" wrap="square" lIns="91440" tIns="45720" rIns="91440" bIns="45720" numCol="1" spcCol="0" rtlCol="0" fromWordArt="0" anchor="t" anchorCtr="0" forceAA="0" upright="0" compatLnSpc="0">
+          <a:bodyPr vertOverflow="overflow" horzOverflow="overflow" vert="horz" wrap="none" lIns="91440" tIns="45720" rIns="91440" bIns="45720" numCol="1" spcCol="0" rtlCol="0" fromWordArt="0" anchor="t" anchorCtr="0" forceAA="0" compatLnSpc="0">
             <a:spAutoFit/>
           </a:bodyPr>
-          <a:p>
-            <a:pPr>
-              <a:defRPr/>
-            </a:pPr>
-            <a:r>
-              <a:rPr sz="1400" b="0" i="0" u="none">
-                <a:solidFill>
-                  <a:srgbClr val="000000"/>
-                </a:solidFill>
-                <a:latin typeface="Times New Roman"/>
-                <a:ea typeface="Times New Roman"/>
-                <a:cs typeface="Times New Roman"/>
+          <a:lstStyle/>
+          <a:p>
+            <a:pPr>
+              <a:defRPr/>
+            </a:pPr>
+            <a:r>
+              <a:rPr lang="en-US" sz="1400" dirty="0">
+                <a:latin typeface="Times New Roman" panose="02020603050405020304" pitchFamily="18" charset="0"/>
+                <a:cs typeface="Times New Roman" panose="02020603050405020304" pitchFamily="18" charset="0"/>
               </a:rPr>
-              <a:t>Чем больше коронарных артерий подсвечивается при флюороскопии, тем выше вероятность заполучить проблемы с сердцем</a:t>
-            </a:r>
-            <a:r>
-              <a:rPr sz="1400" b="0" i="0" u="none">
-                <a:solidFill>
-                  <a:srgbClr val="000000"/>
-                </a:solidFill>
-                <a:latin typeface="Times New Roman"/>
-                <a:ea typeface="Times New Roman"/>
-                <a:cs typeface="Times New Roman"/>
-              </a:rPr>
-              <a:t>:</a:t>
-            </a:r>
-            <a:endParaRPr sz="1400" b="0" i="0" u="none">
-              <a:solidFill>
-                <a:srgbClr val="000000"/>
-              </a:solidFill>
-              <a:latin typeface="Times New Roman"/>
-              <a:ea typeface="Times New Roman"/>
-              <a:cs typeface="Times New Roman"/>
+              <a:t>Angina in relation to the degree of heart disease</a:t>
+            </a:r>
+          </a:p>
+          <a:p>
+            <a:pPr>
+              <a:defRPr/>
+            </a:pPr>
+            <a:endParaRPr lang="en-US" sz="1400" dirty="0">
+              <a:latin typeface="Times New Roman" panose="02020603050405020304" pitchFamily="18" charset="0"/>
+              <a:cs typeface="Times New Roman" panose="02020603050405020304" pitchFamily="18" charset="0"/>
             </a:endParaRPr>
           </a:p>
           <a:p>
             <a:pPr>
               <a:defRPr/>
             </a:pPr>
-            <a:r>
-              <a:rPr sz="1400" b="0" i="0" u="none">
-                <a:solidFill>
-                  <a:srgbClr val="000000"/>
-                </a:solidFill>
-                <a:latin typeface="Times New Roman"/>
-                <a:ea typeface="Times New Roman"/>
-                <a:cs typeface="Times New Roman"/>
-              </a:rPr>
-              <a:t> </a:t>
-            </a:r>
-            <a:endParaRPr sz="1400" b="0" i="0" u="none">
-              <a:solidFill>
-                <a:srgbClr val="000000"/>
-              </a:solidFill>
-              <a:latin typeface="Times New Roman"/>
-              <a:ea typeface="Times New Roman"/>
-              <a:cs typeface="Times New Roman"/>
+            <a:endParaRPr lang="en-US" sz="1400" dirty="0">
+              <a:latin typeface="Times New Roman" panose="02020603050405020304" pitchFamily="18" charset="0"/>
+              <a:cs typeface="Times New Roman" panose="02020603050405020304" pitchFamily="18" charset="0"/>
             </a:endParaRPr>
-          </a:p>
-          <a:p>
-            <a:pPr>
-              <a:defRPr/>
-            </a:pPr>
-            <a:r>
-              <a:rPr sz="1400" b="0" i="0" u="none">
-                <a:solidFill>
-                  <a:srgbClr val="000000"/>
-                </a:solidFill>
-                <a:latin typeface="Times New Roman"/>
-                <a:ea typeface="Times New Roman"/>
-                <a:cs typeface="Times New Roman"/>
-              </a:rPr>
-              <a:t>0 - 45.84%</a:t>
-            </a:r>
-            <a:endParaRPr sz="1400" b="0" i="0" u="none">
-              <a:solidFill>
-                <a:srgbClr val="000000"/>
-              </a:solidFill>
-              <a:latin typeface="Times New Roman"/>
-              <a:ea typeface="Times New Roman"/>
-              <a:cs typeface="Times New Roman"/>
-            </a:endParaRPr>
-          </a:p>
-          <a:p>
-            <a:pPr>
-              <a:defRPr/>
-            </a:pPr>
-            <a:r>
-              <a:rPr sz="1400" b="0" i="0" u="none">
-                <a:solidFill>
-                  <a:srgbClr val="000000"/>
-                </a:solidFill>
-                <a:latin typeface="Times New Roman"/>
-                <a:ea typeface="Times New Roman"/>
-                <a:cs typeface="Times New Roman"/>
-              </a:rPr>
-              <a:t>1 - 66.81%</a:t>
-            </a:r>
-            <a:endParaRPr sz="1400" b="0" i="0" u="none">
-              <a:solidFill>
-                <a:srgbClr val="000000"/>
-              </a:solidFill>
-              <a:latin typeface="Times New Roman"/>
-              <a:ea typeface="Times New Roman"/>
-              <a:cs typeface="Times New Roman"/>
-            </a:endParaRPr>
-          </a:p>
-          <a:p>
-            <a:pPr>
-              <a:defRPr/>
-            </a:pPr>
-            <a:r>
-              <a:rPr sz="1400" b="0" i="0" u="none">
-                <a:solidFill>
-                  <a:srgbClr val="000000"/>
-                </a:solidFill>
-                <a:latin typeface="Times New Roman"/>
-                <a:ea typeface="Times New Roman"/>
-                <a:cs typeface="Times New Roman"/>
-              </a:rPr>
-              <a:t>2 - 83.95%</a:t>
-            </a:r>
-            <a:endParaRPr sz="1400" b="0" i="0" u="none">
-              <a:solidFill>
-                <a:srgbClr val="000000"/>
-              </a:solidFill>
-              <a:latin typeface="Times New Roman"/>
-              <a:ea typeface="Times New Roman"/>
-              <a:cs typeface="Times New Roman"/>
-            </a:endParaRPr>
-          </a:p>
-          <a:p>
-            <a:pPr>
-              <a:defRPr/>
-            </a:pPr>
-            <a:r>
-              <a:rPr sz="1400" b="0" i="0" u="none">
-                <a:solidFill>
-                  <a:srgbClr val="000000"/>
-                </a:solidFill>
-                <a:latin typeface="Times New Roman"/>
-                <a:ea typeface="Times New Roman"/>
-                <a:cs typeface="Times New Roman"/>
-              </a:rPr>
-              <a:t>3 - 85.71%</a:t>
-            </a:r>
-            <a:endParaRPr sz="1400"/>
           </a:p>
         </p:txBody>
       </p:sp>
@@ -6444,20 +6296,27 @@
   <p:clrMapOvr>
     <a:masterClrMapping/>
   </p:clrMapOvr>
-  <mc:AlternateContent xmlns:mc="http://schemas.openxmlformats.org/markup-compatibility/2006">
-    <mc:Choice xmlns:p14="http://schemas.microsoft.com/office/powerpoint/2010/main" Requires="p14">
-      <p:transition p14:dur="2000" advClick="1"/>
+  <mc:AlternateContent xmlns:mc="http://schemas.openxmlformats.org/markup-compatibility/2006" xmlns:p14="http://schemas.microsoft.com/office/powerpoint/2010/main">
+    <mc:Choice Requires="p14">
+      <p:transition spd="slow" p14:dur="2000"/>
     </mc:Choice>
-    <mc:Fallback>
+    <mc:Fallback xmlns="" xmlns:m="http://schemas.openxmlformats.org/officeDocument/2006/math" xmlns:w="http://schemas.openxmlformats.org/wordprocessingml/2006/main">
       <p:transition advClick="1"/>
     </mc:Fallback>
   </mc:AlternateContent>
+  <p:timing>
+    <p:tnLst>
+      <p:par>
+        <p:cTn id="1" dur="indefinite" restart="never" nodeType="tmRoot"/>
+      </p:par>
+    </p:tnLst>
+  </p:timing>
 </p:sld>
 </file>
 
 <file path=ppt/slides/slide9.xml><?xml version="1.0" encoding="utf-8"?>
-<p:sld xmlns:a="http://schemas.openxmlformats.org/drawingml/2006/main" xmlns:r="http://schemas.openxmlformats.org/officeDocument/2006/relationships" xmlns:p="http://schemas.openxmlformats.org/presentationml/2006/main" xmlns:m="http://schemas.openxmlformats.org/officeDocument/2006/math" xmlns:w="http://schemas.openxmlformats.org/wordprocessingml/2006/main" showMasterPhAnim="0" show="1">
-  <p:cSld name="">
+<p:sld xmlns:a="http://schemas.openxmlformats.org/drawingml/2006/main" xmlns:r="http://schemas.openxmlformats.org/officeDocument/2006/relationships" xmlns:p="http://schemas.openxmlformats.org/presentationml/2006/main" showMasterPhAnim="0">
+  <p:cSld>
     <p:spTree>
       <p:nvGrpSpPr>
         <p:cNvPr id="1" name=""/>
@@ -6474,7 +6333,7 @@
       </p:grpSpPr>
       <p:sp>
         <p:nvSpPr>
-          <p:cNvPr id="371510767" name="Заголовок 1"/>
+          <p:cNvPr id="235429860" name="Заголовок 1"/>
           <p:cNvSpPr>
             <a:spLocks noGrp="1"/>
           </p:cNvSpPr>
@@ -6484,100 +6343,73 @@
         </p:nvSpPr>
         <p:spPr bwMode="auto"/>
         <p:txBody>
-          <a:bodyPr vertOverflow="overflow" horzOverflow="overflow" vert="horz" wrap="square" lIns="91440" tIns="45720" rIns="91440" bIns="45720" numCol="1" spcCol="0" rtlCol="0" fromWordArt="0" anchor="ctr" anchorCtr="0" forceAA="0" upright="0" compatLnSpc="0">
-            <a:normAutofit fontScale="90000" lnSpcReduction="2000"/>
+          <a:bodyPr vertOverflow="overflow" horzOverflow="overflow" vert="horz" wrap="square" lIns="91440" tIns="45720" rIns="91440" bIns="45720" numCol="1" spcCol="0" rtlCol="0" fromWordArt="0" anchor="ctr" anchorCtr="0" forceAA="0" compatLnSpc="0">
+            <a:normAutofit/>
           </a:bodyPr>
           <a:lstStyle/>
           <a:p>
             <a:pPr>
               <a:defRPr/>
             </a:pPr>
-            <a:br>
-              <a:rPr lang="ru-RU" sz="4400" b="0" i="0" u="none" strike="noStrike" cap="none" spc="0">
-                <a:solidFill>
-                  <a:schemeClr val="tx1"/>
-                </a:solidFill>
-                <a:latin typeface="Arial"/>
-                <a:ea typeface="Arial"/>
-                <a:cs typeface="Arial"/>
+            <a:r>
+              <a:rPr lang="en-US" dirty="0"/>
+              <a:t>Exploratory Data Analysis</a:t>
+            </a:r>
+            <a:r>
+              <a:rPr lang="ru-RU" dirty="0"/>
+              <a:t> </a:t>
+            </a:r>
+            <a:r>
+              <a:rPr lang="en-US" dirty="0"/>
+              <a:t>(EDA)</a:t>
+            </a:r>
+            <a:endParaRPr dirty="0"/>
+          </a:p>
+        </p:txBody>
+      </p:sp>
+      <p:sp>
+        <p:nvSpPr>
+          <p:cNvPr id="771492163" name="Объект 2"/>
+          <p:cNvSpPr>
+            <a:spLocks noGrp="1"/>
+          </p:cNvSpPr>
+          <p:nvPr>
+            <p:ph idx="1"/>
+          </p:nvPr>
+        </p:nvSpPr>
+        <p:spPr bwMode="auto">
+          <a:xfrm>
+            <a:off x="838199" y="1377949"/>
+            <a:ext cx="10515600" cy="4351338"/>
+          </a:xfrm>
+        </p:spPr>
+        <p:txBody>
+          <a:bodyPr>
+            <a:normAutofit/>
+          </a:bodyPr>
+          <a:lstStyle/>
+          <a:p>
+            <a:pPr marL="0" indent="0">
+              <a:buNone/>
+              <a:defRPr/>
+            </a:pPr>
+            <a:r>
+              <a:rPr lang="en-US" sz="1400" dirty="0">
+                <a:latin typeface="Times New Roman" panose="02020603050405020304" pitchFamily="18" charset="0"/>
+                <a:cs typeface="Times New Roman" panose="02020603050405020304" pitchFamily="18" charset="0"/>
               </a:rPr>
-            </a:br>
-            <a:r>
-              <a:rPr lang="ru-RU" sz="4400" b="0" i="0" u="none" strike="noStrike" cap="none" spc="0">
-                <a:solidFill>
-                  <a:schemeClr val="tx1"/>
-                </a:solidFill>
-                <a:latin typeface="Arial"/>
-                <a:ea typeface="Arial"/>
-                <a:cs typeface="Arial"/>
-              </a:rPr>
-              <a:t>Исследовательский </a:t>
-            </a:r>
-            <a:r>
-              <a:rPr lang="ru-RU" sz="4400" b="0" i="0" u="none" strike="noStrike" cap="none" spc="0">
-                <a:solidFill>
-                  <a:schemeClr val="tx1"/>
-                </a:solidFill>
-                <a:latin typeface="Arial"/>
-                <a:ea typeface="Arial"/>
-                <a:cs typeface="Arial"/>
-              </a:rPr>
-              <a:t>анализ</a:t>
-            </a:r>
-            <a:endParaRPr sz="4400"/>
-          </a:p>
-          <a:p>
-            <a:pPr>
-              <a:defRPr/>
-            </a:pPr>
-            <a:endParaRPr/>
-          </a:p>
-        </p:txBody>
-      </p:sp>
-      <p:sp>
-        <p:nvSpPr>
-          <p:cNvPr id="1827874995" name="Объект 2"/>
-          <p:cNvSpPr>
-            <a:spLocks noGrp="1"/>
-          </p:cNvSpPr>
-          <p:nvPr>
-            <p:ph idx="1"/>
-          </p:nvPr>
-        </p:nvSpPr>
-        <p:spPr bwMode="auto">
-          <a:xfrm>
-            <a:off x="838199" y="1330324"/>
-            <a:ext cx="10515600" cy="4351338"/>
-          </a:xfrm>
-        </p:spPr>
-        <p:txBody>
-          <a:bodyPr/>
-          <a:lstStyle/>
-          <a:p>
-            <a:pPr marL="0" indent="0">
-              <a:buFont typeface="Arial"/>
-              <a:buNone/>
-              <a:defRPr/>
-            </a:pPr>
-            <a:r>
-              <a:rPr sz="1400"/>
-              <a:t>Зависимость ССЗ относительно пола</a:t>
-            </a:r>
-            <a:endParaRPr sz="1400"/>
-          </a:p>
-          <a:p>
-            <a:pPr marL="0" indent="0">
-              <a:buFont typeface="Arial"/>
-              <a:buNone/>
-              <a:defRPr/>
-            </a:pPr>
-            <a:endParaRPr/>
+              <a:t>The percentage of affected individuals based on the number of highlighted coronary arteries during fluoroscopy:</a:t>
+            </a:r>
+            <a:endParaRPr sz="1400" dirty="0">
+              <a:latin typeface="Times New Roman" panose="02020603050405020304" pitchFamily="18" charset="0"/>
+              <a:cs typeface="Times New Roman" panose="02020603050405020304" pitchFamily="18" charset="0"/>
+            </a:endParaRPr>
           </a:p>
         </p:txBody>
       </p:sp>
       <p:pic>
         <p:nvPicPr>
-          <p:cNvPr id="1794636503" name=""/>
+          <p:cNvPr id="822171527" name="Рисунок 822171526"/>
           <p:cNvPicPr>
             <a:picLocks noChangeAspect="1"/>
           </p:cNvPicPr>
@@ -6588,9 +6420,9 @@
           <a:stretch/>
         </p:blipFill>
         <p:spPr bwMode="auto">
-          <a:xfrm flipH="0" flipV="0">
-            <a:off x="281360" y="1690687"/>
-            <a:ext cx="7139589" cy="4946101"/>
+          <a:xfrm>
+            <a:off x="267235" y="1690687"/>
+            <a:ext cx="6829864" cy="5028868"/>
           </a:xfrm>
           <a:prstGeom prst="rect">
             <a:avLst/>
@@ -6599,14 +6431,14 @@
       </p:pic>
       <p:sp>
         <p:nvSpPr>
-          <p:cNvPr id="1014938567" name=""/>
+          <p:cNvPr id="897563613" name="TextBox 897563612"/>
           <p:cNvSpPr txBox="1"/>
           <p:nvPr/>
         </p:nvSpPr>
         <p:spPr bwMode="auto">
-          <a:xfrm flipH="0" flipV="0">
-            <a:off x="7573350" y="1690687"/>
-            <a:ext cx="3220386" cy="822996"/>
+          <a:xfrm>
+            <a:off x="7563825" y="2428875"/>
+            <a:ext cx="4276724" cy="365795"/>
           </a:xfrm>
           <a:prstGeom prst="rect">
             <a:avLst/>
@@ -6614,99 +6446,133 @@
           <a:noFill/>
         </p:spPr>
         <p:txBody>
-          <a:bodyPr vertOverflow="overflow" horzOverflow="overflow" vert="horz" wrap="square" lIns="91440" tIns="45720" rIns="91440" bIns="45720" numCol="1" spcCol="0" rtlCol="0" fromWordArt="0" anchor="t" anchorCtr="0" forceAA="0" upright="0" compatLnSpc="0">
+          <a:bodyPr vertOverflow="overflow" horzOverflow="overflow" vert="horz" wrap="square" lIns="91440" tIns="45720" rIns="91440" bIns="45720" numCol="1" spcCol="0" rtlCol="0" fromWordArt="0" anchor="t" anchorCtr="0" forceAA="0" compatLnSpc="0">
             <a:spAutoFit/>
           </a:bodyPr>
-          <a:p>
-            <a:pPr>
-              <a:defRPr/>
-            </a:pPr>
-            <a:r>
-              <a:rPr sz="1600" b="0" i="0" u="none">
-                <a:solidFill>
-                  <a:srgbClr val="000000"/>
-                </a:solidFill>
-                <a:latin typeface="Times New Roman"/>
-                <a:ea typeface="Times New Roman"/>
-                <a:cs typeface="Times New Roman"/>
+          <a:lstStyle/>
+          <a:p>
+            <a:pPr>
+              <a:defRPr/>
+            </a:pPr>
+            <a:endParaRPr/>
+          </a:p>
+        </p:txBody>
+      </p:sp>
+      <p:sp>
+        <p:nvSpPr>
+          <p:cNvPr id="310802628" name="TextBox 310802627"/>
+          <p:cNvSpPr txBox="1"/>
+          <p:nvPr/>
+        </p:nvSpPr>
+        <p:spPr bwMode="auto">
+          <a:xfrm>
+            <a:off x="7192350" y="1690687"/>
+            <a:ext cx="4772133" cy="1537600"/>
+          </a:xfrm>
+          <a:prstGeom prst="rect">
+            <a:avLst/>
+          </a:prstGeom>
+          <a:noFill/>
+        </p:spPr>
+        <p:txBody>
+          <a:bodyPr vertOverflow="overflow" horzOverflow="overflow" vert="horz" wrap="square" lIns="91440" tIns="45720" rIns="91440" bIns="45720" numCol="1" spcCol="0" rtlCol="0" fromWordArt="0" anchor="t" anchorCtr="0" forceAA="0" compatLnSpc="0">
+            <a:spAutoFit/>
+          </a:bodyPr>
+          <a:lstStyle/>
+          <a:p>
+            <a:r>
+              <a:rPr lang="en-US" sz="1400" dirty="0">
+                <a:latin typeface="Times New Roman" panose="02020603050405020304" pitchFamily="18" charset="0"/>
+                <a:cs typeface="Times New Roman" panose="02020603050405020304" pitchFamily="18" charset="0"/>
               </a:rPr>
-              <a:t>Процент больных:</a:t>
-            </a:r>
-            <a:endParaRPr sz="1600" b="0" i="0" u="none">
-              <a:solidFill>
-                <a:srgbClr val="000000"/>
-              </a:solidFill>
-              <a:latin typeface="Times New Roman"/>
-              <a:ea typeface="Times New Roman"/>
-              <a:cs typeface="Times New Roman"/>
+              <a:t>The more coronary arteries highlighted during fluoroscopy, the higher the likelihood of heart-related issues</a:t>
+            </a:r>
+            <a:r>
+              <a:rPr lang="en-US" sz="1400" dirty="0" smtClean="0">
+                <a:latin typeface="Times New Roman" panose="02020603050405020304" pitchFamily="18" charset="0"/>
+                <a:cs typeface="Times New Roman" panose="02020603050405020304" pitchFamily="18" charset="0"/>
+              </a:rPr>
+              <a:t>:</a:t>
+            </a:r>
+            <a:endParaRPr lang="ru-RU" sz="1400" dirty="0" smtClean="0">
+              <a:latin typeface="Times New Roman" panose="02020603050405020304" pitchFamily="18" charset="0"/>
+              <a:cs typeface="Times New Roman" panose="02020603050405020304" pitchFamily="18" charset="0"/>
             </a:endParaRPr>
           </a:p>
           <a:p>
-            <a:pPr marL="261850" indent="-261850">
-              <a:buFont typeface="Arial"/>
-              <a:buChar char="•"/>
-              <a:defRPr/>
-            </a:pPr>
-            <a:r>
-              <a:rPr sz="1600" b="0" i="0" u="none">
-                <a:solidFill>
-                  <a:srgbClr val="000000"/>
-                </a:solidFill>
-                <a:latin typeface="Times New Roman"/>
-                <a:ea typeface="Times New Roman"/>
-                <a:cs typeface="Times New Roman"/>
+            <a:endParaRPr lang="en-US" sz="1400" dirty="0">
+              <a:latin typeface="Times New Roman" panose="02020603050405020304" pitchFamily="18" charset="0"/>
+              <a:cs typeface="Times New Roman" panose="02020603050405020304" pitchFamily="18" charset="0"/>
+            </a:endParaRPr>
+          </a:p>
+          <a:p>
+            <a:r>
+              <a:rPr lang="en-US" sz="1400" dirty="0">
+                <a:latin typeface="Times New Roman" panose="02020603050405020304" pitchFamily="18" charset="0"/>
+                <a:cs typeface="Times New Roman" panose="02020603050405020304" pitchFamily="18" charset="0"/>
               </a:rPr>
-              <a:t>Мужчины – 63.22% </a:t>
-            </a:r>
-            <a:endParaRPr sz="1600" b="0" i="0" u="none">
-              <a:solidFill>
-                <a:srgbClr val="000000"/>
-              </a:solidFill>
-              <a:latin typeface="Times New Roman"/>
-              <a:ea typeface="Times New Roman"/>
-              <a:cs typeface="Times New Roman"/>
+              <a:t>0 - 45.84% </a:t>
+            </a:r>
+            <a:endParaRPr lang="ru-RU" sz="1400" dirty="0" smtClean="0">
+              <a:latin typeface="Times New Roman" panose="02020603050405020304" pitchFamily="18" charset="0"/>
+              <a:cs typeface="Times New Roman" panose="02020603050405020304" pitchFamily="18" charset="0"/>
             </a:endParaRPr>
           </a:p>
           <a:p>
-            <a:pPr marL="261850" indent="-261850">
-              <a:buFont typeface="Arial"/>
-              <a:buChar char="•"/>
-              <a:defRPr/>
-            </a:pPr>
-            <a:r>
-              <a:rPr sz="1600" b="0" i="0" u="none">
-                <a:solidFill>
-                  <a:srgbClr val="000000"/>
-                </a:solidFill>
-                <a:latin typeface="Times New Roman"/>
-                <a:ea typeface="Times New Roman"/>
-                <a:cs typeface="Times New Roman"/>
+            <a:r>
+              <a:rPr lang="en-US" sz="1400" dirty="0" smtClean="0">
+                <a:latin typeface="Times New Roman" panose="02020603050405020304" pitchFamily="18" charset="0"/>
+                <a:cs typeface="Times New Roman" panose="02020603050405020304" pitchFamily="18" charset="0"/>
               </a:rPr>
-              <a:t>Женщины -</a:t>
-            </a:r>
-            <a:r>
-              <a:rPr sz="1600" b="0" i="0" u="none">
-                <a:solidFill>
-                  <a:srgbClr val="000000"/>
-                </a:solidFill>
-                <a:latin typeface="Times New Roman"/>
-                <a:ea typeface="Times New Roman"/>
-                <a:cs typeface="Times New Roman"/>
+              <a:t>1 </a:t>
+            </a:r>
+            <a:r>
+              <a:rPr lang="en-US" sz="1400" dirty="0">
+                <a:latin typeface="Times New Roman" panose="02020603050405020304" pitchFamily="18" charset="0"/>
+                <a:cs typeface="Times New Roman" panose="02020603050405020304" pitchFamily="18" charset="0"/>
               </a:rPr>
-              <a:t>  </a:t>
-            </a:r>
-            <a:r>
-              <a:rPr sz="1600" b="0" i="0" u="none">
-                <a:solidFill>
-                  <a:srgbClr val="000000"/>
-                </a:solidFill>
-                <a:latin typeface="Times New Roman"/>
-                <a:ea typeface="Times New Roman"/>
-                <a:cs typeface="Times New Roman"/>
+              <a:t>- 66.81% </a:t>
+            </a:r>
+            <a:endParaRPr lang="ru-RU" sz="1400" dirty="0" smtClean="0">
+              <a:latin typeface="Times New Roman" panose="02020603050405020304" pitchFamily="18" charset="0"/>
+              <a:cs typeface="Times New Roman" panose="02020603050405020304" pitchFamily="18" charset="0"/>
+            </a:endParaRPr>
+          </a:p>
+          <a:p>
+            <a:r>
+              <a:rPr lang="en-US" sz="1400" dirty="0" smtClean="0">
+                <a:latin typeface="Times New Roman" panose="02020603050405020304" pitchFamily="18" charset="0"/>
+                <a:cs typeface="Times New Roman" panose="02020603050405020304" pitchFamily="18" charset="0"/>
               </a:rPr>
-              <a:t>25.77%</a:t>
-            </a:r>
-            <a:endParaRPr sz="2200"/>
+              <a:t>2 </a:t>
+            </a:r>
+            <a:r>
+              <a:rPr lang="en-US" sz="1400" dirty="0">
+                <a:latin typeface="Times New Roman" panose="02020603050405020304" pitchFamily="18" charset="0"/>
+                <a:cs typeface="Times New Roman" panose="02020603050405020304" pitchFamily="18" charset="0"/>
+              </a:rPr>
+              <a:t>- 83.95% </a:t>
+            </a:r>
+            <a:endParaRPr lang="ru-RU" sz="1400" dirty="0" smtClean="0">
+              <a:latin typeface="Times New Roman" panose="02020603050405020304" pitchFamily="18" charset="0"/>
+              <a:cs typeface="Times New Roman" panose="02020603050405020304" pitchFamily="18" charset="0"/>
+            </a:endParaRPr>
+          </a:p>
+          <a:p>
+            <a:r>
+              <a:rPr lang="en-US" sz="1400" dirty="0" smtClean="0">
+                <a:latin typeface="Times New Roman" panose="02020603050405020304" pitchFamily="18" charset="0"/>
+                <a:cs typeface="Times New Roman" panose="02020603050405020304" pitchFamily="18" charset="0"/>
+              </a:rPr>
+              <a:t>3 </a:t>
+            </a:r>
+            <a:r>
+              <a:rPr lang="en-US" sz="1400" dirty="0">
+                <a:latin typeface="Times New Roman" panose="02020603050405020304" pitchFamily="18" charset="0"/>
+                <a:cs typeface="Times New Roman" panose="02020603050405020304" pitchFamily="18" charset="0"/>
+              </a:rPr>
+              <a:t>- 85.71%</a:t>
+            </a:r>
           </a:p>
         </p:txBody>
       </p:sp>
@@ -6715,19 +6581,26 @@
   <p:clrMapOvr>
     <a:masterClrMapping/>
   </p:clrMapOvr>
-  <mc:AlternateContent xmlns:mc="http://schemas.openxmlformats.org/markup-compatibility/2006">
-    <mc:Choice xmlns:p14="http://schemas.microsoft.com/office/powerpoint/2010/main" Requires="p14">
-      <p:transition p14:dur="2000" advClick="1"/>
+  <mc:AlternateContent xmlns:mc="http://schemas.openxmlformats.org/markup-compatibility/2006" xmlns:p14="http://schemas.microsoft.com/office/powerpoint/2010/main">
+    <mc:Choice Requires="p14">
+      <p:transition spd="slow" p14:dur="2000"/>
     </mc:Choice>
-    <mc:Fallback>
+    <mc:Fallback xmlns="" xmlns:m="http://schemas.openxmlformats.org/officeDocument/2006/math" xmlns:w="http://schemas.openxmlformats.org/wordprocessingml/2006/main">
       <p:transition advClick="1"/>
     </mc:Fallback>
   </mc:AlternateContent>
+  <p:timing>
+    <p:tnLst>
+      <p:par>
+        <p:cTn id="1" dur="indefinite" restart="never" nodeType="tmRoot"/>
+      </p:par>
+    </p:tnLst>
+  </p:timing>
 </p:sld>
 </file>
 
 <file path=ppt/theme/theme1.xml><?xml version="1.0" encoding="utf-8"?>
-<a:theme xmlns:a="http://schemas.openxmlformats.org/drawingml/2006/main" xmlns:r="http://schemas.openxmlformats.org/officeDocument/2006/relationships" xmlns:p="http://schemas.openxmlformats.org/presentationml/2006/main" name="Office Theme">
+<a:theme xmlns:a="http://schemas.openxmlformats.org/drawingml/2006/main" name="Office Theme">
   <a:themeElements>
     <a:clrScheme name="Office Theme">
       <a:dk1>
@@ -6930,5 +6803,6 @@
     </a:fmtScheme>
   </a:themeElements>
   <a:objectDefaults/>
+  <a:extraClrSchemeLst/>
 </a:theme>
 </file>